--- a/软维组日常工作记录跟踪表/RA建设成果和batch运行情况-20150929.pptx
+++ b/软维组日常工作记录跟踪表/RA建设成果和batch运行情况-20150929.pptx
@@ -8,9 +8,14 @@
     <p:sldId id="256" r:id="rId2"/>
     <p:sldId id="257" r:id="rId3"/>
     <p:sldId id="258" r:id="rId4"/>
-    <p:sldId id="259" r:id="rId5"/>
-    <p:sldId id="260" r:id="rId6"/>
-    <p:sldId id="261" r:id="rId7"/>
+    <p:sldId id="262" r:id="rId5"/>
+    <p:sldId id="263" r:id="rId6"/>
+    <p:sldId id="265" r:id="rId7"/>
+    <p:sldId id="264" r:id="rId8"/>
+    <p:sldId id="259" r:id="rId9"/>
+    <p:sldId id="260" r:id="rId10"/>
+    <p:sldId id="261" r:id="rId11"/>
+    <p:sldId id="266" r:id="rId12"/>
   </p:sldIdLst>
   <p:sldSz cx="12192000" cy="6858000"/>
   <p:notesSz cx="6858000" cy="9144000"/>
@@ -151,17 +156,18 @@
               </a:defRPr>
             </a:pPr>
             <a:r>
-              <a:rPr lang="en-US" altLang="zh-CN" dirty="0" smtClean="0"/>
-              <a:t>RA batch</a:t>
-            </a:r>
-            <a:r>
-              <a:rPr lang="zh-CN" altLang="en-US" dirty="0" smtClean="0"/>
+              <a:rPr lang="en-US"/>
+              <a:t>RA batch </a:t>
+            </a:r>
+            <a:r>
+              <a:rPr lang="zh-CN"/>
               <a:t>运行时间</a:t>
             </a:r>
-            <a:endParaRPr lang="en-US" altLang="zh-CN" dirty="0"/>
+            <a:endParaRPr lang="en-US"/>
           </a:p>
         </c:rich>
       </c:tx>
+      <c:layout/>
       <c:overlay val="0"/>
       <c:spPr>
         <a:noFill/>
@@ -193,17 +199,7 @@
     </c:title>
     <c:autoTitleDeleted val="0"/>
     <c:plotArea>
-      <c:layout>
-        <c:manualLayout>
-          <c:layoutTarget val="inner"/>
-          <c:xMode val="edge"/>
-          <c:yMode val="edge"/>
-          <c:x val="8.1938823067677288E-2"/>
-          <c:y val="0.13756140782270393"/>
-          <c:w val="0.88438295680329682"/>
-          <c:h val="0.68639387799563001"/>
-        </c:manualLayout>
-      </c:layout>
+      <c:layout/>
       <c:lineChart>
         <c:grouping val="standard"/>
         <c:varyColors val="0"/>
@@ -212,7 +208,7 @@
           <c:order val="0"/>
           <c:tx>
             <c:strRef>
-              <c:f>Sheet1!$B$1</c:f>
+              <c:f>'SQL Results'!$B$1</c:f>
               <c:strCache>
                 <c:ptCount val="1"/>
                 <c:pt idx="0">
@@ -231,26 +227,14 @@
             <a:effectLst/>
           </c:spPr>
           <c:marker>
-            <c:symbol val="circle"/>
-            <c:size val="5"/>
-            <c:spPr>
-              <a:solidFill>
-                <a:schemeClr val="accent1"/>
-              </a:solidFill>
-              <a:ln w="9525">
-                <a:solidFill>
-                  <a:schemeClr val="accent1"/>
-                </a:solidFill>
-              </a:ln>
-              <a:effectLst/>
-            </c:spPr>
+            <c:symbol val="none"/>
           </c:marker>
           <c:cat>
             <c:numRef>
-              <c:f>Sheet1!$A$2:$A$326</c:f>
+              <c:f>'SQL Results'!$A$2:$A$336</c:f>
               <c:numCache>
-                <c:formatCode>yyyy/m/d;@</c:formatCode>
-                <c:ptCount val="325"/>
+                <c:formatCode>yyyy\/m\/d</c:formatCode>
+                <c:ptCount val="335"/>
                 <c:pt idx="0">
                   <c:v>41952</c:v>
                 </c:pt>
@@ -666,575 +650,605 @@
                   <c:v>42089</c:v>
                 </c:pt>
                 <c:pt idx="138">
+                  <c:v>42089</c:v>
+                </c:pt>
+                <c:pt idx="139">
                   <c:v>42090</c:v>
                 </c:pt>
-                <c:pt idx="139">
+                <c:pt idx="140">
                   <c:v>42091</c:v>
                 </c:pt>
-                <c:pt idx="140">
+                <c:pt idx="141">
                   <c:v>42092</c:v>
                 </c:pt>
-                <c:pt idx="141">
+                <c:pt idx="142">
                   <c:v>42093</c:v>
                 </c:pt>
-                <c:pt idx="142">
+                <c:pt idx="143">
                   <c:v>42094</c:v>
                 </c:pt>
-                <c:pt idx="143">
+                <c:pt idx="144">
                   <c:v>42095</c:v>
                 </c:pt>
-                <c:pt idx="144">
+                <c:pt idx="145">
                   <c:v>42096</c:v>
                 </c:pt>
-                <c:pt idx="145">
+                <c:pt idx="146">
                   <c:v>42097</c:v>
                 </c:pt>
-                <c:pt idx="146">
+                <c:pt idx="147">
                   <c:v>42098</c:v>
                 </c:pt>
-                <c:pt idx="147">
+                <c:pt idx="148">
                   <c:v>42099</c:v>
                 </c:pt>
-                <c:pt idx="148">
+                <c:pt idx="149">
                   <c:v>42100</c:v>
                 </c:pt>
-                <c:pt idx="149">
+                <c:pt idx="150">
                   <c:v>42101</c:v>
                 </c:pt>
-                <c:pt idx="150">
+                <c:pt idx="151">
                   <c:v>42102</c:v>
                 </c:pt>
-                <c:pt idx="151">
+                <c:pt idx="152">
                   <c:v>42103</c:v>
                 </c:pt>
-                <c:pt idx="152">
+                <c:pt idx="153">
                   <c:v>42104</c:v>
                 </c:pt>
-                <c:pt idx="153">
+                <c:pt idx="154">
                   <c:v>42105</c:v>
                 </c:pt>
-                <c:pt idx="154">
+                <c:pt idx="155">
                   <c:v>42106</c:v>
                 </c:pt>
-                <c:pt idx="155">
+                <c:pt idx="156">
                   <c:v>42107</c:v>
                 </c:pt>
-                <c:pt idx="156">
+                <c:pt idx="157">
                   <c:v>42108</c:v>
                 </c:pt>
-                <c:pt idx="157">
+                <c:pt idx="158">
                   <c:v>42109</c:v>
                 </c:pt>
-                <c:pt idx="158">
+                <c:pt idx="159">
                   <c:v>42110</c:v>
                 </c:pt>
-                <c:pt idx="159">
+                <c:pt idx="160">
                   <c:v>42111</c:v>
                 </c:pt>
-                <c:pt idx="160">
+                <c:pt idx="161">
                   <c:v>42112</c:v>
                 </c:pt>
-                <c:pt idx="161">
+                <c:pt idx="162">
                   <c:v>42113</c:v>
                 </c:pt>
-                <c:pt idx="162">
+                <c:pt idx="163">
                   <c:v>42114</c:v>
                 </c:pt>
-                <c:pt idx="163">
+                <c:pt idx="164">
                   <c:v>42115</c:v>
                 </c:pt>
-                <c:pt idx="164">
+                <c:pt idx="165">
                   <c:v>42116</c:v>
                 </c:pt>
-                <c:pt idx="165">
+                <c:pt idx="166">
                   <c:v>42117</c:v>
                 </c:pt>
-                <c:pt idx="166">
+                <c:pt idx="167">
                   <c:v>42118</c:v>
                 </c:pt>
-                <c:pt idx="167">
+                <c:pt idx="168">
                   <c:v>42119</c:v>
                 </c:pt>
-                <c:pt idx="168">
+                <c:pt idx="169">
                   <c:v>42120</c:v>
                 </c:pt>
-                <c:pt idx="169">
+                <c:pt idx="170">
                   <c:v>42121</c:v>
                 </c:pt>
-                <c:pt idx="170">
+                <c:pt idx="171">
                   <c:v>42122</c:v>
                 </c:pt>
-                <c:pt idx="171">
+                <c:pt idx="172">
                   <c:v>42123</c:v>
                 </c:pt>
-                <c:pt idx="172">
+                <c:pt idx="173">
                   <c:v>42124</c:v>
                 </c:pt>
-                <c:pt idx="173">
+                <c:pt idx="174">
                   <c:v>42125</c:v>
                 </c:pt>
-                <c:pt idx="174">
+                <c:pt idx="175">
                   <c:v>42126</c:v>
                 </c:pt>
-                <c:pt idx="175">
+                <c:pt idx="176">
                   <c:v>42127</c:v>
                 </c:pt>
-                <c:pt idx="176">
+                <c:pt idx="177">
                   <c:v>42128</c:v>
                 </c:pt>
-                <c:pt idx="177">
+                <c:pt idx="178">
                   <c:v>42129</c:v>
                 </c:pt>
-                <c:pt idx="178">
+                <c:pt idx="179">
                   <c:v>42130</c:v>
                 </c:pt>
-                <c:pt idx="179">
+                <c:pt idx="180">
                   <c:v>42131</c:v>
                 </c:pt>
-                <c:pt idx="180">
+                <c:pt idx="181">
                   <c:v>42132</c:v>
                 </c:pt>
-                <c:pt idx="181">
+                <c:pt idx="182">
                   <c:v>42133</c:v>
                 </c:pt>
-                <c:pt idx="182">
+                <c:pt idx="183">
                   <c:v>42134</c:v>
                 </c:pt>
-                <c:pt idx="183">
+                <c:pt idx="184">
                   <c:v>42135</c:v>
                 </c:pt>
-                <c:pt idx="184">
+                <c:pt idx="185">
                   <c:v>42136</c:v>
                 </c:pt>
-                <c:pt idx="185">
+                <c:pt idx="186">
                   <c:v>42137</c:v>
                 </c:pt>
-                <c:pt idx="186">
+                <c:pt idx="187">
                   <c:v>42138</c:v>
                 </c:pt>
-                <c:pt idx="187">
+                <c:pt idx="188">
                   <c:v>42139</c:v>
                 </c:pt>
-                <c:pt idx="188">
+                <c:pt idx="189">
                   <c:v>42140</c:v>
                 </c:pt>
-                <c:pt idx="189">
+                <c:pt idx="190">
                   <c:v>42141</c:v>
                 </c:pt>
-                <c:pt idx="190">
+                <c:pt idx="191">
                   <c:v>42142</c:v>
                 </c:pt>
-                <c:pt idx="191">
+                <c:pt idx="192">
                   <c:v>42143</c:v>
                 </c:pt>
-                <c:pt idx="192">
+                <c:pt idx="193">
                   <c:v>42144</c:v>
                 </c:pt>
-                <c:pt idx="193">
+                <c:pt idx="194">
                   <c:v>42145</c:v>
                 </c:pt>
-                <c:pt idx="194">
+                <c:pt idx="195">
                   <c:v>42146</c:v>
                 </c:pt>
-                <c:pt idx="195">
+                <c:pt idx="196">
                   <c:v>42147</c:v>
                 </c:pt>
-                <c:pt idx="196">
+                <c:pt idx="197">
                   <c:v>42148</c:v>
                 </c:pt>
-                <c:pt idx="197">
+                <c:pt idx="198">
                   <c:v>42149</c:v>
                 </c:pt>
-                <c:pt idx="198">
+                <c:pt idx="199">
                   <c:v>42150</c:v>
                 </c:pt>
-                <c:pt idx="199">
+                <c:pt idx="200">
                   <c:v>42151</c:v>
                 </c:pt>
-                <c:pt idx="200">
+                <c:pt idx="201">
                   <c:v>42152</c:v>
                 </c:pt>
-                <c:pt idx="201">
+                <c:pt idx="202">
                   <c:v>42153</c:v>
                 </c:pt>
-                <c:pt idx="202">
+                <c:pt idx="203">
                   <c:v>42154</c:v>
                 </c:pt>
-                <c:pt idx="203">
+                <c:pt idx="204">
                   <c:v>42155</c:v>
                 </c:pt>
-                <c:pt idx="204">
+                <c:pt idx="205">
                   <c:v>42156</c:v>
                 </c:pt>
-                <c:pt idx="205">
+                <c:pt idx="206">
                   <c:v>42157</c:v>
                 </c:pt>
-                <c:pt idx="206">
+                <c:pt idx="207">
                   <c:v>42158</c:v>
                 </c:pt>
-                <c:pt idx="207">
+                <c:pt idx="208">
                   <c:v>42159</c:v>
                 </c:pt>
-                <c:pt idx="208">
+                <c:pt idx="209">
                   <c:v>42160</c:v>
                 </c:pt>
-                <c:pt idx="209">
+                <c:pt idx="210">
                   <c:v>42161</c:v>
                 </c:pt>
-                <c:pt idx="210">
+                <c:pt idx="211">
                   <c:v>42162</c:v>
                 </c:pt>
-                <c:pt idx="211">
+                <c:pt idx="212">
                   <c:v>42163</c:v>
                 </c:pt>
-                <c:pt idx="212">
+                <c:pt idx="213">
                   <c:v>42164</c:v>
                 </c:pt>
-                <c:pt idx="213">
+                <c:pt idx="214">
                   <c:v>42165</c:v>
                 </c:pt>
-                <c:pt idx="214">
+                <c:pt idx="215">
                   <c:v>42166</c:v>
                 </c:pt>
-                <c:pt idx="215">
+                <c:pt idx="216">
                   <c:v>42167</c:v>
                 </c:pt>
-                <c:pt idx="216">
+                <c:pt idx="217">
                   <c:v>42168</c:v>
                 </c:pt>
-                <c:pt idx="217">
+                <c:pt idx="218">
                   <c:v>42169</c:v>
                 </c:pt>
-                <c:pt idx="218">
+                <c:pt idx="219">
                   <c:v>42170</c:v>
                 </c:pt>
-                <c:pt idx="219">
+                <c:pt idx="220">
                   <c:v>42171</c:v>
                 </c:pt>
-                <c:pt idx="220">
+                <c:pt idx="221">
                   <c:v>42172</c:v>
                 </c:pt>
-                <c:pt idx="221">
+                <c:pt idx="222">
                   <c:v>42173</c:v>
                 </c:pt>
-                <c:pt idx="222">
+                <c:pt idx="223">
                   <c:v>42174</c:v>
                 </c:pt>
-                <c:pt idx="223">
+                <c:pt idx="224">
                   <c:v>42175</c:v>
                 </c:pt>
-                <c:pt idx="224">
+                <c:pt idx="225">
                   <c:v>42176</c:v>
                 </c:pt>
-                <c:pt idx="225">
+                <c:pt idx="226">
                   <c:v>42177</c:v>
                 </c:pt>
-                <c:pt idx="226">
+                <c:pt idx="227">
                   <c:v>42178</c:v>
                 </c:pt>
-                <c:pt idx="227">
+                <c:pt idx="228">
                   <c:v>42179</c:v>
                 </c:pt>
-                <c:pt idx="228">
+                <c:pt idx="229">
                   <c:v>42180</c:v>
                 </c:pt>
-                <c:pt idx="229">
+                <c:pt idx="230">
                   <c:v>42181</c:v>
                 </c:pt>
-                <c:pt idx="230">
+                <c:pt idx="231">
                   <c:v>42182</c:v>
                 </c:pt>
-                <c:pt idx="231">
+                <c:pt idx="232">
                   <c:v>42183</c:v>
                 </c:pt>
-                <c:pt idx="232">
+                <c:pt idx="233">
                   <c:v>42184</c:v>
                 </c:pt>
-                <c:pt idx="233">
+                <c:pt idx="234">
                   <c:v>42185</c:v>
                 </c:pt>
-                <c:pt idx="234">
+                <c:pt idx="235">
                   <c:v>42186</c:v>
                 </c:pt>
-                <c:pt idx="235">
+                <c:pt idx="236">
                   <c:v>42187</c:v>
                 </c:pt>
-                <c:pt idx="236">
+                <c:pt idx="237">
                   <c:v>42188</c:v>
                 </c:pt>
-                <c:pt idx="237">
+                <c:pt idx="238">
                   <c:v>42189</c:v>
                 </c:pt>
-                <c:pt idx="238">
+                <c:pt idx="239">
                   <c:v>42190</c:v>
                 </c:pt>
-                <c:pt idx="239">
+                <c:pt idx="240">
                   <c:v>42191</c:v>
                 </c:pt>
-                <c:pt idx="240">
+                <c:pt idx="241">
                   <c:v>42192</c:v>
                 </c:pt>
-                <c:pt idx="241">
+                <c:pt idx="242">
                   <c:v>42193</c:v>
                 </c:pt>
-                <c:pt idx="242">
+                <c:pt idx="243">
                   <c:v>42194</c:v>
                 </c:pt>
-                <c:pt idx="243">
+                <c:pt idx="244">
                   <c:v>42195</c:v>
                 </c:pt>
-                <c:pt idx="244">
+                <c:pt idx="245">
                   <c:v>42196</c:v>
                 </c:pt>
-                <c:pt idx="245">
+                <c:pt idx="246">
                   <c:v>42197</c:v>
                 </c:pt>
-                <c:pt idx="246">
+                <c:pt idx="247">
                   <c:v>42198</c:v>
                 </c:pt>
-                <c:pt idx="247">
+                <c:pt idx="248">
                   <c:v>42199</c:v>
                 </c:pt>
-                <c:pt idx="248">
+                <c:pt idx="249">
                   <c:v>42200</c:v>
                 </c:pt>
-                <c:pt idx="249">
+                <c:pt idx="250">
                   <c:v>42201</c:v>
                 </c:pt>
-                <c:pt idx="250">
+                <c:pt idx="251">
                   <c:v>42202</c:v>
                 </c:pt>
-                <c:pt idx="251">
+                <c:pt idx="252">
                   <c:v>42203</c:v>
                 </c:pt>
-                <c:pt idx="252">
+                <c:pt idx="253">
                   <c:v>42204</c:v>
                 </c:pt>
-                <c:pt idx="253">
+                <c:pt idx="254">
                   <c:v>42205</c:v>
                 </c:pt>
-                <c:pt idx="254">
+                <c:pt idx="255">
                   <c:v>42206</c:v>
                 </c:pt>
-                <c:pt idx="255">
+                <c:pt idx="256">
                   <c:v>42207</c:v>
                 </c:pt>
-                <c:pt idx="256">
+                <c:pt idx="257">
                   <c:v>42208</c:v>
                 </c:pt>
-                <c:pt idx="257">
+                <c:pt idx="258">
                   <c:v>42209</c:v>
                 </c:pt>
-                <c:pt idx="258">
+                <c:pt idx="259">
                   <c:v>42210</c:v>
                 </c:pt>
-                <c:pt idx="259">
+                <c:pt idx="260">
                   <c:v>42211</c:v>
                 </c:pt>
-                <c:pt idx="260">
+                <c:pt idx="261">
                   <c:v>42212</c:v>
                 </c:pt>
-                <c:pt idx="261">
+                <c:pt idx="262">
                   <c:v>42213</c:v>
                 </c:pt>
-                <c:pt idx="262">
+                <c:pt idx="263">
                   <c:v>42214</c:v>
                 </c:pt>
-                <c:pt idx="263">
+                <c:pt idx="264">
                   <c:v>42215</c:v>
                 </c:pt>
-                <c:pt idx="264">
+                <c:pt idx="265">
                   <c:v>42216</c:v>
                 </c:pt>
-                <c:pt idx="265">
+                <c:pt idx="266">
                   <c:v>42217</c:v>
                 </c:pt>
-                <c:pt idx="266">
+                <c:pt idx="267">
                   <c:v>42218</c:v>
                 </c:pt>
-                <c:pt idx="267">
+                <c:pt idx="268">
                   <c:v>42219</c:v>
                 </c:pt>
-                <c:pt idx="268">
+                <c:pt idx="269">
                   <c:v>42220</c:v>
                 </c:pt>
-                <c:pt idx="269">
+                <c:pt idx="270">
                   <c:v>42221</c:v>
                 </c:pt>
-                <c:pt idx="270">
+                <c:pt idx="271">
                   <c:v>42222</c:v>
                 </c:pt>
-                <c:pt idx="271">
+                <c:pt idx="272">
                   <c:v>42223</c:v>
                 </c:pt>
-                <c:pt idx="272">
+                <c:pt idx="273">
                   <c:v>42224</c:v>
                 </c:pt>
-                <c:pt idx="273">
+                <c:pt idx="274">
                   <c:v>42225</c:v>
                 </c:pt>
-                <c:pt idx="274">
+                <c:pt idx="275">
                   <c:v>42226</c:v>
                 </c:pt>
-                <c:pt idx="275">
+                <c:pt idx="276">
                   <c:v>42227</c:v>
                 </c:pt>
-                <c:pt idx="276">
+                <c:pt idx="277">
                   <c:v>42228</c:v>
                 </c:pt>
-                <c:pt idx="277">
+                <c:pt idx="278">
                   <c:v>42229</c:v>
                 </c:pt>
-                <c:pt idx="278">
+                <c:pt idx="279">
                   <c:v>42230</c:v>
                 </c:pt>
-                <c:pt idx="279">
+                <c:pt idx="280">
                   <c:v>42231</c:v>
                 </c:pt>
-                <c:pt idx="280">
+                <c:pt idx="281">
                   <c:v>42232</c:v>
                 </c:pt>
-                <c:pt idx="281">
+                <c:pt idx="282">
                   <c:v>42233</c:v>
                 </c:pt>
-                <c:pt idx="282">
+                <c:pt idx="283">
                   <c:v>42234</c:v>
                 </c:pt>
-                <c:pt idx="283">
+                <c:pt idx="284">
                   <c:v>42235</c:v>
                 </c:pt>
-                <c:pt idx="284">
+                <c:pt idx="285">
                   <c:v>42236</c:v>
                 </c:pt>
-                <c:pt idx="285">
+                <c:pt idx="286">
                   <c:v>42237</c:v>
                 </c:pt>
-                <c:pt idx="286">
+                <c:pt idx="287">
                   <c:v>42238</c:v>
                 </c:pt>
-                <c:pt idx="287">
+                <c:pt idx="288">
                   <c:v>42239</c:v>
                 </c:pt>
-                <c:pt idx="288">
+                <c:pt idx="289">
                   <c:v>42240</c:v>
                 </c:pt>
-                <c:pt idx="289">
+                <c:pt idx="290">
                   <c:v>42241</c:v>
                 </c:pt>
-                <c:pt idx="290">
+                <c:pt idx="291">
                   <c:v>42242</c:v>
                 </c:pt>
-                <c:pt idx="291">
+                <c:pt idx="292">
                   <c:v>42243</c:v>
                 </c:pt>
-                <c:pt idx="292">
+                <c:pt idx="293">
                   <c:v>42244</c:v>
                 </c:pt>
-                <c:pt idx="293">
+                <c:pt idx="294">
                   <c:v>42245</c:v>
                 </c:pt>
-                <c:pt idx="294">
+                <c:pt idx="295">
                   <c:v>42246</c:v>
                 </c:pt>
-                <c:pt idx="295">
+                <c:pt idx="296">
                   <c:v>42247</c:v>
                 </c:pt>
-                <c:pt idx="296">
+                <c:pt idx="297">
                   <c:v>42248</c:v>
                 </c:pt>
-                <c:pt idx="297">
+                <c:pt idx="298">
                   <c:v>42249</c:v>
                 </c:pt>
-                <c:pt idx="298">
+                <c:pt idx="299">
                   <c:v>42250</c:v>
                 </c:pt>
-                <c:pt idx="299">
+                <c:pt idx="300">
                   <c:v>42251</c:v>
                 </c:pt>
-                <c:pt idx="300">
+                <c:pt idx="301">
                   <c:v>42252</c:v>
                 </c:pt>
-                <c:pt idx="301">
+                <c:pt idx="302">
                   <c:v>42253</c:v>
                 </c:pt>
-                <c:pt idx="302">
+                <c:pt idx="303">
                   <c:v>42254</c:v>
                 </c:pt>
-                <c:pt idx="303">
+                <c:pt idx="304">
                   <c:v>42255</c:v>
                 </c:pt>
-                <c:pt idx="304">
+                <c:pt idx="305">
                   <c:v>42256</c:v>
                 </c:pt>
-                <c:pt idx="305">
+                <c:pt idx="306">
                   <c:v>42257</c:v>
                 </c:pt>
-                <c:pt idx="306">
+                <c:pt idx="307">
                   <c:v>42258</c:v>
                 </c:pt>
-                <c:pt idx="307">
+                <c:pt idx="308">
                   <c:v>42259</c:v>
                 </c:pt>
-                <c:pt idx="308">
+                <c:pt idx="309">
                   <c:v>42260</c:v>
                 </c:pt>
-                <c:pt idx="309">
+                <c:pt idx="310">
                   <c:v>42261</c:v>
                 </c:pt>
-                <c:pt idx="310">
+                <c:pt idx="311">
                   <c:v>42262</c:v>
                 </c:pt>
-                <c:pt idx="311">
+                <c:pt idx="312">
                   <c:v>42263</c:v>
                 </c:pt>
-                <c:pt idx="312">
+                <c:pt idx="313">
                   <c:v>42264</c:v>
                 </c:pt>
-                <c:pt idx="313">
+                <c:pt idx="314">
                   <c:v>42265</c:v>
                 </c:pt>
-                <c:pt idx="314">
+                <c:pt idx="315">
                   <c:v>42266</c:v>
                 </c:pt>
-                <c:pt idx="315">
+                <c:pt idx="316">
                   <c:v>42267</c:v>
                 </c:pt>
-                <c:pt idx="316">
+                <c:pt idx="317">
                   <c:v>42268</c:v>
                 </c:pt>
-                <c:pt idx="317">
+                <c:pt idx="318">
                   <c:v>42269</c:v>
                 </c:pt>
-                <c:pt idx="318">
+                <c:pt idx="319">
                   <c:v>42270</c:v>
                 </c:pt>
-                <c:pt idx="319">
+                <c:pt idx="320">
                   <c:v>42271</c:v>
                 </c:pt>
-                <c:pt idx="320">
+                <c:pt idx="321">
                   <c:v>42272</c:v>
                 </c:pt>
-                <c:pt idx="321">
+                <c:pt idx="322">
                   <c:v>42273</c:v>
                 </c:pt>
-                <c:pt idx="322">
+                <c:pt idx="323">
                   <c:v>42274</c:v>
                 </c:pt>
-                <c:pt idx="323">
+                <c:pt idx="324">
                   <c:v>42275</c:v>
                 </c:pt>
-                <c:pt idx="324">
+                <c:pt idx="325">
                   <c:v>42276</c:v>
+                </c:pt>
+                <c:pt idx="326">
+                  <c:v>42277</c:v>
+                </c:pt>
+                <c:pt idx="327">
+                  <c:v>42278</c:v>
+                </c:pt>
+                <c:pt idx="328">
+                  <c:v>42279</c:v>
+                </c:pt>
+                <c:pt idx="329">
+                  <c:v>42280</c:v>
+                </c:pt>
+                <c:pt idx="330">
+                  <c:v>42281</c:v>
+                </c:pt>
+                <c:pt idx="331">
+                  <c:v>42282</c:v>
+                </c:pt>
+                <c:pt idx="332">
+                  <c:v>42283</c:v>
+                </c:pt>
+                <c:pt idx="333">
+                  <c:v>42284</c:v>
+                </c:pt>
+                <c:pt idx="334">
+                  <c:v>42285</c:v>
                 </c:pt>
               </c:numCache>
             </c:numRef>
           </c:cat>
           <c:val>
             <c:numRef>
-              <c:f>Sheet1!$B$2:$B$326</c:f>
+              <c:f>'SQL Results'!$B$2:$B$336</c:f>
               <c:numCache>
-                <c:formatCode>h:mm:ss</c:formatCode>
-                <c:ptCount val="325"/>
+                <c:formatCode>h:mm:ss;@</c:formatCode>
+                <c:ptCount val="335"/>
                 <c:pt idx="0">
                   <c:v>0.18087962962962964</c:v>
                 </c:pt>
@@ -1647,568 +1661,598 @@
                   <c:v>0.21895833333333334</c:v>
                 </c:pt>
                 <c:pt idx="137">
+                  <c:v>4.9965277777777782E-2</c:v>
+                </c:pt>
+                <c:pt idx="138">
                   <c:v>0.56456018518518525</c:v>
                 </c:pt>
-                <c:pt idx="138">
+                <c:pt idx="139">
                   <c:v>0.28528935185185184</c:v>
                 </c:pt>
-                <c:pt idx="139">
+                <c:pt idx="140">
                   <c:v>0.27937499999999998</c:v>
                 </c:pt>
-                <c:pt idx="140">
+                <c:pt idx="141">
                   <c:v>0.25359953703703703</c:v>
                 </c:pt>
-                <c:pt idx="141">
+                <c:pt idx="142">
                   <c:v>0.25473379629629628</c:v>
                 </c:pt>
-                <c:pt idx="142">
+                <c:pt idx="143">
                   <c:v>0.50537037037037036</c:v>
                 </c:pt>
-                <c:pt idx="143">
+                <c:pt idx="144">
                   <c:v>0.39868055555555554</c:v>
                 </c:pt>
-                <c:pt idx="144">
+                <c:pt idx="145">
                   <c:v>0.22719907407407405</c:v>
                 </c:pt>
-                <c:pt idx="145">
+                <c:pt idx="146">
                   <c:v>0.48312500000000003</c:v>
                 </c:pt>
-                <c:pt idx="146">
+                <c:pt idx="147">
                   <c:v>0.39769675925925929</c:v>
                 </c:pt>
-                <c:pt idx="147">
+                <c:pt idx="148">
                   <c:v>0.49656250000000002</c:v>
                 </c:pt>
-                <c:pt idx="148">
+                <c:pt idx="149">
                   <c:v>0.28269675925925924</c:v>
                 </c:pt>
-                <c:pt idx="149">
+                <c:pt idx="150">
                   <c:v>0.25474537037037037</c:v>
                 </c:pt>
-                <c:pt idx="150">
+                <c:pt idx="151">
                   <c:v>0.2467013888888889</c:v>
                 </c:pt>
-                <c:pt idx="151">
+                <c:pt idx="152">
                   <c:v>0.54140046296296296</c:v>
                 </c:pt>
-                <c:pt idx="152">
+                <c:pt idx="153">
                   <c:v>0.41788194444444443</c:v>
                 </c:pt>
-                <c:pt idx="153">
+                <c:pt idx="154">
                   <c:v>0.27050925925925923</c:v>
                 </c:pt>
-                <c:pt idx="154">
+                <c:pt idx="155">
                   <c:v>0.22274305555555554</c:v>
                 </c:pt>
-                <c:pt idx="155">
+                <c:pt idx="156">
                   <c:v>0.24042824074074076</c:v>
                 </c:pt>
-                <c:pt idx="156">
+                <c:pt idx="157">
                   <c:v>0.48280092592592588</c:v>
                 </c:pt>
-                <c:pt idx="157">
+                <c:pt idx="158">
                   <c:v>0.20369212962962965</c:v>
                 </c:pt>
-                <c:pt idx="158">
+                <c:pt idx="159">
                   <c:v>0.5095601851851852</c:v>
                 </c:pt>
-                <c:pt idx="159">
+                <c:pt idx="160">
                   <c:v>0.2227662037037037</c:v>
                 </c:pt>
-                <c:pt idx="160">
+                <c:pt idx="161">
                   <c:v>0.22515046296296296</c:v>
                 </c:pt>
-                <c:pt idx="161">
+                <c:pt idx="162">
                   <c:v>0.20724537037037036</c:v>
                 </c:pt>
-                <c:pt idx="162">
+                <c:pt idx="163">
                   <c:v>0.21146990740740743</c:v>
                 </c:pt>
-                <c:pt idx="163">
+                <c:pt idx="164">
                   <c:v>0.23640046296296294</c:v>
                 </c:pt>
-                <c:pt idx="164">
+                <c:pt idx="165">
                   <c:v>0.27706018518518521</c:v>
                 </c:pt>
-                <c:pt idx="165">
+                <c:pt idx="166">
                   <c:v>0.24916666666666668</c:v>
                 </c:pt>
-                <c:pt idx="166">
+                <c:pt idx="167">
                   <c:v>0.23318287037037036</c:v>
                 </c:pt>
-                <c:pt idx="167">
+                <c:pt idx="168">
                   <c:v>0.25996527777777778</c:v>
                 </c:pt>
-                <c:pt idx="168">
+                <c:pt idx="169">
                   <c:v>0.21371527777777777</c:v>
                 </c:pt>
-                <c:pt idx="169">
+                <c:pt idx="170">
                   <c:v>0.21373842592592593</c:v>
                 </c:pt>
-                <c:pt idx="170">
+                <c:pt idx="171">
                   <c:v>0.41225694444444444</c:v>
                 </c:pt>
-                <c:pt idx="171">
+                <c:pt idx="172">
                   <c:v>0.19986111111111113</c:v>
                 </c:pt>
-                <c:pt idx="172">
+                <c:pt idx="173">
                   <c:v>0.23537037037037037</c:v>
                 </c:pt>
-                <c:pt idx="173">
+                <c:pt idx="174">
                   <c:v>0.24869212962962961</c:v>
                 </c:pt>
-                <c:pt idx="174">
+                <c:pt idx="175">
                   <c:v>0.21312500000000001</c:v>
                 </c:pt>
-                <c:pt idx="175">
+                <c:pt idx="176">
                   <c:v>0.24365740740740741</c:v>
                 </c:pt>
-                <c:pt idx="176">
+                <c:pt idx="177">
                   <c:v>0.24459490740740741</c:v>
                 </c:pt>
-                <c:pt idx="177">
+                <c:pt idx="178">
                   <c:v>0.32679398148148148</c:v>
                 </c:pt>
-                <c:pt idx="178">
+                <c:pt idx="179">
                   <c:v>0.30471064814814813</c:v>
                 </c:pt>
-                <c:pt idx="179">
+                <c:pt idx="180">
                   <c:v>0.31709490740740742</c:v>
                 </c:pt>
-                <c:pt idx="180">
+                <c:pt idx="181">
                   <c:v>0.20136574074074076</c:v>
                 </c:pt>
-                <c:pt idx="181">
+                <c:pt idx="182">
                   <c:v>0.24300925925925929</c:v>
                 </c:pt>
-                <c:pt idx="182">
+                <c:pt idx="183">
                   <c:v>0.15771990740740741</c:v>
                 </c:pt>
-                <c:pt idx="183">
+                <c:pt idx="184">
                   <c:v>0.21666666666666667</c:v>
                 </c:pt>
-                <c:pt idx="184">
+                <c:pt idx="185">
                   <c:v>0.21385416666666668</c:v>
                 </c:pt>
-                <c:pt idx="185">
+                <c:pt idx="186">
                   <c:v>0.20751157407407406</c:v>
                 </c:pt>
-                <c:pt idx="186">
+                <c:pt idx="187">
                   <c:v>0.19777777777777775</c:v>
                 </c:pt>
-                <c:pt idx="187">
+                <c:pt idx="188">
                   <c:v>0.28120370370370368</c:v>
                 </c:pt>
-                <c:pt idx="188">
+                <c:pt idx="189">
                   <c:v>0.25436342592592592</c:v>
                 </c:pt>
-                <c:pt idx="189">
+                <c:pt idx="190">
                   <c:v>0.16928240740740741</c:v>
                 </c:pt>
-                <c:pt idx="190">
+                <c:pt idx="191">
                   <c:v>0.20506944444444444</c:v>
                 </c:pt>
-                <c:pt idx="191">
+                <c:pt idx="192">
                   <c:v>0.25894675925925925</c:v>
                 </c:pt>
-                <c:pt idx="192">
+                <c:pt idx="193">
                   <c:v>0.24446759259259257</c:v>
                 </c:pt>
-                <c:pt idx="193">
+                <c:pt idx="194">
                   <c:v>0.22964120370370369</c:v>
                 </c:pt>
-                <c:pt idx="194">
+                <c:pt idx="195">
                   <c:v>0.24739583333333334</c:v>
                 </c:pt>
-                <c:pt idx="195">
+                <c:pt idx="196">
                   <c:v>0.26090277777777776</c:v>
                 </c:pt>
-                <c:pt idx="196">
+                <c:pt idx="197">
                   <c:v>0.19197916666666667</c:v>
                 </c:pt>
-                <c:pt idx="197">
+                <c:pt idx="198">
                   <c:v>0.24603009259259259</c:v>
                 </c:pt>
-                <c:pt idx="198">
+                <c:pt idx="199">
                   <c:v>0.19508101851851853</c:v>
                 </c:pt>
-                <c:pt idx="199">
+                <c:pt idx="200">
                   <c:v>0.20723379629629632</c:v>
                 </c:pt>
-                <c:pt idx="200">
+                <c:pt idx="201">
                   <c:v>0.24712962962962962</c:v>
                 </c:pt>
-                <c:pt idx="201">
+                <c:pt idx="202">
                   <c:v>0.23299768518518518</c:v>
                 </c:pt>
-                <c:pt idx="202">
+                <c:pt idx="203">
                   <c:v>0.2197337962962963</c:v>
                 </c:pt>
-                <c:pt idx="203">
+                <c:pt idx="204">
                   <c:v>0.20876157407407406</c:v>
                 </c:pt>
-                <c:pt idx="204">
+                <c:pt idx="205">
                   <c:v>0.25660879629629629</c:v>
                 </c:pt>
-                <c:pt idx="205">
+                <c:pt idx="206">
                   <c:v>0.17900462962962962</c:v>
                 </c:pt>
-                <c:pt idx="206">
+                <c:pt idx="207">
                   <c:v>0.25141203703703702</c:v>
                 </c:pt>
-                <c:pt idx="207">
+                <c:pt idx="208">
                   <c:v>0.26898148148148149</c:v>
                 </c:pt>
-                <c:pt idx="208">
+                <c:pt idx="209">
                   <c:v>0.30996527777777777</c:v>
                 </c:pt>
-                <c:pt idx="209">
+                <c:pt idx="210">
                   <c:v>0.30362268518518515</c:v>
                 </c:pt>
-                <c:pt idx="210">
+                <c:pt idx="211">
                   <c:v>0.25064814814814812</c:v>
                 </c:pt>
-                <c:pt idx="211">
+                <c:pt idx="212">
                   <c:v>0.24097222222222223</c:v>
                 </c:pt>
-                <c:pt idx="212">
+                <c:pt idx="213">
                   <c:v>0.2741898148148148</c:v>
                 </c:pt>
-                <c:pt idx="213">
+                <c:pt idx="214">
                   <c:v>0.2363888888888889</c:v>
                 </c:pt>
-                <c:pt idx="214">
+                <c:pt idx="215">
                   <c:v>0.16423611111111111</c:v>
                 </c:pt>
-                <c:pt idx="215">
+                <c:pt idx="216">
                   <c:v>0.23880787037037035</c:v>
                 </c:pt>
-                <c:pt idx="216">
+                <c:pt idx="217">
                   <c:v>0.27194444444444443</c:v>
                 </c:pt>
-                <c:pt idx="217">
+                <c:pt idx="218">
                   <c:v>0.16085648148148149</c:v>
                 </c:pt>
-                <c:pt idx="218">
+                <c:pt idx="219">
                   <c:v>0.24377314814814813</c:v>
                 </c:pt>
-                <c:pt idx="219">
+                <c:pt idx="220">
                   <c:v>0.28752314814814817</c:v>
                 </c:pt>
-                <c:pt idx="220">
+                <c:pt idx="221">
                   <c:v>0.27940972222222221</c:v>
                 </c:pt>
-                <c:pt idx="221">
+                <c:pt idx="222">
                   <c:v>0.2330439814814815</c:v>
                 </c:pt>
-                <c:pt idx="222">
+                <c:pt idx="223">
                   <c:v>0.20222222222222222</c:v>
                 </c:pt>
-                <c:pt idx="223">
+                <c:pt idx="224">
                   <c:v>0.19523148148148148</c:v>
                 </c:pt>
-                <c:pt idx="224">
+                <c:pt idx="225">
                   <c:v>0.17746527777777776</c:v>
                 </c:pt>
-                <c:pt idx="225">
+                <c:pt idx="226">
                   <c:v>0.24113425925925927</c:v>
                 </c:pt>
-                <c:pt idx="226">
+                <c:pt idx="227">
                   <c:v>0.17351851851851852</c:v>
                 </c:pt>
-                <c:pt idx="227">
+                <c:pt idx="228">
                   <c:v>0.26093749999999999</c:v>
                 </c:pt>
-                <c:pt idx="228">
+                <c:pt idx="229">
                   <c:v>0.20368055555555556</c:v>
                 </c:pt>
-                <c:pt idx="229">
+                <c:pt idx="230">
                   <c:v>0.23726851851851852</c:v>
                 </c:pt>
-                <c:pt idx="230">
+                <c:pt idx="231">
                   <c:v>0.21964120370370369</c:v>
                 </c:pt>
-                <c:pt idx="231">
+                <c:pt idx="232">
                   <c:v>0.22715277777777779</c:v>
                 </c:pt>
-                <c:pt idx="232">
+                <c:pt idx="233">
                   <c:v>0.25964120370370369</c:v>
                 </c:pt>
-                <c:pt idx="233">
+                <c:pt idx="234">
                   <c:v>0.28589120370370369</c:v>
                 </c:pt>
-                <c:pt idx="234">
+                <c:pt idx="235">
                   <c:v>0.23599537037037036</c:v>
                 </c:pt>
-                <c:pt idx="235">
+                <c:pt idx="236">
                   <c:v>0.32542824074074073</c:v>
                 </c:pt>
-                <c:pt idx="236">
+                <c:pt idx="237">
                   <c:v>0.22430555555555556</c:v>
                 </c:pt>
-                <c:pt idx="237">
+                <c:pt idx="238">
                   <c:v>0.36751157407407403</c:v>
                 </c:pt>
-                <c:pt idx="238">
+                <c:pt idx="239">
                   <c:v>0.25069444444444444</c:v>
                 </c:pt>
-                <c:pt idx="239">
+                <c:pt idx="240">
                   <c:v>0.26207175925925924</c:v>
                 </c:pt>
-                <c:pt idx="240">
+                <c:pt idx="241">
                   <c:v>0.48571759259259256</c:v>
                 </c:pt>
-                <c:pt idx="241">
+                <c:pt idx="242">
                   <c:v>0.31262731481481482</c:v>
                 </c:pt>
-                <c:pt idx="242">
+                <c:pt idx="243">
                   <c:v>0.235625</c:v>
                 </c:pt>
-                <c:pt idx="243">
+                <c:pt idx="244">
                   <c:v>0.23741898148148147</c:v>
                 </c:pt>
-                <c:pt idx="244">
+                <c:pt idx="245">
                   <c:v>0.31092592592592594</c:v>
                 </c:pt>
-                <c:pt idx="245">
+                <c:pt idx="246">
                   <c:v>0.17495370370370369</c:v>
                 </c:pt>
-                <c:pt idx="246">
+                <c:pt idx="247">
                   <c:v>0.2024074074074074</c:v>
                 </c:pt>
-                <c:pt idx="247">
+                <c:pt idx="248">
                   <c:v>0.22340277777777776</c:v>
                 </c:pt>
-                <c:pt idx="248">
+                <c:pt idx="249">
                   <c:v>0.22633101851851853</c:v>
                 </c:pt>
-                <c:pt idx="249">
+                <c:pt idx="250">
                   <c:v>0.25078703703703703</c:v>
                 </c:pt>
-                <c:pt idx="250">
+                <c:pt idx="251">
                   <c:v>0.25487268518518519</c:v>
                 </c:pt>
-                <c:pt idx="251">
+                <c:pt idx="252">
                   <c:v>0.19118055555555555</c:v>
                 </c:pt>
-                <c:pt idx="252">
+                <c:pt idx="253">
                   <c:v>0.22337962962962962</c:v>
                 </c:pt>
-                <c:pt idx="253">
+                <c:pt idx="254">
                   <c:v>0.19089120370370372</c:v>
                 </c:pt>
-                <c:pt idx="254">
+                <c:pt idx="255">
                   <c:v>0.48760416666666667</c:v>
                 </c:pt>
-                <c:pt idx="255">
+                <c:pt idx="256">
                   <c:v>0.21251157407407406</c:v>
                 </c:pt>
-                <c:pt idx="256">
+                <c:pt idx="257">
                   <c:v>0.20287037037037037</c:v>
                 </c:pt>
-                <c:pt idx="257">
+                <c:pt idx="258">
                   <c:v>0.21865740740740738</c:v>
                 </c:pt>
-                <c:pt idx="258">
+                <c:pt idx="259">
                   <c:v>0.17572916666666669</c:v>
                 </c:pt>
-                <c:pt idx="259">
+                <c:pt idx="260">
                   <c:v>0.17626157407407406</c:v>
                 </c:pt>
-                <c:pt idx="260">
+                <c:pt idx="261">
                   <c:v>0.16434027777777779</c:v>
                 </c:pt>
-                <c:pt idx="261">
+                <c:pt idx="262">
                   <c:v>0.17966435185185184</c:v>
                 </c:pt>
-                <c:pt idx="262">
+                <c:pt idx="263">
                   <c:v>0.1751736111111111</c:v>
                 </c:pt>
-                <c:pt idx="263">
+                <c:pt idx="264">
                   <c:v>0.20576388888888889</c:v>
                 </c:pt>
-                <c:pt idx="264">
+                <c:pt idx="265">
                   <c:v>0.40243055555555557</c:v>
                 </c:pt>
-                <c:pt idx="265">
+                <c:pt idx="266">
                   <c:v>0.27050925925925923</c:v>
                 </c:pt>
-                <c:pt idx="266">
+                <c:pt idx="267">
                   <c:v>0.1980787037037037</c:v>
                 </c:pt>
-                <c:pt idx="267">
+                <c:pt idx="268">
                   <c:v>0.20283564814814814</c:v>
                 </c:pt>
-                <c:pt idx="268">
+                <c:pt idx="269">
                   <c:v>0.26431712962962967</c:v>
                 </c:pt>
-                <c:pt idx="269">
+                <c:pt idx="270">
                   <c:v>0.24334490740740741</c:v>
                 </c:pt>
-                <c:pt idx="270">
+                <c:pt idx="271">
                   <c:v>0.19040509259259261</c:v>
                 </c:pt>
-                <c:pt idx="271">
+                <c:pt idx="272">
                   <c:v>0.22437499999999999</c:v>
                 </c:pt>
-                <c:pt idx="272">
+                <c:pt idx="273">
                   <c:v>0.21146990740740743</c:v>
                 </c:pt>
-                <c:pt idx="273">
+                <c:pt idx="274">
                   <c:v>0.17481481481481484</c:v>
                 </c:pt>
-                <c:pt idx="274">
+                <c:pt idx="275">
                   <c:v>0.17305555555555555</c:v>
                 </c:pt>
-                <c:pt idx="275">
+                <c:pt idx="276">
                   <c:v>0.43384259259259261</c:v>
                 </c:pt>
-                <c:pt idx="276">
+                <c:pt idx="277">
                   <c:v>0.21386574074074075</c:v>
                 </c:pt>
-                <c:pt idx="277">
+                <c:pt idx="278">
                   <c:v>0.20828703703703702</c:v>
                 </c:pt>
-                <c:pt idx="278">
+                <c:pt idx="279">
                   <c:v>0.18766203703703702</c:v>
                 </c:pt>
-                <c:pt idx="279">
+                <c:pt idx="280">
                   <c:v>0.42396990740740742</c:v>
                 </c:pt>
-                <c:pt idx="280">
+                <c:pt idx="281">
                   <c:v>0.28569444444444442</c:v>
                 </c:pt>
-                <c:pt idx="281">
+                <c:pt idx="282">
                   <c:v>0.16589120370370369</c:v>
                 </c:pt>
-                <c:pt idx="282">
+                <c:pt idx="283">
                   <c:v>0.18416666666666667</c:v>
                 </c:pt>
-                <c:pt idx="283">
+                <c:pt idx="284">
                   <c:v>0.19881944444444444</c:v>
                 </c:pt>
-                <c:pt idx="284">
+                <c:pt idx="285">
                   <c:v>0.22601851851851851</c:v>
                 </c:pt>
-                <c:pt idx="285">
+                <c:pt idx="286">
                   <c:v>0.20408564814814814</c:v>
                 </c:pt>
-                <c:pt idx="286">
+                <c:pt idx="287">
                   <c:v>0.15591435185185185</c:v>
                 </c:pt>
-                <c:pt idx="287">
+                <c:pt idx="288">
                   <c:v>0.15930555555555556</c:v>
                 </c:pt>
-                <c:pt idx="288">
+                <c:pt idx="289">
                   <c:v>0.16186342592592592</c:v>
                 </c:pt>
-                <c:pt idx="289">
+                <c:pt idx="290">
                   <c:v>0.20728009259259261</c:v>
                 </c:pt>
-                <c:pt idx="290">
+                <c:pt idx="291">
                   <c:v>0.17805555555555555</c:v>
                 </c:pt>
-                <c:pt idx="291">
+                <c:pt idx="292">
                   <c:v>0.20180555555555557</c:v>
                 </c:pt>
-                <c:pt idx="292">
+                <c:pt idx="293">
                   <c:v>0.23116898148148146</c:v>
                 </c:pt>
-                <c:pt idx="293">
+                <c:pt idx="294">
                   <c:v>0.24804398148148146</c:v>
                 </c:pt>
-                <c:pt idx="294">
+                <c:pt idx="295">
                   <c:v>0.34211805555555558</c:v>
                 </c:pt>
-                <c:pt idx="295">
+                <c:pt idx="296">
                   <c:v>0.17031250000000001</c:v>
                 </c:pt>
-                <c:pt idx="296">
+                <c:pt idx="297">
                   <c:v>0.21339120370370371</c:v>
                 </c:pt>
-                <c:pt idx="297">
+                <c:pt idx="298">
                   <c:v>0.22306712962962963</c:v>
                 </c:pt>
-                <c:pt idx="298">
+                <c:pt idx="299">
                   <c:v>0.21851851851851853</c:v>
                 </c:pt>
-                <c:pt idx="299">
+                <c:pt idx="300">
                   <c:v>0.1870138888888889</c:v>
                 </c:pt>
-                <c:pt idx="300">
+                <c:pt idx="301">
                   <c:v>0.19938657407407409</c:v>
                 </c:pt>
-                <c:pt idx="301">
+                <c:pt idx="302">
                   <c:v>0.19704861111111113</c:v>
                 </c:pt>
-                <c:pt idx="302">
+                <c:pt idx="303">
                   <c:v>0.20820601851851853</c:v>
                 </c:pt>
-                <c:pt idx="303">
+                <c:pt idx="304">
                   <c:v>0.21744212962962964</c:v>
                 </c:pt>
-                <c:pt idx="304">
+                <c:pt idx="305">
                   <c:v>0.22981481481481481</c:v>
                 </c:pt>
-                <c:pt idx="305">
+                <c:pt idx="306">
                   <c:v>0.42243055555555559</c:v>
                 </c:pt>
-                <c:pt idx="306">
+                <c:pt idx="307">
                   <c:v>0.23876157407407406</c:v>
                 </c:pt>
-                <c:pt idx="307">
+                <c:pt idx="308">
                   <c:v>0.19743055555555555</c:v>
                 </c:pt>
-                <c:pt idx="308">
+                <c:pt idx="309">
                   <c:v>0.19505787037037037</c:v>
                 </c:pt>
-                <c:pt idx="309">
+                <c:pt idx="310">
                   <c:v>0.21231481481481482</c:v>
                 </c:pt>
-                <c:pt idx="310">
+                <c:pt idx="311">
                   <c:v>0.22312500000000002</c:v>
                 </c:pt>
-                <c:pt idx="311">
+                <c:pt idx="312">
                   <c:v>0.27107638888888891</c:v>
                 </c:pt>
-                <c:pt idx="312">
+                <c:pt idx="313">
                   <c:v>0.21197916666666669</c:v>
                 </c:pt>
-                <c:pt idx="313">
+                <c:pt idx="314">
                   <c:v>0.24165509259259257</c:v>
                 </c:pt>
-                <c:pt idx="314">
+                <c:pt idx="315">
                   <c:v>0.26494212962962965</c:v>
                 </c:pt>
-                <c:pt idx="315">
+                <c:pt idx="316">
                   <c:v>0.19998842592592592</c:v>
                 </c:pt>
-                <c:pt idx="316">
+                <c:pt idx="317">
                   <c:v>0.1925462962962963</c:v>
                 </c:pt>
-                <c:pt idx="317">
+                <c:pt idx="318">
                   <c:v>0.23975694444444443</c:v>
                 </c:pt>
-                <c:pt idx="318">
+                <c:pt idx="319">
                   <c:v>0.23261574074074076</c:v>
                 </c:pt>
-                <c:pt idx="319">
+                <c:pt idx="320">
                   <c:v>0.22658564814814816</c:v>
                 </c:pt>
-                <c:pt idx="320">
+                <c:pt idx="321">
                   <c:v>0.26442129629629629</c:v>
                 </c:pt>
-                <c:pt idx="321">
+                <c:pt idx="322">
                   <c:v>0.29949074074074072</c:v>
                 </c:pt>
-                <c:pt idx="322">
+                <c:pt idx="323">
                   <c:v>0.21424768518518519</c:v>
                 </c:pt>
-                <c:pt idx="323">
+                <c:pt idx="324">
                   <c:v>0.20413194444444446</c:v>
                 </c:pt>
-                <c:pt idx="324">
+                <c:pt idx="325">
                   <c:v>0.26127314814814812</c:v>
+                </c:pt>
+                <c:pt idx="326">
+                  <c:v>0.21539351851851851</c:v>
+                </c:pt>
+                <c:pt idx="327">
+                  <c:v>0.27876157407407409</c:v>
+                </c:pt>
+                <c:pt idx="328">
+                  <c:v>0.24511574074074075</c:v>
+                </c:pt>
+                <c:pt idx="329">
+                  <c:v>0.21334490740740741</c:v>
+                </c:pt>
+                <c:pt idx="330">
+                  <c:v>0.2091550925925926</c:v>
+                </c:pt>
+                <c:pt idx="331">
+                  <c:v>0.21288194444444444</c:v>
+                </c:pt>
+                <c:pt idx="332">
+                  <c:v>0.20799768518518516</c:v>
+                </c:pt>
+                <c:pt idx="333">
+                  <c:v>0.22358796296296299</c:v>
+                </c:pt>
+                <c:pt idx="334">
+                  <c:v>0.21709490740740742</c:v>
                 </c:pt>
               </c:numCache>
             </c:numRef>
@@ -2223,20 +2267,19 @@
           <c:showPercent val="0"/>
           <c:showBubbleSize val="0"/>
         </c:dLbls>
-        <c:marker val="1"/>
         <c:smooth val="0"/>
-        <c:axId val="750082864"/>
-        <c:axId val="750068176"/>
+        <c:axId val="-1712995056"/>
+        <c:axId val="-1712987984"/>
       </c:lineChart>
       <c:dateAx>
-        <c:axId val="750082864"/>
+        <c:axId val="-1712995056"/>
         <c:scaling>
           <c:orientation val="minMax"/>
         </c:scaling>
         <c:delete val="0"/>
         <c:axPos val="b"/>
-        <c:numFmt formatCode="yyyy/m/d;@" sourceLinked="1"/>
-        <c:majorTickMark val="out"/>
+        <c:numFmt formatCode="yyyy\/m\/d" sourceLinked="1"/>
+        <c:majorTickMark val="none"/>
         <c:minorTickMark val="none"/>
         <c:tickLblPos val="nextTo"/>
         <c:spPr>
@@ -2272,14 +2315,14 @@
             <a:endParaRPr lang="zh-CN"/>
           </a:p>
         </c:txPr>
-        <c:crossAx val="750068176"/>
+        <c:crossAx val="-1712987984"/>
         <c:crosses val="autoZero"/>
         <c:auto val="1"/>
         <c:lblOffset val="100"/>
         <c:baseTimeUnit val="days"/>
       </c:dateAx>
       <c:valAx>
-        <c:axId val="750068176"/>
+        <c:axId val="-1712987984"/>
         <c:scaling>
           <c:orientation val="minMax"/>
         </c:scaling>
@@ -2296,7 +2339,7 @@
             <a:effectLst/>
           </c:spPr>
         </c:majorGridlines>
-        <c:numFmt formatCode="h:mm:ss" sourceLinked="1"/>
+        <c:numFmt formatCode="h:mm:ss;@" sourceLinked="1"/>
         <c:majorTickMark val="none"/>
         <c:minorTickMark val="none"/>
         <c:tickLblPos val="nextTo"/>
@@ -2327,7 +2370,7 @@
             <a:endParaRPr lang="zh-CN"/>
           </a:p>
         </c:txPr>
-        <c:crossAx val="750082864"/>
+        <c:crossAx val="-1712995056"/>
         <c:crosses val="autoZero"/>
         <c:crossBetween val="between"/>
       </c:valAx>
@@ -2363,7 +2406,6 @@
   <c:externalData r:id="rId3">
     <c:autoUpdate val="0"/>
   </c:externalData>
-  <c:userShapes r:id="rId4"/>
 </c:chartSpace>
 </file>
 
@@ -2408,7 +2450,7 @@
 </file>
 
 <file path=ppt/charts/style1.xml><?xml version="1.0" encoding="utf-8"?>
-<cs:chartStyle xmlns:cs="http://schemas.microsoft.com/office/drawing/2012/chartStyle" xmlns:a="http://schemas.openxmlformats.org/drawingml/2006/main" id="332">
+<cs:chartStyle xmlns:cs="http://schemas.microsoft.com/office/drawing/2012/chartStyle" xmlns:a="http://schemas.openxmlformats.org/drawingml/2006/main" id="227">
   <cs:axisTitle>
     <cs:lnRef idx="0"/>
     <cs:fillRef idx="0"/>
@@ -2516,6 +2558,11 @@
     <cs:fontRef idx="minor">
       <a:schemeClr val="tx1"/>
     </cs:fontRef>
+    <cs:spPr>
+      <a:solidFill>
+        <a:schemeClr val="phClr"/>
+      </a:solidFill>
+    </cs:spPr>
   </cs:dataPoint>
   <cs:dataPoint3D>
     <cs:lnRef idx="0"/>
@@ -2526,6 +2573,11 @@
     <cs:fontRef idx="minor">
       <a:schemeClr val="tx1"/>
     </cs:fontRef>
+    <cs:spPr>
+      <a:solidFill>
+        <a:schemeClr val="phClr"/>
+      </a:solidFill>
+    </cs:spPr>
   </cs:dataPoint3D>
   <cs:dataPointLine>
     <cs:lnRef idx="0">
@@ -2557,6 +2609,9 @@
       <a:schemeClr val="tx1"/>
     </cs:fontRef>
     <cs:spPr>
+      <a:solidFill>
+        <a:schemeClr val="phClr"/>
+      </a:solidFill>
       <a:ln w="9525">
         <a:solidFill>
           <a:schemeClr val="phClr"/>
@@ -2910,55 +2965,6 @@
 </cs:chartStyle>
 </file>
 
-<file path=ppt/drawings/drawing1.xml><?xml version="1.0" encoding="utf-8"?>
-<c:userShapes xmlns:c="http://schemas.openxmlformats.org/drawingml/2006/chart">
-  <cdr:relSizeAnchor xmlns:cdr="http://schemas.openxmlformats.org/drawingml/2006/chartDrawing">
-    <cdr:from>
-      <cdr:x>0.08216</cdr:x>
-      <cdr:y>0.65412</cdr:y>
-    </cdr:from>
-    <cdr:to>
-      <cdr:x>0.96109</cdr:x>
-      <cdr:y>0.65412</cdr:y>
-    </cdr:to>
-    <cdr:cxnSp macro="">
-      <cdr:nvCxnSpPr>
-        <cdr:cNvPr id="3" name="直接连接符 2"/>
-        <cdr:cNvCxnSpPr/>
-      </cdr:nvCxnSpPr>
-      <cdr:spPr>
-        <a:xfrm xmlns:a="http://schemas.openxmlformats.org/drawingml/2006/main">
-          <a:off x="863991" y="3121465"/>
-          <a:ext cx="9242474" cy="0"/>
-        </a:xfrm>
-        <a:prstGeom xmlns:a="http://schemas.openxmlformats.org/drawingml/2006/main" prst="line">
-          <a:avLst/>
-        </a:prstGeom>
-        <a:ln xmlns:a="http://schemas.openxmlformats.org/drawingml/2006/main" w="25400">
-          <a:solidFill>
-            <a:schemeClr val="tx1"/>
-          </a:solidFill>
-        </a:ln>
-      </cdr:spPr>
-      <cdr:style>
-        <a:lnRef xmlns:a="http://schemas.openxmlformats.org/drawingml/2006/main" idx="1">
-          <a:schemeClr val="accent1"/>
-        </a:lnRef>
-        <a:fillRef xmlns:a="http://schemas.openxmlformats.org/drawingml/2006/main" idx="0">
-          <a:schemeClr val="accent1"/>
-        </a:fillRef>
-        <a:effectRef xmlns:a="http://schemas.openxmlformats.org/drawingml/2006/main" idx="0">
-          <a:schemeClr val="accent1"/>
-        </a:effectRef>
-        <a:fontRef xmlns:a="http://schemas.openxmlformats.org/drawingml/2006/main" idx="minor">
-          <a:schemeClr val="tx1"/>
-        </a:fontRef>
-      </cdr:style>
-    </cdr:cxnSp>
-  </cdr:relSizeAnchor>
-</c:userShapes>
-</file>
-
 <file path=ppt/slideLayouts/slideLayout1.xml><?xml version="1.0" encoding="utf-8"?>
 <p:sldLayout xmlns:a="http://schemas.openxmlformats.org/drawingml/2006/main" xmlns:r="http://schemas.openxmlformats.org/officeDocument/2006/relationships" xmlns:p="http://schemas.openxmlformats.org/presentationml/2006/main" type="title" preserve="1">
   <p:cSld name="标题幻灯片">
@@ -3090,7 +3096,7 @@
           <a:p>
             <a:fld id="{1676F7F1-FDF5-409F-BD7B-C3654CCDCFC0}" type="datetimeFigureOut">
               <a:rPr lang="zh-CN" altLang="en-US" smtClean="0"/>
-              <a:t>2015/9/29</a:t>
+              <a:t>2015/10/8</a:t>
             </a:fld>
             <a:endParaRPr lang="zh-CN" altLang="en-US"/>
           </a:p>
@@ -3267,7 +3273,7 @@
           <a:p>
             <a:fld id="{1676F7F1-FDF5-409F-BD7B-C3654CCDCFC0}" type="datetimeFigureOut">
               <a:rPr lang="zh-CN" altLang="en-US" smtClean="0"/>
-              <a:t>2015/9/29</a:t>
+              <a:t>2015/10/8</a:t>
             </a:fld>
             <a:endParaRPr lang="zh-CN" altLang="en-US"/>
           </a:p>
@@ -3447,7 +3453,7 @@
           <a:p>
             <a:fld id="{1676F7F1-FDF5-409F-BD7B-C3654CCDCFC0}" type="datetimeFigureOut">
               <a:rPr lang="zh-CN" altLang="en-US" smtClean="0"/>
-              <a:t>2015/9/29</a:t>
+              <a:t>2015/10/8</a:t>
             </a:fld>
             <a:endParaRPr lang="zh-CN" altLang="en-US"/>
           </a:p>
@@ -3627,7 +3633,7 @@
           <a:p>
             <a:fld id="{1676F7F1-FDF5-409F-BD7B-C3654CCDCFC0}" type="datetimeFigureOut">
               <a:rPr lang="zh-CN" altLang="en-US" smtClean="0"/>
-              <a:t>2015/9/29</a:t>
+              <a:t>2015/10/8</a:t>
             </a:fld>
             <a:endParaRPr lang="zh-CN" altLang="en-US"/>
           </a:p>
@@ -3880,7 +3886,7 @@
           <a:p>
             <a:fld id="{1676F7F1-FDF5-409F-BD7B-C3654CCDCFC0}" type="datetimeFigureOut">
               <a:rPr lang="zh-CN" altLang="en-US" smtClean="0"/>
-              <a:t>2015/9/29</a:t>
+              <a:t>2015/10/8</a:t>
             </a:fld>
             <a:endParaRPr lang="zh-CN" altLang="en-US"/>
           </a:p>
@@ -4119,7 +4125,7 @@
           <a:p>
             <a:fld id="{1676F7F1-FDF5-409F-BD7B-C3654CCDCFC0}" type="datetimeFigureOut">
               <a:rPr lang="zh-CN" altLang="en-US" smtClean="0"/>
-              <a:t>2015/9/29</a:t>
+              <a:t>2015/10/8</a:t>
             </a:fld>
             <a:endParaRPr lang="zh-CN" altLang="en-US"/>
           </a:p>
@@ -4493,7 +4499,7 @@
           <a:p>
             <a:fld id="{1676F7F1-FDF5-409F-BD7B-C3654CCDCFC0}" type="datetimeFigureOut">
               <a:rPr lang="zh-CN" altLang="en-US" smtClean="0"/>
-              <a:t>2015/9/29</a:t>
+              <a:t>2015/10/8</a:t>
             </a:fld>
             <a:endParaRPr lang="zh-CN" altLang="en-US"/>
           </a:p>
@@ -4618,7 +4624,7 @@
           <a:p>
             <a:fld id="{1676F7F1-FDF5-409F-BD7B-C3654CCDCFC0}" type="datetimeFigureOut">
               <a:rPr lang="zh-CN" altLang="en-US" smtClean="0"/>
-              <a:t>2015/9/29</a:t>
+              <a:t>2015/10/8</a:t>
             </a:fld>
             <a:endParaRPr lang="zh-CN" altLang="en-US"/>
           </a:p>
@@ -4720,7 +4726,7 @@
           <a:p>
             <a:fld id="{1676F7F1-FDF5-409F-BD7B-C3654CCDCFC0}" type="datetimeFigureOut">
               <a:rPr lang="zh-CN" altLang="en-US" smtClean="0"/>
-              <a:t>2015/9/29</a:t>
+              <a:t>2015/10/8</a:t>
             </a:fld>
             <a:endParaRPr lang="zh-CN" altLang="en-US"/>
           </a:p>
@@ -4997,7 +5003,7 @@
           <a:p>
             <a:fld id="{1676F7F1-FDF5-409F-BD7B-C3654CCDCFC0}" type="datetimeFigureOut">
               <a:rPr lang="zh-CN" altLang="en-US" smtClean="0"/>
-              <a:t>2015/9/29</a:t>
+              <a:t>2015/10/8</a:t>
             </a:fld>
             <a:endParaRPr lang="zh-CN" altLang="en-US"/>
           </a:p>
@@ -5254,7 +5260,7 @@
           <a:p>
             <a:fld id="{1676F7F1-FDF5-409F-BD7B-C3654CCDCFC0}" type="datetimeFigureOut">
               <a:rPr lang="zh-CN" altLang="en-US" smtClean="0"/>
-              <a:t>2015/9/29</a:t>
+              <a:t>2015/10/8</a:t>
             </a:fld>
             <a:endParaRPr lang="zh-CN" altLang="en-US"/>
           </a:p>
@@ -5467,7 +5473,7 @@
           <a:p>
             <a:fld id="{1676F7F1-FDF5-409F-BD7B-C3654CCDCFC0}" type="datetimeFigureOut">
               <a:rPr lang="zh-CN" altLang="en-US" smtClean="0"/>
-              <a:t>2015/9/29</a:t>
+              <a:t>2015/10/8</a:t>
             </a:fld>
             <a:endParaRPr lang="zh-CN" altLang="en-US"/>
           </a:p>
@@ -6141,6 +6147,244 @@
 </p:sld>
 </file>
 
+<file path=ppt/slides/slide10.xml><?xml version="1.0" encoding="utf-8"?>
+<p:sld xmlns:a="http://schemas.openxmlformats.org/drawingml/2006/main" xmlns:r="http://schemas.openxmlformats.org/officeDocument/2006/relationships" xmlns:p="http://schemas.openxmlformats.org/presentationml/2006/main">
+  <p:cSld>
+    <p:spTree>
+      <p:nvGrpSpPr>
+        <p:cNvPr id="1" name=""/>
+        <p:cNvGrpSpPr/>
+        <p:nvPr/>
+      </p:nvGrpSpPr>
+      <p:grpSpPr>
+        <a:xfrm>
+          <a:off x="0" y="0"/>
+          <a:ext cx="0" cy="0"/>
+          <a:chOff x="0" y="0"/>
+          <a:chExt cx="0" cy="0"/>
+        </a:xfrm>
+      </p:grpSpPr>
+      <p:sp>
+        <p:nvSpPr>
+          <p:cNvPr id="2" name="标题 1"/>
+          <p:cNvSpPr>
+            <a:spLocks noGrp="1"/>
+          </p:cNvSpPr>
+          <p:nvPr>
+            <p:ph type="title"/>
+          </p:nvPr>
+        </p:nvSpPr>
+        <p:spPr/>
+        <p:txBody>
+          <a:bodyPr/>
+          <a:lstStyle/>
+          <a:p>
+            <a:r>
+              <a:rPr lang="en-US" altLang="zh-CN" dirty="0" smtClean="0"/>
+              <a:t>RA batch</a:t>
+            </a:r>
+            <a:r>
+              <a:rPr lang="zh-CN" altLang="en-US" dirty="0" smtClean="0"/>
+              <a:t>优化</a:t>
+            </a:r>
+            <a:r>
+              <a:rPr lang="zh-CN" altLang="en-US" dirty="0"/>
+              <a:t>方向</a:t>
+            </a:r>
+            <a:endParaRPr lang="zh-CN" altLang="en-US" dirty="0"/>
+          </a:p>
+        </p:txBody>
+      </p:sp>
+      <p:sp>
+        <p:nvSpPr>
+          <p:cNvPr id="3" name="内容占位符 2"/>
+          <p:cNvSpPr>
+            <a:spLocks noGrp="1"/>
+          </p:cNvSpPr>
+          <p:nvPr>
+            <p:ph idx="1"/>
+          </p:nvPr>
+        </p:nvSpPr>
+        <p:spPr/>
+        <p:txBody>
+          <a:bodyPr/>
+          <a:lstStyle/>
+          <a:p>
+            <a:r>
+              <a:rPr lang="zh-CN" altLang="en-US" dirty="0" smtClean="0"/>
+              <a:t>数据库优化</a:t>
+            </a:r>
+            <a:endParaRPr lang="en-US" altLang="zh-CN" dirty="0" smtClean="0"/>
+          </a:p>
+          <a:p>
+            <a:pPr lvl="1"/>
+            <a:r>
+              <a:rPr lang="en-US" altLang="zh-CN" dirty="0" smtClean="0"/>
+              <a:t>Table in memory</a:t>
+            </a:r>
+          </a:p>
+          <a:p>
+            <a:pPr lvl="1"/>
+            <a:r>
+              <a:rPr lang="en-US" altLang="zh-CN" dirty="0" smtClean="0"/>
+              <a:t>parallel</a:t>
+            </a:r>
+          </a:p>
+          <a:p>
+            <a:r>
+              <a:rPr lang="en-US" altLang="zh-CN" dirty="0" smtClean="0"/>
+              <a:t>ODI</a:t>
+            </a:r>
+            <a:r>
+              <a:rPr lang="zh-CN" altLang="en-US" dirty="0" smtClean="0"/>
+              <a:t>语句优</a:t>
+            </a:r>
+            <a:r>
+              <a:rPr lang="zh-CN" altLang="en-US" dirty="0"/>
+              <a:t>化</a:t>
+            </a:r>
+            <a:endParaRPr lang="en-US" altLang="zh-CN" dirty="0" smtClean="0"/>
+          </a:p>
+          <a:p>
+            <a:pPr lvl="1"/>
+            <a:endParaRPr lang="zh-CN" altLang="en-US" dirty="0"/>
+          </a:p>
+        </p:txBody>
+      </p:sp>
+    </p:spTree>
+    <p:extLst>
+      <p:ext uri="{BB962C8B-B14F-4D97-AF65-F5344CB8AC3E}">
+        <p14:creationId xmlns:p14="http://schemas.microsoft.com/office/powerpoint/2010/main" val="473651633"/>
+      </p:ext>
+    </p:extLst>
+  </p:cSld>
+  <p:clrMapOvr>
+    <a:masterClrMapping/>
+  </p:clrMapOvr>
+</p:sld>
+</file>
+
+<file path=ppt/slides/slide11.xml><?xml version="1.0" encoding="utf-8"?>
+<p:sld xmlns:a="http://schemas.openxmlformats.org/drawingml/2006/main" xmlns:r="http://schemas.openxmlformats.org/officeDocument/2006/relationships" xmlns:p="http://schemas.openxmlformats.org/presentationml/2006/main">
+  <p:cSld>
+    <p:spTree>
+      <p:nvGrpSpPr>
+        <p:cNvPr id="1" name=""/>
+        <p:cNvGrpSpPr/>
+        <p:nvPr/>
+      </p:nvGrpSpPr>
+      <p:grpSpPr>
+        <a:xfrm>
+          <a:off x="0" y="0"/>
+          <a:ext cx="0" cy="0"/>
+          <a:chOff x="0" y="0"/>
+          <a:chExt cx="0" cy="0"/>
+        </a:xfrm>
+      </p:grpSpPr>
+      <p:sp>
+        <p:nvSpPr>
+          <p:cNvPr id="4" name="标题 1"/>
+          <p:cNvSpPr>
+            <a:spLocks noGrp="1"/>
+          </p:cNvSpPr>
+          <p:nvPr>
+            <p:ph type="title"/>
+          </p:nvPr>
+        </p:nvSpPr>
+        <p:spPr>
+          <a:xfrm>
+            <a:off x="3635293" y="1698139"/>
+            <a:ext cx="4936078" cy="2229723"/>
+          </a:xfrm>
+        </p:spPr>
+        <p:txBody>
+          <a:bodyPr>
+            <a:normAutofit/>
+          </a:bodyPr>
+          <a:lstStyle/>
+          <a:p>
+            <a:r>
+              <a:rPr lang="en-US" altLang="zh-CN" sz="9600" dirty="0" smtClean="0">
+                <a:solidFill>
+                  <a:schemeClr val="accent5">
+                    <a:lumMod val="75000"/>
+                  </a:schemeClr>
+                </a:solidFill>
+                <a:latin typeface="Rockwell" panose="02060603020205020403" pitchFamily="18" charset="0"/>
+              </a:rPr>
+              <a:t>Thanks</a:t>
+            </a:r>
+            <a:r>
+              <a:rPr lang="en-US" altLang="zh-CN" sz="9600" dirty="0">
+                <a:solidFill>
+                  <a:schemeClr val="accent5">
+                    <a:lumMod val="75000"/>
+                  </a:schemeClr>
+                </a:solidFill>
+                <a:latin typeface="Rockwell" panose="02060603020205020403" pitchFamily="18" charset="0"/>
+              </a:rPr>
+              <a:t>!</a:t>
+            </a:r>
+            <a:endParaRPr lang="zh-CN" altLang="en-US" sz="9600" dirty="0">
+              <a:solidFill>
+                <a:schemeClr val="accent5">
+                  <a:lumMod val="75000"/>
+                </a:schemeClr>
+              </a:solidFill>
+              <a:latin typeface="Rockwell" panose="02060603020205020403" pitchFamily="18" charset="0"/>
+            </a:endParaRPr>
+          </a:p>
+        </p:txBody>
+      </p:sp>
+      <p:sp>
+        <p:nvSpPr>
+          <p:cNvPr id="5" name="文本框 4"/>
+          <p:cNvSpPr txBox="1"/>
+          <p:nvPr/>
+        </p:nvSpPr>
+        <p:spPr>
+          <a:xfrm>
+            <a:off x="4985077" y="4211198"/>
+            <a:ext cx="2236510" cy="584775"/>
+          </a:xfrm>
+          <a:prstGeom prst="rect">
+            <a:avLst/>
+          </a:prstGeom>
+          <a:noFill/>
+        </p:spPr>
+        <p:txBody>
+          <a:bodyPr wrap="none" rtlCol="0">
+            <a:spAutoFit/>
+          </a:bodyPr>
+          <a:lstStyle/>
+          <a:p>
+            <a:r>
+              <a:rPr lang="zh-CN" altLang="en-US" sz="3200" b="1" dirty="0" smtClean="0">
+                <a:latin typeface="等线 Light" panose="02010600030101010101" pitchFamily="2" charset="-122"/>
+                <a:ea typeface="等线 Light" panose="02010600030101010101" pitchFamily="2" charset="-122"/>
+              </a:rPr>
+              <a:t>超市信息部</a:t>
+            </a:r>
+            <a:endParaRPr lang="zh-CN" altLang="en-US" sz="3200" b="1" dirty="0">
+              <a:latin typeface="等线 Light" panose="02010600030101010101" pitchFamily="2" charset="-122"/>
+              <a:ea typeface="等线 Light" panose="02010600030101010101" pitchFamily="2" charset="-122"/>
+            </a:endParaRPr>
+          </a:p>
+        </p:txBody>
+      </p:sp>
+    </p:spTree>
+    <p:extLst>
+      <p:ext uri="{BB962C8B-B14F-4D97-AF65-F5344CB8AC3E}">
+        <p14:creationId xmlns:p14="http://schemas.microsoft.com/office/powerpoint/2010/main" val="2422073905"/>
+      </p:ext>
+    </p:extLst>
+  </p:cSld>
+  <p:clrMapOvr>
+    <a:masterClrMapping/>
+  </p:clrMapOvr>
+</p:sld>
+</file>
+
 <file path=ppt/slides/slide2.xml><?xml version="1.0" encoding="utf-8"?>
 <p:sld xmlns:a="http://schemas.openxmlformats.org/drawingml/2006/main" xmlns:r="http://schemas.openxmlformats.org/officeDocument/2006/relationships" xmlns:p="http://schemas.openxmlformats.org/presentationml/2006/main">
   <p:cSld>
@@ -6207,6 +6451,57 @@
             <a:endParaRPr lang="en-US" altLang="zh-CN" dirty="0" smtClean="0"/>
           </a:p>
           <a:p>
+            <a:pPr lvl="1"/>
+            <a:r>
+              <a:rPr lang="zh-CN" altLang="en-US" dirty="0" smtClean="0"/>
+              <a:t>数据部分</a:t>
+            </a:r>
+            <a:endParaRPr lang="en-US" altLang="zh-CN" dirty="0" smtClean="0"/>
+          </a:p>
+          <a:p>
+            <a:pPr lvl="1"/>
+            <a:r>
+              <a:rPr lang="zh-CN" altLang="en-US" dirty="0" smtClean="0"/>
+              <a:t>新建维度事实</a:t>
+            </a:r>
+            <a:endParaRPr lang="en-US" altLang="zh-CN" dirty="0" smtClean="0"/>
+          </a:p>
+          <a:p>
+            <a:pPr lvl="2"/>
+            <a:r>
+              <a:rPr lang="zh-CN" altLang="en-US" dirty="0" smtClean="0"/>
+              <a:t>会员销售</a:t>
+            </a:r>
+            <a:endParaRPr lang="en-US" altLang="zh-CN" dirty="0" smtClean="0"/>
+          </a:p>
+          <a:p>
+            <a:pPr lvl="2"/>
+            <a:r>
+              <a:rPr lang="zh-CN" altLang="en-US" dirty="0" smtClean="0"/>
+              <a:t>商品</a:t>
+            </a:r>
+            <a:r>
+              <a:rPr lang="en-US" altLang="zh-CN" dirty="0" smtClean="0"/>
+              <a:t>SKU</a:t>
+            </a:r>
+          </a:p>
+          <a:p>
+            <a:pPr lvl="2"/>
+            <a:r>
+              <a:rPr lang="zh-CN" altLang="en-US" dirty="0" smtClean="0"/>
+              <a:t>会员来客数</a:t>
+            </a:r>
+            <a:endParaRPr lang="en-US" altLang="zh-CN" dirty="0" smtClean="0"/>
+          </a:p>
+          <a:p>
+            <a:pPr lvl="2"/>
+            <a:r>
+              <a:rPr lang="zh-CN" altLang="en-US" dirty="0" smtClean="0"/>
+              <a:t>交易小票分析</a:t>
+            </a:r>
+            <a:endParaRPr lang="en-US" altLang="zh-CN" dirty="0" smtClean="0"/>
+          </a:p>
+          <a:p>
             <a:r>
               <a:rPr lang="en-US" altLang="zh-CN" dirty="0" smtClean="0"/>
               <a:t>RA batch</a:t>
@@ -6236,7 +6531,7 @@
               <a:t>小时以上的</a:t>
             </a:r>
             <a:r>
-              <a:rPr lang="en-US" altLang="zh-CN"/>
+              <a:rPr lang="en-US" altLang="zh-CN" dirty="0"/>
               <a:t>batch</a:t>
             </a:r>
             <a:endParaRPr lang="zh-CN" altLang="en-US" dirty="0"/>
@@ -6310,6 +6605,14 @@
               <a:rPr lang="zh-CN" altLang="en-US" dirty="0" smtClean="0"/>
               <a:t>建设成果</a:t>
             </a:r>
+            <a:r>
+              <a:rPr lang="en-US" altLang="zh-CN" dirty="0" smtClean="0"/>
+              <a:t>-</a:t>
+            </a:r>
+            <a:r>
+              <a:rPr lang="zh-CN" altLang="en-US" dirty="0" smtClean="0"/>
+              <a:t>数据部分</a:t>
+            </a:r>
             <a:endParaRPr lang="zh-CN" altLang="en-US" dirty="0"/>
           </a:p>
         </p:txBody>
@@ -7616,17 +7919,22 @@
           <a:lstStyle/>
           <a:p>
             <a:r>
+              <a:rPr lang="en-US" altLang="zh-CN" dirty="0"/>
+              <a:t>RA</a:t>
+            </a:r>
+            <a:r>
+              <a:rPr lang="zh-CN" altLang="en-US" dirty="0"/>
+              <a:t>建设成果</a:t>
+            </a:r>
+            <a:r>
               <a:rPr lang="en-US" altLang="zh-CN" dirty="0" smtClean="0"/>
-              <a:t>RA batch</a:t>
+              <a:t>-</a:t>
             </a:r>
             <a:r>
               <a:rPr lang="zh-CN" altLang="en-US" dirty="0" smtClean="0"/>
-              <a:t>执行</a:t>
-            </a:r>
-            <a:r>
-              <a:rPr lang="zh-CN" altLang="en-US" dirty="0"/>
-              <a:t>概览</a:t>
-            </a:r>
+              <a:t>新建维度事实</a:t>
+            </a:r>
+            <a:endParaRPr lang="zh-CN" altLang="en-US" dirty="0"/>
           </a:p>
         </p:txBody>
       </p:sp>
@@ -7640,38 +7948,1773 @@
             <p:ph idx="1"/>
             <p:extLst>
               <p:ext uri="{D42A27DB-BD31-4B8C-83A1-F6EECF244321}">
-                <p14:modId xmlns:p14="http://schemas.microsoft.com/office/powerpoint/2010/main" val="3708204026"/>
+                <p14:modId xmlns:p14="http://schemas.microsoft.com/office/powerpoint/2010/main" val="2878017898"/>
               </p:ext>
             </p:extLst>
           </p:nvPr>
         </p:nvGraphicFramePr>
         <p:xfrm>
-          <a:off x="838200" y="1422400"/>
-          <a:ext cx="10515600" cy="4772025"/>
+          <a:off x="960548" y="1282700"/>
+          <a:ext cx="10393252" cy="4937796"/>
         </p:xfrm>
         <a:graphic>
-          <a:graphicData uri="http://schemas.openxmlformats.org/drawingml/2006/chart">
-            <c:chart xmlns:c="http://schemas.openxmlformats.org/drawingml/2006/chart" xmlns:r="http://schemas.openxmlformats.org/officeDocument/2006/relationships" r:id="rId2"/>
+          <a:graphicData uri="http://schemas.openxmlformats.org/drawingml/2006/table">
+            <a:tbl>
+              <a:tblPr>
+                <a:tableStyleId>{5C22544A-7EE6-4342-B048-85BDC9FD1C3A}</a:tableStyleId>
+              </a:tblPr>
+              <a:tblGrid>
+                <a:gridCol w="1561747"/>
+                <a:gridCol w="2177108"/>
+                <a:gridCol w="6111181"/>
+                <a:gridCol w="543216"/>
+              </a:tblGrid>
+              <a:tr h="259884">
+                <a:tc>
+                  <a:txBody>
+                    <a:bodyPr/>
+                    <a:lstStyle/>
+                    <a:p>
+                      <a:pPr algn="l" fontAlgn="ctr"/>
+                      <a:r>
+                        <a:rPr lang="zh-CN" altLang="en-US" sz="1600" u="none" strike="noStrike" dirty="0">
+                          <a:effectLst/>
+                        </a:rPr>
+                        <a:t>位置</a:t>
+                      </a:r>
+                      <a:endParaRPr lang="zh-CN" altLang="en-US" sz="1600" b="0" i="0" u="none" strike="noStrike" dirty="0">
+                        <a:solidFill>
+                          <a:srgbClr val="000000"/>
+                        </a:solidFill>
+                        <a:effectLst/>
+                        <a:latin typeface="宋体" panose="02010600030101010101" pitchFamily="2" charset="-122"/>
+                        <a:ea typeface="宋体" panose="02010600030101010101" pitchFamily="2" charset="-122"/>
+                      </a:endParaRPr>
+                    </a:p>
+                  </a:txBody>
+                  <a:tcPr marL="9525" marR="9525" marT="9525" marB="0" anchor="ctr"/>
+                </a:tc>
+                <a:tc>
+                  <a:txBody>
+                    <a:bodyPr/>
+                    <a:lstStyle/>
+                    <a:p>
+                      <a:pPr algn="l" fontAlgn="ctr"/>
+                      <a:r>
+                        <a:rPr lang="zh-CN" altLang="en-US" sz="1600" u="none" strike="noStrike">
+                          <a:effectLst/>
+                        </a:rPr>
+                        <a:t>名称</a:t>
+                      </a:r>
+                      <a:endParaRPr lang="zh-CN" altLang="en-US" sz="1600" b="0" i="0" u="none" strike="noStrike">
+                        <a:solidFill>
+                          <a:srgbClr val="000000"/>
+                        </a:solidFill>
+                        <a:effectLst/>
+                        <a:latin typeface="宋体" panose="02010600030101010101" pitchFamily="2" charset="-122"/>
+                        <a:ea typeface="宋体" panose="02010600030101010101" pitchFamily="2" charset="-122"/>
+                      </a:endParaRPr>
+                    </a:p>
+                  </a:txBody>
+                  <a:tcPr marL="9525" marR="9525" marT="9525" marB="0" anchor="ctr"/>
+                </a:tc>
+                <a:tc>
+                  <a:txBody>
+                    <a:bodyPr/>
+                    <a:lstStyle/>
+                    <a:p>
+                      <a:pPr algn="l" fontAlgn="ctr"/>
+                      <a:r>
+                        <a:rPr lang="zh-CN" altLang="en-US" sz="1600" u="none" strike="noStrike">
+                          <a:effectLst/>
+                        </a:rPr>
+                        <a:t>定义</a:t>
+                      </a:r>
+                      <a:endParaRPr lang="zh-CN" altLang="en-US" sz="1600" b="0" i="0" u="none" strike="noStrike">
+                        <a:solidFill>
+                          <a:srgbClr val="000000"/>
+                        </a:solidFill>
+                        <a:effectLst/>
+                        <a:latin typeface="宋体" panose="02010600030101010101" pitchFamily="2" charset="-122"/>
+                        <a:ea typeface="宋体" panose="02010600030101010101" pitchFamily="2" charset="-122"/>
+                      </a:endParaRPr>
+                    </a:p>
+                  </a:txBody>
+                  <a:tcPr marL="9525" marR="9525" marT="9525" marB="0" anchor="ctr"/>
+                </a:tc>
+                <a:tc>
+                  <a:txBody>
+                    <a:bodyPr/>
+                    <a:lstStyle/>
+                    <a:p>
+                      <a:pPr algn="l" fontAlgn="ctr"/>
+                      <a:r>
+                        <a:rPr lang="zh-CN" altLang="en-US" sz="1600" u="none" strike="noStrike" dirty="0">
+                          <a:effectLst/>
+                        </a:rPr>
+                        <a:t>说明</a:t>
+                      </a:r>
+                      <a:endParaRPr lang="zh-CN" altLang="en-US" sz="1600" b="0" i="0" u="none" strike="noStrike" dirty="0">
+                        <a:solidFill>
+                          <a:srgbClr val="000000"/>
+                        </a:solidFill>
+                        <a:effectLst/>
+                        <a:latin typeface="宋体" panose="02010600030101010101" pitchFamily="2" charset="-122"/>
+                        <a:ea typeface="宋体" panose="02010600030101010101" pitchFamily="2" charset="-122"/>
+                      </a:endParaRPr>
+                    </a:p>
+                  </a:txBody>
+                  <a:tcPr marL="9525" marR="9525" marT="9525" marB="0" anchor="ctr"/>
+                </a:tc>
+              </a:tr>
+              <a:tr h="259884">
+                <a:tc rowSpan="18">
+                  <a:txBody>
+                    <a:bodyPr/>
+                    <a:lstStyle/>
+                    <a:p>
+                      <a:pPr algn="ctr" fontAlgn="ctr"/>
+                      <a:r>
+                        <a:rPr lang="zh-CN" altLang="en-US" sz="1600" u="none" strike="noStrike">
+                          <a:effectLst/>
+                        </a:rPr>
+                        <a:t>事实</a:t>
+                      </a:r>
+                      <a:r>
+                        <a:rPr lang="en-US" altLang="zh-CN" sz="1600" u="none" strike="noStrike">
+                          <a:effectLst/>
+                        </a:rPr>
+                        <a:t>--</a:t>
+                      </a:r>
+                      <a:r>
+                        <a:rPr lang="zh-CN" altLang="en-US" sz="1600" u="none" strike="noStrike">
+                          <a:effectLst/>
+                        </a:rPr>
+                        <a:t>会员销售</a:t>
+                      </a:r>
+                      <a:endParaRPr lang="zh-CN" altLang="en-US" sz="1600" b="0" i="0" u="none" strike="noStrike">
+                        <a:solidFill>
+                          <a:srgbClr val="000000"/>
+                        </a:solidFill>
+                        <a:effectLst/>
+                        <a:latin typeface="宋体" panose="02010600030101010101" pitchFamily="2" charset="-122"/>
+                        <a:ea typeface="宋体" panose="02010600030101010101" pitchFamily="2" charset="-122"/>
+                      </a:endParaRPr>
+                    </a:p>
+                  </a:txBody>
+                  <a:tcPr marL="9525" marR="9525" marT="9525" marB="0" anchor="ctr"/>
+                </a:tc>
+                <a:tc>
+                  <a:txBody>
+                    <a:bodyPr/>
+                    <a:lstStyle/>
+                    <a:p>
+                      <a:pPr algn="l" fontAlgn="ctr"/>
+                      <a:r>
+                        <a:rPr lang="zh-CN" altLang="en-US" sz="1600" u="none" strike="noStrike">
+                          <a:effectLst/>
+                        </a:rPr>
+                        <a:t>会员净销售量</a:t>
+                      </a:r>
+                      <a:endParaRPr lang="zh-CN" altLang="en-US" sz="1600" b="0" i="0" u="none" strike="noStrike">
+                        <a:solidFill>
+                          <a:srgbClr val="000000"/>
+                        </a:solidFill>
+                        <a:effectLst/>
+                        <a:latin typeface="宋体" panose="02010600030101010101" pitchFamily="2" charset="-122"/>
+                        <a:ea typeface="宋体" panose="02010600030101010101" pitchFamily="2" charset="-122"/>
+                      </a:endParaRPr>
+                    </a:p>
+                  </a:txBody>
+                  <a:tcPr marL="9525" marR="9525" marT="9525" marB="0" anchor="ctr"/>
+                </a:tc>
+                <a:tc>
+                  <a:txBody>
+                    <a:bodyPr/>
+                    <a:lstStyle/>
+                    <a:p>
+                      <a:pPr algn="l" fontAlgn="ctr"/>
+                      <a:r>
+                        <a:rPr lang="zh-CN" altLang="en-US" sz="1600" u="none" strike="noStrike">
+                          <a:effectLst/>
+                        </a:rPr>
+                        <a:t>会员销售总量和会员退货量之间的差额</a:t>
+                      </a:r>
+                      <a:endParaRPr lang="zh-CN" altLang="en-US" sz="1600" b="0" i="0" u="none" strike="noStrike">
+                        <a:solidFill>
+                          <a:srgbClr val="000000"/>
+                        </a:solidFill>
+                        <a:effectLst/>
+                        <a:latin typeface="宋体" panose="02010600030101010101" pitchFamily="2" charset="-122"/>
+                        <a:ea typeface="宋体" panose="02010600030101010101" pitchFamily="2" charset="-122"/>
+                      </a:endParaRPr>
+                    </a:p>
+                  </a:txBody>
+                  <a:tcPr marL="9525" marR="9525" marT="9525" marB="0" anchor="ctr"/>
+                </a:tc>
+                <a:tc>
+                  <a:txBody>
+                    <a:bodyPr/>
+                    <a:lstStyle/>
+                    <a:p>
+                      <a:pPr algn="l" fontAlgn="ctr"/>
+                      <a:r>
+                        <a:rPr lang="zh-CN" altLang="en-US" sz="1100" u="none" strike="noStrike">
+                          <a:effectLst/>
+                        </a:rPr>
+                        <a:t>　</a:t>
+                      </a:r>
+                      <a:endParaRPr lang="zh-CN" altLang="en-US" sz="1100" b="0" i="0" u="none" strike="noStrike">
+                        <a:solidFill>
+                          <a:srgbClr val="000000"/>
+                        </a:solidFill>
+                        <a:effectLst/>
+                        <a:latin typeface="宋体" panose="02010600030101010101" pitchFamily="2" charset="-122"/>
+                        <a:ea typeface="宋体" panose="02010600030101010101" pitchFamily="2" charset="-122"/>
+                      </a:endParaRPr>
+                    </a:p>
+                  </a:txBody>
+                  <a:tcPr marL="9525" marR="9525" marT="9525" marB="0" anchor="ctr"/>
+                </a:tc>
+              </a:tr>
+              <a:tr h="259884">
+                <a:tc vMerge="1">
+                  <a:txBody>
+                    <a:bodyPr/>
+                    <a:lstStyle/>
+                    <a:p>
+                      <a:endParaRPr lang="zh-CN" altLang="en-US"/>
+                    </a:p>
+                  </a:txBody>
+                  <a:tcPr/>
+                </a:tc>
+                <a:tc>
+                  <a:txBody>
+                    <a:bodyPr/>
+                    <a:lstStyle/>
+                    <a:p>
+                      <a:pPr algn="l" fontAlgn="ctr"/>
+                      <a:r>
+                        <a:rPr lang="zh-CN" altLang="en-US" sz="1600" u="none" strike="noStrike">
+                          <a:effectLst/>
+                        </a:rPr>
+                        <a:t>上年会员净销售量</a:t>
+                      </a:r>
+                      <a:endParaRPr lang="zh-CN" altLang="en-US" sz="1600" b="0" i="0" u="none" strike="noStrike">
+                        <a:solidFill>
+                          <a:srgbClr val="000000"/>
+                        </a:solidFill>
+                        <a:effectLst/>
+                        <a:latin typeface="宋体" panose="02010600030101010101" pitchFamily="2" charset="-122"/>
+                        <a:ea typeface="宋体" panose="02010600030101010101" pitchFamily="2" charset="-122"/>
+                      </a:endParaRPr>
+                    </a:p>
+                  </a:txBody>
+                  <a:tcPr marL="9525" marR="9525" marT="9525" marB="0" anchor="ctr"/>
+                </a:tc>
+                <a:tc>
+                  <a:txBody>
+                    <a:bodyPr/>
+                    <a:lstStyle/>
+                    <a:p>
+                      <a:pPr algn="l" fontAlgn="ctr"/>
+                      <a:r>
+                        <a:rPr lang="zh-CN" altLang="en-US" sz="1600" u="none" strike="noStrike">
+                          <a:effectLst/>
+                        </a:rPr>
+                        <a:t>去年同期会员净销售量</a:t>
+                      </a:r>
+                      <a:endParaRPr lang="zh-CN" altLang="en-US" sz="1600" b="0" i="0" u="none" strike="noStrike">
+                        <a:solidFill>
+                          <a:srgbClr val="000000"/>
+                        </a:solidFill>
+                        <a:effectLst/>
+                        <a:latin typeface="宋体" panose="02010600030101010101" pitchFamily="2" charset="-122"/>
+                        <a:ea typeface="宋体" panose="02010600030101010101" pitchFamily="2" charset="-122"/>
+                      </a:endParaRPr>
+                    </a:p>
+                  </a:txBody>
+                  <a:tcPr marL="9525" marR="9525" marT="9525" marB="0" anchor="ctr"/>
+                </a:tc>
+                <a:tc>
+                  <a:txBody>
+                    <a:bodyPr/>
+                    <a:lstStyle/>
+                    <a:p>
+                      <a:pPr algn="l" fontAlgn="ctr"/>
+                      <a:r>
+                        <a:rPr lang="zh-CN" altLang="en-US" sz="1100" u="none" strike="noStrike">
+                          <a:effectLst/>
+                        </a:rPr>
+                        <a:t>　</a:t>
+                      </a:r>
+                      <a:endParaRPr lang="zh-CN" altLang="en-US" sz="1100" b="0" i="0" u="none" strike="noStrike">
+                        <a:solidFill>
+                          <a:srgbClr val="000000"/>
+                        </a:solidFill>
+                        <a:effectLst/>
+                        <a:latin typeface="宋体" panose="02010600030101010101" pitchFamily="2" charset="-122"/>
+                        <a:ea typeface="宋体" panose="02010600030101010101" pitchFamily="2" charset="-122"/>
+                      </a:endParaRPr>
+                    </a:p>
+                  </a:txBody>
+                  <a:tcPr marL="9525" marR="9525" marT="9525" marB="0" anchor="ctr"/>
+                </a:tc>
+              </a:tr>
+              <a:tr h="259884">
+                <a:tc vMerge="1">
+                  <a:txBody>
+                    <a:bodyPr/>
+                    <a:lstStyle/>
+                    <a:p>
+                      <a:endParaRPr lang="zh-CN" altLang="en-US"/>
+                    </a:p>
+                  </a:txBody>
+                  <a:tcPr/>
+                </a:tc>
+                <a:tc>
+                  <a:txBody>
+                    <a:bodyPr/>
+                    <a:lstStyle/>
+                    <a:p>
+                      <a:pPr algn="l" fontAlgn="ctr"/>
+                      <a:r>
+                        <a:rPr lang="zh-CN" altLang="en-US" sz="1600" u="none" strike="noStrike">
+                          <a:effectLst/>
+                        </a:rPr>
+                        <a:t>会员净销售额</a:t>
+                      </a:r>
+                      <a:endParaRPr lang="zh-CN" altLang="en-US" sz="1600" b="0" i="0" u="none" strike="noStrike">
+                        <a:solidFill>
+                          <a:srgbClr val="000000"/>
+                        </a:solidFill>
+                        <a:effectLst/>
+                        <a:latin typeface="宋体" panose="02010600030101010101" pitchFamily="2" charset="-122"/>
+                        <a:ea typeface="宋体" panose="02010600030101010101" pitchFamily="2" charset="-122"/>
+                      </a:endParaRPr>
+                    </a:p>
+                  </a:txBody>
+                  <a:tcPr marL="9525" marR="9525" marT="9525" marB="0" anchor="ctr"/>
+                </a:tc>
+                <a:tc>
+                  <a:txBody>
+                    <a:bodyPr/>
+                    <a:lstStyle/>
+                    <a:p>
+                      <a:pPr algn="l" fontAlgn="ctr"/>
+                      <a:r>
+                        <a:rPr lang="zh-CN" altLang="en-US" sz="1600" u="none" strike="noStrike">
+                          <a:effectLst/>
+                        </a:rPr>
+                        <a:t>不包含前台退货的会员未税销售金额</a:t>
+                      </a:r>
+                      <a:endParaRPr lang="zh-CN" altLang="en-US" sz="1600" b="0" i="0" u="none" strike="noStrike">
+                        <a:solidFill>
+                          <a:srgbClr val="000000"/>
+                        </a:solidFill>
+                        <a:effectLst/>
+                        <a:latin typeface="宋体" panose="02010600030101010101" pitchFamily="2" charset="-122"/>
+                        <a:ea typeface="宋体" panose="02010600030101010101" pitchFamily="2" charset="-122"/>
+                      </a:endParaRPr>
+                    </a:p>
+                  </a:txBody>
+                  <a:tcPr marL="9525" marR="9525" marT="9525" marB="0" anchor="ctr"/>
+                </a:tc>
+                <a:tc>
+                  <a:txBody>
+                    <a:bodyPr/>
+                    <a:lstStyle/>
+                    <a:p>
+                      <a:pPr algn="l" fontAlgn="ctr"/>
+                      <a:r>
+                        <a:rPr lang="zh-CN" altLang="en-US" sz="1100" u="none" strike="noStrike">
+                          <a:effectLst/>
+                        </a:rPr>
+                        <a:t>　</a:t>
+                      </a:r>
+                      <a:endParaRPr lang="zh-CN" altLang="en-US" sz="1100" b="0" i="0" u="none" strike="noStrike">
+                        <a:solidFill>
+                          <a:srgbClr val="000000"/>
+                        </a:solidFill>
+                        <a:effectLst/>
+                        <a:latin typeface="宋体" panose="02010600030101010101" pitchFamily="2" charset="-122"/>
+                        <a:ea typeface="宋体" panose="02010600030101010101" pitchFamily="2" charset="-122"/>
+                      </a:endParaRPr>
+                    </a:p>
+                  </a:txBody>
+                  <a:tcPr marL="9525" marR="9525" marT="9525" marB="0" anchor="ctr"/>
+                </a:tc>
+              </a:tr>
+              <a:tr h="259884">
+                <a:tc vMerge="1">
+                  <a:txBody>
+                    <a:bodyPr/>
+                    <a:lstStyle/>
+                    <a:p>
+                      <a:endParaRPr lang="zh-CN" altLang="en-US"/>
+                    </a:p>
+                  </a:txBody>
+                  <a:tcPr/>
+                </a:tc>
+                <a:tc>
+                  <a:txBody>
+                    <a:bodyPr/>
+                    <a:lstStyle/>
+                    <a:p>
+                      <a:pPr algn="l" fontAlgn="ctr"/>
+                      <a:r>
+                        <a:rPr lang="zh-CN" altLang="en-US" sz="1600" u="none" strike="noStrike">
+                          <a:effectLst/>
+                        </a:rPr>
+                        <a:t>上年会员净销售额</a:t>
+                      </a:r>
+                      <a:endParaRPr lang="zh-CN" altLang="en-US" sz="1600" b="0" i="0" u="none" strike="noStrike">
+                        <a:solidFill>
+                          <a:srgbClr val="000000"/>
+                        </a:solidFill>
+                        <a:effectLst/>
+                        <a:latin typeface="宋体" panose="02010600030101010101" pitchFamily="2" charset="-122"/>
+                        <a:ea typeface="宋体" panose="02010600030101010101" pitchFamily="2" charset="-122"/>
+                      </a:endParaRPr>
+                    </a:p>
+                  </a:txBody>
+                  <a:tcPr marL="9525" marR="9525" marT="9525" marB="0" anchor="ctr"/>
+                </a:tc>
+                <a:tc>
+                  <a:txBody>
+                    <a:bodyPr/>
+                    <a:lstStyle/>
+                    <a:p>
+                      <a:pPr algn="l" fontAlgn="ctr"/>
+                      <a:r>
+                        <a:rPr lang="zh-CN" altLang="en-US" sz="1600" u="none" strike="noStrike">
+                          <a:effectLst/>
+                        </a:rPr>
+                        <a:t>去年同期会员净销售额</a:t>
+                      </a:r>
+                      <a:endParaRPr lang="zh-CN" altLang="en-US" sz="1600" b="0" i="0" u="none" strike="noStrike">
+                        <a:solidFill>
+                          <a:srgbClr val="000000"/>
+                        </a:solidFill>
+                        <a:effectLst/>
+                        <a:latin typeface="宋体" panose="02010600030101010101" pitchFamily="2" charset="-122"/>
+                        <a:ea typeface="宋体" panose="02010600030101010101" pitchFamily="2" charset="-122"/>
+                      </a:endParaRPr>
+                    </a:p>
+                  </a:txBody>
+                  <a:tcPr marL="9525" marR="9525" marT="9525" marB="0" anchor="ctr"/>
+                </a:tc>
+                <a:tc>
+                  <a:txBody>
+                    <a:bodyPr/>
+                    <a:lstStyle/>
+                    <a:p>
+                      <a:pPr algn="l" fontAlgn="ctr"/>
+                      <a:r>
+                        <a:rPr lang="zh-CN" altLang="en-US" sz="1100" u="none" strike="noStrike">
+                          <a:effectLst/>
+                        </a:rPr>
+                        <a:t>　</a:t>
+                      </a:r>
+                      <a:endParaRPr lang="zh-CN" altLang="en-US" sz="1100" b="0" i="0" u="none" strike="noStrike">
+                        <a:solidFill>
+                          <a:srgbClr val="000000"/>
+                        </a:solidFill>
+                        <a:effectLst/>
+                        <a:latin typeface="宋体" panose="02010600030101010101" pitchFamily="2" charset="-122"/>
+                        <a:ea typeface="宋体" panose="02010600030101010101" pitchFamily="2" charset="-122"/>
+                      </a:endParaRPr>
+                    </a:p>
+                  </a:txBody>
+                  <a:tcPr marL="9525" marR="9525" marT="9525" marB="0" anchor="ctr"/>
+                </a:tc>
+              </a:tr>
+              <a:tr h="259884">
+                <a:tc vMerge="1">
+                  <a:txBody>
+                    <a:bodyPr/>
+                    <a:lstStyle/>
+                    <a:p>
+                      <a:endParaRPr lang="zh-CN" altLang="en-US"/>
+                    </a:p>
+                  </a:txBody>
+                  <a:tcPr/>
+                </a:tc>
+                <a:tc>
+                  <a:txBody>
+                    <a:bodyPr/>
+                    <a:lstStyle/>
+                    <a:p>
+                      <a:pPr algn="l" fontAlgn="ctr"/>
+                      <a:r>
+                        <a:rPr lang="zh-CN" altLang="en-US" sz="1600" u="none" strike="noStrike">
+                          <a:effectLst/>
+                        </a:rPr>
+                        <a:t>会员含税销售额</a:t>
+                      </a:r>
+                      <a:endParaRPr lang="zh-CN" altLang="en-US" sz="1600" b="0" i="0" u="none" strike="noStrike">
+                        <a:solidFill>
+                          <a:srgbClr val="000000"/>
+                        </a:solidFill>
+                        <a:effectLst/>
+                        <a:latin typeface="宋体" panose="02010600030101010101" pitchFamily="2" charset="-122"/>
+                        <a:ea typeface="宋体" panose="02010600030101010101" pitchFamily="2" charset="-122"/>
+                      </a:endParaRPr>
+                    </a:p>
+                  </a:txBody>
+                  <a:tcPr marL="9525" marR="9525" marT="9525" marB="0" anchor="ctr"/>
+                </a:tc>
+                <a:tc>
+                  <a:txBody>
+                    <a:bodyPr/>
+                    <a:lstStyle/>
+                    <a:p>
+                      <a:pPr algn="l" fontAlgn="ctr"/>
+                      <a:r>
+                        <a:rPr lang="zh-CN" altLang="en-US" sz="1600" u="none" strike="noStrike">
+                          <a:effectLst/>
+                        </a:rPr>
+                        <a:t>不包含前台退货的会员含税销售金额</a:t>
+                      </a:r>
+                      <a:endParaRPr lang="zh-CN" altLang="en-US" sz="1600" b="0" i="0" u="none" strike="noStrike">
+                        <a:solidFill>
+                          <a:srgbClr val="000000"/>
+                        </a:solidFill>
+                        <a:effectLst/>
+                        <a:latin typeface="宋体" panose="02010600030101010101" pitchFamily="2" charset="-122"/>
+                        <a:ea typeface="宋体" panose="02010600030101010101" pitchFamily="2" charset="-122"/>
+                      </a:endParaRPr>
+                    </a:p>
+                  </a:txBody>
+                  <a:tcPr marL="9525" marR="9525" marT="9525" marB="0" anchor="ctr"/>
+                </a:tc>
+                <a:tc>
+                  <a:txBody>
+                    <a:bodyPr/>
+                    <a:lstStyle/>
+                    <a:p>
+                      <a:pPr algn="l" fontAlgn="ctr"/>
+                      <a:r>
+                        <a:rPr lang="zh-CN" altLang="en-US" sz="1100" u="none" strike="noStrike" dirty="0">
+                          <a:effectLst/>
+                        </a:rPr>
+                        <a:t>　</a:t>
+                      </a:r>
+                      <a:endParaRPr lang="zh-CN" altLang="en-US" sz="1100" b="0" i="0" u="none" strike="noStrike" dirty="0">
+                        <a:solidFill>
+                          <a:srgbClr val="000000"/>
+                        </a:solidFill>
+                        <a:effectLst/>
+                        <a:latin typeface="宋体" panose="02010600030101010101" pitchFamily="2" charset="-122"/>
+                        <a:ea typeface="宋体" panose="02010600030101010101" pitchFamily="2" charset="-122"/>
+                      </a:endParaRPr>
+                    </a:p>
+                  </a:txBody>
+                  <a:tcPr marL="9525" marR="9525" marT="9525" marB="0" anchor="ctr"/>
+                </a:tc>
+              </a:tr>
+              <a:tr h="259884">
+                <a:tc vMerge="1">
+                  <a:txBody>
+                    <a:bodyPr/>
+                    <a:lstStyle/>
+                    <a:p>
+                      <a:endParaRPr lang="zh-CN" altLang="en-US"/>
+                    </a:p>
+                  </a:txBody>
+                  <a:tcPr/>
+                </a:tc>
+                <a:tc>
+                  <a:txBody>
+                    <a:bodyPr/>
+                    <a:lstStyle/>
+                    <a:p>
+                      <a:pPr algn="l" fontAlgn="ctr"/>
+                      <a:r>
+                        <a:rPr lang="zh-CN" altLang="en-US" sz="1600" u="none" strike="noStrike">
+                          <a:effectLst/>
+                        </a:rPr>
+                        <a:t>上年会员含税销售额</a:t>
+                      </a:r>
+                      <a:endParaRPr lang="zh-CN" altLang="en-US" sz="1600" b="0" i="0" u="none" strike="noStrike">
+                        <a:solidFill>
+                          <a:srgbClr val="000000"/>
+                        </a:solidFill>
+                        <a:effectLst/>
+                        <a:latin typeface="宋体" panose="02010600030101010101" pitchFamily="2" charset="-122"/>
+                        <a:ea typeface="宋体" panose="02010600030101010101" pitchFamily="2" charset="-122"/>
+                      </a:endParaRPr>
+                    </a:p>
+                  </a:txBody>
+                  <a:tcPr marL="9525" marR="9525" marT="9525" marB="0" anchor="ctr"/>
+                </a:tc>
+                <a:tc>
+                  <a:txBody>
+                    <a:bodyPr/>
+                    <a:lstStyle/>
+                    <a:p>
+                      <a:pPr algn="l" fontAlgn="ctr"/>
+                      <a:r>
+                        <a:rPr lang="zh-CN" altLang="en-US" sz="1600" u="none" strike="noStrike">
+                          <a:effectLst/>
+                        </a:rPr>
+                        <a:t>去年同期会员含税销售额</a:t>
+                      </a:r>
+                      <a:endParaRPr lang="zh-CN" altLang="en-US" sz="1600" b="0" i="0" u="none" strike="noStrike">
+                        <a:solidFill>
+                          <a:srgbClr val="000000"/>
+                        </a:solidFill>
+                        <a:effectLst/>
+                        <a:latin typeface="宋体" panose="02010600030101010101" pitchFamily="2" charset="-122"/>
+                        <a:ea typeface="宋体" panose="02010600030101010101" pitchFamily="2" charset="-122"/>
+                      </a:endParaRPr>
+                    </a:p>
+                  </a:txBody>
+                  <a:tcPr marL="9525" marR="9525" marT="9525" marB="0" anchor="ctr"/>
+                </a:tc>
+                <a:tc>
+                  <a:txBody>
+                    <a:bodyPr/>
+                    <a:lstStyle/>
+                    <a:p>
+                      <a:pPr algn="l" fontAlgn="ctr"/>
+                      <a:r>
+                        <a:rPr lang="zh-CN" altLang="en-US" sz="1100" u="none" strike="noStrike">
+                          <a:effectLst/>
+                        </a:rPr>
+                        <a:t>　</a:t>
+                      </a:r>
+                      <a:endParaRPr lang="zh-CN" altLang="en-US" sz="1100" b="0" i="0" u="none" strike="noStrike">
+                        <a:solidFill>
+                          <a:srgbClr val="000000"/>
+                        </a:solidFill>
+                        <a:effectLst/>
+                        <a:latin typeface="宋体" panose="02010600030101010101" pitchFamily="2" charset="-122"/>
+                        <a:ea typeface="宋体" panose="02010600030101010101" pitchFamily="2" charset="-122"/>
+                      </a:endParaRPr>
+                    </a:p>
+                  </a:txBody>
+                  <a:tcPr marL="9525" marR="9525" marT="9525" marB="0" anchor="ctr"/>
+                </a:tc>
+              </a:tr>
+              <a:tr h="259884">
+                <a:tc vMerge="1">
+                  <a:txBody>
+                    <a:bodyPr/>
+                    <a:lstStyle/>
+                    <a:p>
+                      <a:endParaRPr lang="zh-CN" altLang="en-US"/>
+                    </a:p>
+                  </a:txBody>
+                  <a:tcPr/>
+                </a:tc>
+                <a:tc>
+                  <a:txBody>
+                    <a:bodyPr/>
+                    <a:lstStyle/>
+                    <a:p>
+                      <a:pPr algn="l" fontAlgn="ctr"/>
+                      <a:r>
+                        <a:rPr lang="zh-CN" altLang="en-US" sz="1600" u="none" strike="noStrike">
+                          <a:effectLst/>
+                        </a:rPr>
+                        <a:t>会员销售净利润</a:t>
+                      </a:r>
+                      <a:endParaRPr lang="zh-CN" altLang="en-US" sz="1600" b="0" i="0" u="none" strike="noStrike">
+                        <a:solidFill>
+                          <a:srgbClr val="000000"/>
+                        </a:solidFill>
+                        <a:effectLst/>
+                        <a:latin typeface="宋体" panose="02010600030101010101" pitchFamily="2" charset="-122"/>
+                        <a:ea typeface="宋体" panose="02010600030101010101" pitchFamily="2" charset="-122"/>
+                      </a:endParaRPr>
+                    </a:p>
+                  </a:txBody>
+                  <a:tcPr marL="9525" marR="9525" marT="9525" marB="0" anchor="ctr"/>
+                </a:tc>
+                <a:tc>
+                  <a:txBody>
+                    <a:bodyPr/>
+                    <a:lstStyle/>
+                    <a:p>
+                      <a:pPr algn="l" fontAlgn="ctr"/>
+                      <a:r>
+                        <a:rPr lang="zh-CN" altLang="en-US" sz="1600" u="none" strike="noStrike">
+                          <a:effectLst/>
+                        </a:rPr>
+                        <a:t>会员净销售额与会员销售成本的差额</a:t>
+                      </a:r>
+                      <a:endParaRPr lang="zh-CN" altLang="en-US" sz="1600" b="0" i="0" u="none" strike="noStrike">
+                        <a:solidFill>
+                          <a:srgbClr val="000000"/>
+                        </a:solidFill>
+                        <a:effectLst/>
+                        <a:latin typeface="宋体" panose="02010600030101010101" pitchFamily="2" charset="-122"/>
+                        <a:ea typeface="宋体" panose="02010600030101010101" pitchFamily="2" charset="-122"/>
+                      </a:endParaRPr>
+                    </a:p>
+                  </a:txBody>
+                  <a:tcPr marL="9525" marR="9525" marT="9525" marB="0" anchor="ctr"/>
+                </a:tc>
+                <a:tc>
+                  <a:txBody>
+                    <a:bodyPr/>
+                    <a:lstStyle/>
+                    <a:p>
+                      <a:pPr algn="l" fontAlgn="ctr"/>
+                      <a:r>
+                        <a:rPr lang="zh-CN" altLang="en-US" sz="1100" u="none" strike="noStrike">
+                          <a:effectLst/>
+                        </a:rPr>
+                        <a:t>　</a:t>
+                      </a:r>
+                      <a:endParaRPr lang="zh-CN" altLang="en-US" sz="1100" b="0" i="0" u="none" strike="noStrike">
+                        <a:solidFill>
+                          <a:srgbClr val="000000"/>
+                        </a:solidFill>
+                        <a:effectLst/>
+                        <a:latin typeface="宋体" panose="02010600030101010101" pitchFamily="2" charset="-122"/>
+                        <a:ea typeface="宋体" panose="02010600030101010101" pitchFamily="2" charset="-122"/>
+                      </a:endParaRPr>
+                    </a:p>
+                  </a:txBody>
+                  <a:tcPr marL="9525" marR="9525" marT="9525" marB="0" anchor="ctr"/>
+                </a:tc>
+              </a:tr>
+              <a:tr h="259884">
+                <a:tc vMerge="1">
+                  <a:txBody>
+                    <a:bodyPr/>
+                    <a:lstStyle/>
+                    <a:p>
+                      <a:endParaRPr lang="zh-CN" altLang="en-US"/>
+                    </a:p>
+                  </a:txBody>
+                  <a:tcPr/>
+                </a:tc>
+                <a:tc>
+                  <a:txBody>
+                    <a:bodyPr/>
+                    <a:lstStyle/>
+                    <a:p>
+                      <a:pPr algn="l" fontAlgn="ctr"/>
+                      <a:r>
+                        <a:rPr lang="zh-CN" altLang="en-US" sz="1600" u="none" strike="noStrike">
+                          <a:effectLst/>
+                        </a:rPr>
+                        <a:t>上年会员销售净利润</a:t>
+                      </a:r>
+                      <a:endParaRPr lang="zh-CN" altLang="en-US" sz="1600" b="0" i="0" u="none" strike="noStrike">
+                        <a:solidFill>
+                          <a:srgbClr val="000000"/>
+                        </a:solidFill>
+                        <a:effectLst/>
+                        <a:latin typeface="宋体" panose="02010600030101010101" pitchFamily="2" charset="-122"/>
+                        <a:ea typeface="宋体" panose="02010600030101010101" pitchFamily="2" charset="-122"/>
+                      </a:endParaRPr>
+                    </a:p>
+                  </a:txBody>
+                  <a:tcPr marL="9525" marR="9525" marT="9525" marB="0" anchor="ctr"/>
+                </a:tc>
+                <a:tc>
+                  <a:txBody>
+                    <a:bodyPr/>
+                    <a:lstStyle/>
+                    <a:p>
+                      <a:pPr algn="l" fontAlgn="ctr"/>
+                      <a:r>
+                        <a:rPr lang="zh-CN" altLang="en-US" sz="1600" u="none" strike="noStrike">
+                          <a:effectLst/>
+                        </a:rPr>
+                        <a:t>去年同期会员销售净利润</a:t>
+                      </a:r>
+                      <a:endParaRPr lang="zh-CN" altLang="en-US" sz="1600" b="0" i="0" u="none" strike="noStrike">
+                        <a:solidFill>
+                          <a:srgbClr val="000000"/>
+                        </a:solidFill>
+                        <a:effectLst/>
+                        <a:latin typeface="宋体" panose="02010600030101010101" pitchFamily="2" charset="-122"/>
+                        <a:ea typeface="宋体" panose="02010600030101010101" pitchFamily="2" charset="-122"/>
+                      </a:endParaRPr>
+                    </a:p>
+                  </a:txBody>
+                  <a:tcPr marL="9525" marR="9525" marT="9525" marB="0" anchor="ctr"/>
+                </a:tc>
+                <a:tc>
+                  <a:txBody>
+                    <a:bodyPr/>
+                    <a:lstStyle/>
+                    <a:p>
+                      <a:pPr algn="l" fontAlgn="ctr"/>
+                      <a:r>
+                        <a:rPr lang="zh-CN" altLang="en-US" sz="1100" u="none" strike="noStrike">
+                          <a:effectLst/>
+                        </a:rPr>
+                        <a:t>　</a:t>
+                      </a:r>
+                      <a:endParaRPr lang="zh-CN" altLang="en-US" sz="1100" b="0" i="0" u="none" strike="noStrike">
+                        <a:solidFill>
+                          <a:srgbClr val="000000"/>
+                        </a:solidFill>
+                        <a:effectLst/>
+                        <a:latin typeface="宋体" panose="02010600030101010101" pitchFamily="2" charset="-122"/>
+                        <a:ea typeface="宋体" panose="02010600030101010101" pitchFamily="2" charset="-122"/>
+                      </a:endParaRPr>
+                    </a:p>
+                  </a:txBody>
+                  <a:tcPr marL="9525" marR="9525" marT="9525" marB="0" anchor="ctr"/>
+                </a:tc>
+              </a:tr>
+              <a:tr h="259884">
+                <a:tc vMerge="1">
+                  <a:txBody>
+                    <a:bodyPr/>
+                    <a:lstStyle/>
+                    <a:p>
+                      <a:endParaRPr lang="zh-CN" altLang="en-US"/>
+                    </a:p>
+                  </a:txBody>
+                  <a:tcPr/>
+                </a:tc>
+                <a:tc>
+                  <a:txBody>
+                    <a:bodyPr/>
+                    <a:lstStyle/>
+                    <a:p>
+                      <a:pPr algn="l" fontAlgn="ctr"/>
+                      <a:r>
+                        <a:rPr lang="zh-CN" altLang="en-US" sz="1600" u="none" strike="noStrike">
+                          <a:effectLst/>
+                        </a:rPr>
+                        <a:t>会员销售净税额</a:t>
+                      </a:r>
+                      <a:endParaRPr lang="zh-CN" altLang="en-US" sz="1600" b="0" i="0" u="none" strike="noStrike">
+                        <a:solidFill>
+                          <a:srgbClr val="000000"/>
+                        </a:solidFill>
+                        <a:effectLst/>
+                        <a:latin typeface="宋体" panose="02010600030101010101" pitchFamily="2" charset="-122"/>
+                        <a:ea typeface="宋体" panose="02010600030101010101" pitchFamily="2" charset="-122"/>
+                      </a:endParaRPr>
+                    </a:p>
+                  </a:txBody>
+                  <a:tcPr marL="9525" marR="9525" marT="9525" marB="0" anchor="ctr"/>
+                </a:tc>
+                <a:tc>
+                  <a:txBody>
+                    <a:bodyPr/>
+                    <a:lstStyle/>
+                    <a:p>
+                      <a:pPr algn="l" fontAlgn="ctr"/>
+                      <a:r>
+                        <a:rPr lang="zh-CN" altLang="en-US" sz="1600" u="none" strike="noStrike">
+                          <a:effectLst/>
+                        </a:rPr>
+                        <a:t>会员净销售额需付的税额</a:t>
+                      </a:r>
+                      <a:r>
+                        <a:rPr lang="en-US" altLang="zh-CN" sz="1600" u="none" strike="noStrike">
+                          <a:effectLst/>
+                        </a:rPr>
+                        <a:t>,</a:t>
+                      </a:r>
+                      <a:r>
+                        <a:rPr lang="zh-CN" altLang="en-US" sz="1600" u="none" strike="noStrike">
+                          <a:effectLst/>
+                        </a:rPr>
+                        <a:t>剔出前台退货</a:t>
+                      </a:r>
+                      <a:endParaRPr lang="zh-CN" altLang="en-US" sz="1600" b="0" i="0" u="none" strike="noStrike">
+                        <a:solidFill>
+                          <a:srgbClr val="000000"/>
+                        </a:solidFill>
+                        <a:effectLst/>
+                        <a:latin typeface="宋体" panose="02010600030101010101" pitchFamily="2" charset="-122"/>
+                        <a:ea typeface="宋体" panose="02010600030101010101" pitchFamily="2" charset="-122"/>
+                      </a:endParaRPr>
+                    </a:p>
+                  </a:txBody>
+                  <a:tcPr marL="9525" marR="9525" marT="9525" marB="0" anchor="ctr"/>
+                </a:tc>
+                <a:tc>
+                  <a:txBody>
+                    <a:bodyPr/>
+                    <a:lstStyle/>
+                    <a:p>
+                      <a:pPr algn="l" fontAlgn="ctr"/>
+                      <a:r>
+                        <a:rPr lang="zh-CN" altLang="en-US" sz="1100" u="none" strike="noStrike">
+                          <a:effectLst/>
+                        </a:rPr>
+                        <a:t>　</a:t>
+                      </a:r>
+                      <a:endParaRPr lang="zh-CN" altLang="en-US" sz="1100" b="0" i="0" u="none" strike="noStrike">
+                        <a:solidFill>
+                          <a:srgbClr val="000000"/>
+                        </a:solidFill>
+                        <a:effectLst/>
+                        <a:latin typeface="宋体" panose="02010600030101010101" pitchFamily="2" charset="-122"/>
+                        <a:ea typeface="宋体" panose="02010600030101010101" pitchFamily="2" charset="-122"/>
+                      </a:endParaRPr>
+                    </a:p>
+                  </a:txBody>
+                  <a:tcPr marL="9525" marR="9525" marT="9525" marB="0" anchor="ctr"/>
+                </a:tc>
+              </a:tr>
+              <a:tr h="259884">
+                <a:tc vMerge="1">
+                  <a:txBody>
+                    <a:bodyPr/>
+                    <a:lstStyle/>
+                    <a:p>
+                      <a:endParaRPr lang="zh-CN" altLang="en-US"/>
+                    </a:p>
+                  </a:txBody>
+                  <a:tcPr/>
+                </a:tc>
+                <a:tc>
+                  <a:txBody>
+                    <a:bodyPr/>
+                    <a:lstStyle/>
+                    <a:p>
+                      <a:pPr algn="l" fontAlgn="ctr"/>
+                      <a:r>
+                        <a:rPr lang="zh-CN" altLang="en-US" sz="1600" u="none" strike="noStrike">
+                          <a:effectLst/>
+                        </a:rPr>
+                        <a:t>上年会员销售净税额</a:t>
+                      </a:r>
+                      <a:endParaRPr lang="zh-CN" altLang="en-US" sz="1600" b="0" i="0" u="none" strike="noStrike">
+                        <a:solidFill>
+                          <a:srgbClr val="000000"/>
+                        </a:solidFill>
+                        <a:effectLst/>
+                        <a:latin typeface="宋体" panose="02010600030101010101" pitchFamily="2" charset="-122"/>
+                        <a:ea typeface="宋体" panose="02010600030101010101" pitchFamily="2" charset="-122"/>
+                      </a:endParaRPr>
+                    </a:p>
+                  </a:txBody>
+                  <a:tcPr marL="9525" marR="9525" marT="9525" marB="0" anchor="ctr"/>
+                </a:tc>
+                <a:tc>
+                  <a:txBody>
+                    <a:bodyPr/>
+                    <a:lstStyle/>
+                    <a:p>
+                      <a:pPr algn="l" fontAlgn="ctr"/>
+                      <a:r>
+                        <a:rPr lang="zh-CN" altLang="en-US" sz="1600" u="none" strike="noStrike">
+                          <a:effectLst/>
+                        </a:rPr>
+                        <a:t>去年同期会员销售净税额</a:t>
+                      </a:r>
+                      <a:endParaRPr lang="zh-CN" altLang="en-US" sz="1600" b="0" i="0" u="none" strike="noStrike">
+                        <a:solidFill>
+                          <a:srgbClr val="000000"/>
+                        </a:solidFill>
+                        <a:effectLst/>
+                        <a:latin typeface="宋体" panose="02010600030101010101" pitchFamily="2" charset="-122"/>
+                        <a:ea typeface="宋体" panose="02010600030101010101" pitchFamily="2" charset="-122"/>
+                      </a:endParaRPr>
+                    </a:p>
+                  </a:txBody>
+                  <a:tcPr marL="9525" marR="9525" marT="9525" marB="0" anchor="ctr"/>
+                </a:tc>
+                <a:tc>
+                  <a:txBody>
+                    <a:bodyPr/>
+                    <a:lstStyle/>
+                    <a:p>
+                      <a:pPr algn="l" fontAlgn="ctr"/>
+                      <a:r>
+                        <a:rPr lang="zh-CN" altLang="en-US" sz="1100" u="none" strike="noStrike">
+                          <a:effectLst/>
+                        </a:rPr>
+                        <a:t>　</a:t>
+                      </a:r>
+                      <a:endParaRPr lang="zh-CN" altLang="en-US" sz="1100" b="0" i="0" u="none" strike="noStrike">
+                        <a:solidFill>
+                          <a:srgbClr val="000000"/>
+                        </a:solidFill>
+                        <a:effectLst/>
+                        <a:latin typeface="宋体" panose="02010600030101010101" pitchFamily="2" charset="-122"/>
+                        <a:ea typeface="宋体" panose="02010600030101010101" pitchFamily="2" charset="-122"/>
+                      </a:endParaRPr>
+                    </a:p>
+                  </a:txBody>
+                  <a:tcPr marL="9525" marR="9525" marT="9525" marB="0" anchor="ctr"/>
+                </a:tc>
+              </a:tr>
+              <a:tr h="259884">
+                <a:tc vMerge="1">
+                  <a:txBody>
+                    <a:bodyPr/>
+                    <a:lstStyle/>
+                    <a:p>
+                      <a:endParaRPr lang="zh-CN" altLang="en-US"/>
+                    </a:p>
+                  </a:txBody>
+                  <a:tcPr/>
+                </a:tc>
+                <a:tc>
+                  <a:txBody>
+                    <a:bodyPr/>
+                    <a:lstStyle/>
+                    <a:p>
+                      <a:pPr algn="l" fontAlgn="ctr"/>
+                      <a:r>
+                        <a:rPr lang="zh-CN" altLang="en-US" sz="1600" u="none" strike="noStrike">
+                          <a:effectLst/>
+                        </a:rPr>
+                        <a:t>会员销售总量</a:t>
+                      </a:r>
+                      <a:endParaRPr lang="zh-CN" altLang="en-US" sz="1600" b="0" i="0" u="none" strike="noStrike">
+                        <a:solidFill>
+                          <a:srgbClr val="000000"/>
+                        </a:solidFill>
+                        <a:effectLst/>
+                        <a:latin typeface="宋体" panose="02010600030101010101" pitchFamily="2" charset="-122"/>
+                        <a:ea typeface="宋体" panose="02010600030101010101" pitchFamily="2" charset="-122"/>
+                      </a:endParaRPr>
+                    </a:p>
+                  </a:txBody>
+                  <a:tcPr marL="9525" marR="9525" marT="9525" marB="0" anchor="ctr"/>
+                </a:tc>
+                <a:tc>
+                  <a:txBody>
+                    <a:bodyPr/>
+                    <a:lstStyle/>
+                    <a:p>
+                      <a:pPr algn="l" fontAlgn="ctr"/>
+                      <a:r>
+                        <a:rPr lang="zh-CN" altLang="en-US" sz="1600" u="none" strike="noStrike">
+                          <a:effectLst/>
+                        </a:rPr>
+                        <a:t>会员销售售出商品总量</a:t>
+                      </a:r>
+                      <a:r>
+                        <a:rPr lang="en-US" altLang="zh-CN" sz="1600" u="none" strike="noStrike">
+                          <a:effectLst/>
+                        </a:rPr>
+                        <a:t>,</a:t>
+                      </a:r>
+                      <a:r>
+                        <a:rPr lang="zh-CN" altLang="en-US" sz="1600" u="none" strike="noStrike">
+                          <a:effectLst/>
+                        </a:rPr>
+                        <a:t>包含前台退货数量</a:t>
+                      </a:r>
+                      <a:endParaRPr lang="zh-CN" altLang="en-US" sz="1600" b="0" i="0" u="none" strike="noStrike">
+                        <a:solidFill>
+                          <a:srgbClr val="000000"/>
+                        </a:solidFill>
+                        <a:effectLst/>
+                        <a:latin typeface="宋体" panose="02010600030101010101" pitchFamily="2" charset="-122"/>
+                        <a:ea typeface="宋体" panose="02010600030101010101" pitchFamily="2" charset="-122"/>
+                      </a:endParaRPr>
+                    </a:p>
+                  </a:txBody>
+                  <a:tcPr marL="9525" marR="9525" marT="9525" marB="0" anchor="ctr"/>
+                </a:tc>
+                <a:tc>
+                  <a:txBody>
+                    <a:bodyPr/>
+                    <a:lstStyle/>
+                    <a:p>
+                      <a:pPr algn="l" fontAlgn="ctr"/>
+                      <a:r>
+                        <a:rPr lang="zh-CN" altLang="en-US" sz="1100" u="none" strike="noStrike">
+                          <a:effectLst/>
+                        </a:rPr>
+                        <a:t>　</a:t>
+                      </a:r>
+                      <a:endParaRPr lang="zh-CN" altLang="en-US" sz="1100" b="0" i="0" u="none" strike="noStrike">
+                        <a:solidFill>
+                          <a:srgbClr val="000000"/>
+                        </a:solidFill>
+                        <a:effectLst/>
+                        <a:latin typeface="宋体" panose="02010600030101010101" pitchFamily="2" charset="-122"/>
+                        <a:ea typeface="宋体" panose="02010600030101010101" pitchFamily="2" charset="-122"/>
+                      </a:endParaRPr>
+                    </a:p>
+                  </a:txBody>
+                  <a:tcPr marL="9525" marR="9525" marT="9525" marB="0" anchor="ctr"/>
+                </a:tc>
+              </a:tr>
+              <a:tr h="259884">
+                <a:tc vMerge="1">
+                  <a:txBody>
+                    <a:bodyPr/>
+                    <a:lstStyle/>
+                    <a:p>
+                      <a:endParaRPr lang="zh-CN" altLang="en-US"/>
+                    </a:p>
+                  </a:txBody>
+                  <a:tcPr/>
+                </a:tc>
+                <a:tc>
+                  <a:txBody>
+                    <a:bodyPr/>
+                    <a:lstStyle/>
+                    <a:p>
+                      <a:pPr algn="l" fontAlgn="ctr"/>
+                      <a:r>
+                        <a:rPr lang="zh-CN" altLang="en-US" sz="1600" u="none" strike="noStrike">
+                          <a:effectLst/>
+                        </a:rPr>
+                        <a:t>上年会员销售总量</a:t>
+                      </a:r>
+                      <a:endParaRPr lang="zh-CN" altLang="en-US" sz="1600" b="0" i="0" u="none" strike="noStrike">
+                        <a:solidFill>
+                          <a:srgbClr val="000000"/>
+                        </a:solidFill>
+                        <a:effectLst/>
+                        <a:latin typeface="宋体" panose="02010600030101010101" pitchFamily="2" charset="-122"/>
+                        <a:ea typeface="宋体" panose="02010600030101010101" pitchFamily="2" charset="-122"/>
+                      </a:endParaRPr>
+                    </a:p>
+                  </a:txBody>
+                  <a:tcPr marL="9525" marR="9525" marT="9525" marB="0" anchor="ctr"/>
+                </a:tc>
+                <a:tc>
+                  <a:txBody>
+                    <a:bodyPr/>
+                    <a:lstStyle/>
+                    <a:p>
+                      <a:pPr algn="l" fontAlgn="ctr"/>
+                      <a:r>
+                        <a:rPr lang="zh-CN" altLang="en-US" sz="1600" u="none" strike="noStrike">
+                          <a:effectLst/>
+                        </a:rPr>
+                        <a:t>去年同期会员销售总量</a:t>
+                      </a:r>
+                      <a:endParaRPr lang="zh-CN" altLang="en-US" sz="1600" b="0" i="0" u="none" strike="noStrike">
+                        <a:solidFill>
+                          <a:srgbClr val="000000"/>
+                        </a:solidFill>
+                        <a:effectLst/>
+                        <a:latin typeface="宋体" panose="02010600030101010101" pitchFamily="2" charset="-122"/>
+                        <a:ea typeface="宋体" panose="02010600030101010101" pitchFamily="2" charset="-122"/>
+                      </a:endParaRPr>
+                    </a:p>
+                  </a:txBody>
+                  <a:tcPr marL="9525" marR="9525" marT="9525" marB="0" anchor="ctr"/>
+                </a:tc>
+                <a:tc>
+                  <a:txBody>
+                    <a:bodyPr/>
+                    <a:lstStyle/>
+                    <a:p>
+                      <a:pPr algn="l" fontAlgn="ctr"/>
+                      <a:r>
+                        <a:rPr lang="zh-CN" altLang="en-US" sz="1100" u="none" strike="noStrike">
+                          <a:effectLst/>
+                        </a:rPr>
+                        <a:t>　</a:t>
+                      </a:r>
+                      <a:endParaRPr lang="zh-CN" altLang="en-US" sz="1100" b="0" i="0" u="none" strike="noStrike">
+                        <a:solidFill>
+                          <a:srgbClr val="000000"/>
+                        </a:solidFill>
+                        <a:effectLst/>
+                        <a:latin typeface="宋体" panose="02010600030101010101" pitchFamily="2" charset="-122"/>
+                        <a:ea typeface="宋体" panose="02010600030101010101" pitchFamily="2" charset="-122"/>
+                      </a:endParaRPr>
+                    </a:p>
+                  </a:txBody>
+                  <a:tcPr marL="9525" marR="9525" marT="9525" marB="0" anchor="ctr"/>
+                </a:tc>
+              </a:tr>
+              <a:tr h="259884">
+                <a:tc vMerge="1">
+                  <a:txBody>
+                    <a:bodyPr/>
+                    <a:lstStyle/>
+                    <a:p>
+                      <a:endParaRPr lang="zh-CN" altLang="en-US"/>
+                    </a:p>
+                  </a:txBody>
+                  <a:tcPr/>
+                </a:tc>
+                <a:tc>
+                  <a:txBody>
+                    <a:bodyPr/>
+                    <a:lstStyle/>
+                    <a:p>
+                      <a:pPr algn="l" fontAlgn="ctr"/>
+                      <a:r>
+                        <a:rPr lang="zh-CN" altLang="en-US" sz="1600" u="none" strike="noStrike">
+                          <a:effectLst/>
+                        </a:rPr>
+                        <a:t>会员销售总额</a:t>
+                      </a:r>
+                      <a:endParaRPr lang="zh-CN" altLang="en-US" sz="1600" b="0" i="0" u="none" strike="noStrike">
+                        <a:solidFill>
+                          <a:srgbClr val="000000"/>
+                        </a:solidFill>
+                        <a:effectLst/>
+                        <a:latin typeface="宋体" panose="02010600030101010101" pitchFamily="2" charset="-122"/>
+                        <a:ea typeface="宋体" panose="02010600030101010101" pitchFamily="2" charset="-122"/>
+                      </a:endParaRPr>
+                    </a:p>
+                  </a:txBody>
+                  <a:tcPr marL="9525" marR="9525" marT="9525" marB="0" anchor="ctr"/>
+                </a:tc>
+                <a:tc>
+                  <a:txBody>
+                    <a:bodyPr/>
+                    <a:lstStyle/>
+                    <a:p>
+                      <a:pPr algn="l" fontAlgn="ctr"/>
+                      <a:r>
+                        <a:rPr lang="zh-CN" altLang="en-US" sz="1600" u="none" strike="noStrike">
+                          <a:effectLst/>
+                        </a:rPr>
+                        <a:t>会员销售售出商品总销售额</a:t>
+                      </a:r>
+                      <a:r>
+                        <a:rPr lang="en-US" altLang="zh-CN" sz="1600" u="none" strike="noStrike">
+                          <a:effectLst/>
+                        </a:rPr>
+                        <a:t>,</a:t>
+                      </a:r>
+                      <a:r>
+                        <a:rPr lang="zh-CN" altLang="en-US" sz="1600" u="none" strike="noStrike">
+                          <a:effectLst/>
+                        </a:rPr>
+                        <a:t>包含前台退货金额</a:t>
+                      </a:r>
+                      <a:r>
+                        <a:rPr lang="en-US" altLang="zh-CN" sz="1600" u="none" strike="noStrike">
+                          <a:effectLst/>
+                        </a:rPr>
+                        <a:t>(</a:t>
+                      </a:r>
+                      <a:r>
+                        <a:rPr lang="zh-CN" altLang="en-US" sz="1600" u="none" strike="noStrike">
+                          <a:effectLst/>
+                        </a:rPr>
+                        <a:t>含税</a:t>
+                      </a:r>
+                      <a:r>
+                        <a:rPr lang="en-US" altLang="zh-CN" sz="1600" u="none" strike="noStrike">
+                          <a:effectLst/>
+                        </a:rPr>
+                        <a:t>)</a:t>
+                      </a:r>
+                      <a:endParaRPr lang="en-US" altLang="zh-CN" sz="1600" b="0" i="0" u="none" strike="noStrike">
+                        <a:solidFill>
+                          <a:srgbClr val="000000"/>
+                        </a:solidFill>
+                        <a:effectLst/>
+                        <a:latin typeface="宋体" panose="02010600030101010101" pitchFamily="2" charset="-122"/>
+                        <a:ea typeface="宋体" panose="02010600030101010101" pitchFamily="2" charset="-122"/>
+                      </a:endParaRPr>
+                    </a:p>
+                  </a:txBody>
+                  <a:tcPr marL="9525" marR="9525" marT="9525" marB="0" anchor="ctr"/>
+                </a:tc>
+                <a:tc>
+                  <a:txBody>
+                    <a:bodyPr/>
+                    <a:lstStyle/>
+                    <a:p>
+                      <a:pPr algn="l" fontAlgn="ctr"/>
+                      <a:r>
+                        <a:rPr lang="zh-CN" altLang="en-US" sz="1100" u="none" strike="noStrike">
+                          <a:effectLst/>
+                        </a:rPr>
+                        <a:t>　</a:t>
+                      </a:r>
+                      <a:endParaRPr lang="zh-CN" altLang="en-US" sz="1100" b="0" i="0" u="none" strike="noStrike">
+                        <a:solidFill>
+                          <a:srgbClr val="000000"/>
+                        </a:solidFill>
+                        <a:effectLst/>
+                        <a:latin typeface="宋体" panose="02010600030101010101" pitchFamily="2" charset="-122"/>
+                        <a:ea typeface="宋体" panose="02010600030101010101" pitchFamily="2" charset="-122"/>
+                      </a:endParaRPr>
+                    </a:p>
+                  </a:txBody>
+                  <a:tcPr marL="9525" marR="9525" marT="9525" marB="0" anchor="ctr"/>
+                </a:tc>
+              </a:tr>
+              <a:tr h="259884">
+                <a:tc vMerge="1">
+                  <a:txBody>
+                    <a:bodyPr/>
+                    <a:lstStyle/>
+                    <a:p>
+                      <a:endParaRPr lang="zh-CN" altLang="en-US"/>
+                    </a:p>
+                  </a:txBody>
+                  <a:tcPr/>
+                </a:tc>
+                <a:tc>
+                  <a:txBody>
+                    <a:bodyPr/>
+                    <a:lstStyle/>
+                    <a:p>
+                      <a:pPr algn="l" fontAlgn="ctr"/>
+                      <a:r>
+                        <a:rPr lang="zh-CN" altLang="en-US" sz="1600" u="none" strike="noStrike">
+                          <a:effectLst/>
+                        </a:rPr>
+                        <a:t>上年会员销售总额</a:t>
+                      </a:r>
+                      <a:endParaRPr lang="zh-CN" altLang="en-US" sz="1600" b="0" i="0" u="none" strike="noStrike">
+                        <a:solidFill>
+                          <a:srgbClr val="000000"/>
+                        </a:solidFill>
+                        <a:effectLst/>
+                        <a:latin typeface="宋体" panose="02010600030101010101" pitchFamily="2" charset="-122"/>
+                        <a:ea typeface="宋体" panose="02010600030101010101" pitchFamily="2" charset="-122"/>
+                      </a:endParaRPr>
+                    </a:p>
+                  </a:txBody>
+                  <a:tcPr marL="9525" marR="9525" marT="9525" marB="0" anchor="ctr"/>
+                </a:tc>
+                <a:tc>
+                  <a:txBody>
+                    <a:bodyPr/>
+                    <a:lstStyle/>
+                    <a:p>
+                      <a:pPr algn="l" fontAlgn="ctr"/>
+                      <a:r>
+                        <a:rPr lang="zh-CN" altLang="en-US" sz="1600" u="none" strike="noStrike">
+                          <a:effectLst/>
+                        </a:rPr>
+                        <a:t>去年同期会员销售总额</a:t>
+                      </a:r>
+                      <a:endParaRPr lang="zh-CN" altLang="en-US" sz="1600" b="0" i="0" u="none" strike="noStrike">
+                        <a:solidFill>
+                          <a:srgbClr val="000000"/>
+                        </a:solidFill>
+                        <a:effectLst/>
+                        <a:latin typeface="宋体" panose="02010600030101010101" pitchFamily="2" charset="-122"/>
+                        <a:ea typeface="宋体" panose="02010600030101010101" pitchFamily="2" charset="-122"/>
+                      </a:endParaRPr>
+                    </a:p>
+                  </a:txBody>
+                  <a:tcPr marL="9525" marR="9525" marT="9525" marB="0" anchor="ctr"/>
+                </a:tc>
+                <a:tc>
+                  <a:txBody>
+                    <a:bodyPr/>
+                    <a:lstStyle/>
+                    <a:p>
+                      <a:pPr algn="l" fontAlgn="ctr"/>
+                      <a:r>
+                        <a:rPr lang="zh-CN" altLang="en-US" sz="1100" u="none" strike="noStrike">
+                          <a:effectLst/>
+                        </a:rPr>
+                        <a:t>　</a:t>
+                      </a:r>
+                      <a:endParaRPr lang="zh-CN" altLang="en-US" sz="1100" b="0" i="0" u="none" strike="noStrike">
+                        <a:solidFill>
+                          <a:srgbClr val="000000"/>
+                        </a:solidFill>
+                        <a:effectLst/>
+                        <a:latin typeface="宋体" panose="02010600030101010101" pitchFamily="2" charset="-122"/>
+                        <a:ea typeface="宋体" panose="02010600030101010101" pitchFamily="2" charset="-122"/>
+                      </a:endParaRPr>
+                    </a:p>
+                  </a:txBody>
+                  <a:tcPr marL="9525" marR="9525" marT="9525" marB="0" anchor="ctr"/>
+                </a:tc>
+              </a:tr>
+              <a:tr h="259884">
+                <a:tc vMerge="1">
+                  <a:txBody>
+                    <a:bodyPr/>
+                    <a:lstStyle/>
+                    <a:p>
+                      <a:endParaRPr lang="zh-CN" altLang="en-US"/>
+                    </a:p>
+                  </a:txBody>
+                  <a:tcPr/>
+                </a:tc>
+                <a:tc>
+                  <a:txBody>
+                    <a:bodyPr/>
+                    <a:lstStyle/>
+                    <a:p>
+                      <a:pPr algn="l" fontAlgn="ctr"/>
+                      <a:r>
+                        <a:rPr lang="zh-CN" altLang="en-US" sz="1600" u="none" strike="noStrike">
+                          <a:effectLst/>
+                        </a:rPr>
+                        <a:t>会员销售利润总额</a:t>
+                      </a:r>
+                      <a:endParaRPr lang="zh-CN" altLang="en-US" sz="1600" b="0" i="0" u="none" strike="noStrike">
+                        <a:solidFill>
+                          <a:srgbClr val="000000"/>
+                        </a:solidFill>
+                        <a:effectLst/>
+                        <a:latin typeface="宋体" panose="02010600030101010101" pitchFamily="2" charset="-122"/>
+                        <a:ea typeface="宋体" panose="02010600030101010101" pitchFamily="2" charset="-122"/>
+                      </a:endParaRPr>
+                    </a:p>
+                  </a:txBody>
+                  <a:tcPr marL="9525" marR="9525" marT="9525" marB="0" anchor="ctr"/>
+                </a:tc>
+                <a:tc>
+                  <a:txBody>
+                    <a:bodyPr/>
+                    <a:lstStyle/>
+                    <a:p>
+                      <a:pPr algn="l" fontAlgn="ctr"/>
+                      <a:r>
+                        <a:rPr lang="zh-CN" altLang="en-US" sz="1600" u="none" strike="noStrike">
+                          <a:effectLst/>
+                        </a:rPr>
+                        <a:t>会员未税销售额于商品成本之间的差额</a:t>
+                      </a:r>
+                      <a:r>
+                        <a:rPr lang="en-US" altLang="zh-CN" sz="1600" u="none" strike="noStrike">
+                          <a:effectLst/>
+                        </a:rPr>
+                        <a:t>,</a:t>
+                      </a:r>
+                      <a:r>
+                        <a:rPr lang="zh-CN" altLang="en-US" sz="1600" u="none" strike="noStrike">
+                          <a:effectLst/>
+                        </a:rPr>
+                        <a:t>包含前台退货利润</a:t>
+                      </a:r>
+                      <a:r>
+                        <a:rPr lang="en-US" altLang="zh-CN" sz="1600" u="none" strike="noStrike">
+                          <a:effectLst/>
+                        </a:rPr>
+                        <a:t>(</a:t>
+                      </a:r>
+                      <a:r>
+                        <a:rPr lang="zh-CN" altLang="en-US" sz="1600" u="none" strike="noStrike">
+                          <a:effectLst/>
+                        </a:rPr>
+                        <a:t>未税</a:t>
+                      </a:r>
+                      <a:r>
+                        <a:rPr lang="en-US" altLang="zh-CN" sz="1600" u="none" strike="noStrike">
+                          <a:effectLst/>
+                        </a:rPr>
+                        <a:t>)</a:t>
+                      </a:r>
+                      <a:endParaRPr lang="en-US" altLang="zh-CN" sz="1600" b="0" i="0" u="none" strike="noStrike">
+                        <a:solidFill>
+                          <a:srgbClr val="000000"/>
+                        </a:solidFill>
+                        <a:effectLst/>
+                        <a:latin typeface="宋体" panose="02010600030101010101" pitchFamily="2" charset="-122"/>
+                        <a:ea typeface="宋体" panose="02010600030101010101" pitchFamily="2" charset="-122"/>
+                      </a:endParaRPr>
+                    </a:p>
+                  </a:txBody>
+                  <a:tcPr marL="9525" marR="9525" marT="9525" marB="0" anchor="ctr"/>
+                </a:tc>
+                <a:tc>
+                  <a:txBody>
+                    <a:bodyPr/>
+                    <a:lstStyle/>
+                    <a:p>
+                      <a:pPr algn="l" fontAlgn="ctr"/>
+                      <a:r>
+                        <a:rPr lang="zh-CN" altLang="en-US" sz="1100" u="none" strike="noStrike">
+                          <a:effectLst/>
+                        </a:rPr>
+                        <a:t>　</a:t>
+                      </a:r>
+                      <a:endParaRPr lang="zh-CN" altLang="en-US" sz="1100" b="0" i="0" u="none" strike="noStrike">
+                        <a:solidFill>
+                          <a:srgbClr val="000000"/>
+                        </a:solidFill>
+                        <a:effectLst/>
+                        <a:latin typeface="宋体" panose="02010600030101010101" pitchFamily="2" charset="-122"/>
+                        <a:ea typeface="宋体" panose="02010600030101010101" pitchFamily="2" charset="-122"/>
+                      </a:endParaRPr>
+                    </a:p>
+                  </a:txBody>
+                  <a:tcPr marL="9525" marR="9525" marT="9525" marB="0" anchor="ctr"/>
+                </a:tc>
+              </a:tr>
+              <a:tr h="259884">
+                <a:tc vMerge="1">
+                  <a:txBody>
+                    <a:bodyPr/>
+                    <a:lstStyle/>
+                    <a:p>
+                      <a:endParaRPr lang="zh-CN" altLang="en-US"/>
+                    </a:p>
+                  </a:txBody>
+                  <a:tcPr/>
+                </a:tc>
+                <a:tc>
+                  <a:txBody>
+                    <a:bodyPr/>
+                    <a:lstStyle/>
+                    <a:p>
+                      <a:pPr algn="l" fontAlgn="ctr"/>
+                      <a:r>
+                        <a:rPr lang="zh-CN" altLang="en-US" sz="1600" u="none" strike="noStrike">
+                          <a:effectLst/>
+                        </a:rPr>
+                        <a:t>上年会员销售利润总额</a:t>
+                      </a:r>
+                      <a:endParaRPr lang="zh-CN" altLang="en-US" sz="1600" b="0" i="0" u="none" strike="noStrike">
+                        <a:solidFill>
+                          <a:srgbClr val="000000"/>
+                        </a:solidFill>
+                        <a:effectLst/>
+                        <a:latin typeface="宋体" panose="02010600030101010101" pitchFamily="2" charset="-122"/>
+                        <a:ea typeface="宋体" panose="02010600030101010101" pitchFamily="2" charset="-122"/>
+                      </a:endParaRPr>
+                    </a:p>
+                  </a:txBody>
+                  <a:tcPr marL="9525" marR="9525" marT="9525" marB="0" anchor="ctr"/>
+                </a:tc>
+                <a:tc>
+                  <a:txBody>
+                    <a:bodyPr/>
+                    <a:lstStyle/>
+                    <a:p>
+                      <a:pPr algn="l" fontAlgn="ctr"/>
+                      <a:r>
+                        <a:rPr lang="zh-CN" altLang="en-US" sz="1600" u="none" strike="noStrike">
+                          <a:effectLst/>
+                        </a:rPr>
+                        <a:t>去年同期会员销售利润总额</a:t>
+                      </a:r>
+                      <a:endParaRPr lang="zh-CN" altLang="en-US" sz="1600" b="0" i="0" u="none" strike="noStrike">
+                        <a:solidFill>
+                          <a:srgbClr val="000000"/>
+                        </a:solidFill>
+                        <a:effectLst/>
+                        <a:latin typeface="宋体" panose="02010600030101010101" pitchFamily="2" charset="-122"/>
+                        <a:ea typeface="宋体" panose="02010600030101010101" pitchFamily="2" charset="-122"/>
+                      </a:endParaRPr>
+                    </a:p>
+                  </a:txBody>
+                  <a:tcPr marL="9525" marR="9525" marT="9525" marB="0" anchor="ctr"/>
+                </a:tc>
+                <a:tc>
+                  <a:txBody>
+                    <a:bodyPr/>
+                    <a:lstStyle/>
+                    <a:p>
+                      <a:pPr algn="l" fontAlgn="ctr"/>
+                      <a:r>
+                        <a:rPr lang="zh-CN" altLang="en-US" sz="1100" u="none" strike="noStrike">
+                          <a:effectLst/>
+                        </a:rPr>
+                        <a:t>　</a:t>
+                      </a:r>
+                      <a:endParaRPr lang="zh-CN" altLang="en-US" sz="1100" b="0" i="0" u="none" strike="noStrike">
+                        <a:solidFill>
+                          <a:srgbClr val="000000"/>
+                        </a:solidFill>
+                        <a:effectLst/>
+                        <a:latin typeface="宋体" panose="02010600030101010101" pitchFamily="2" charset="-122"/>
+                        <a:ea typeface="宋体" panose="02010600030101010101" pitchFamily="2" charset="-122"/>
+                      </a:endParaRPr>
+                    </a:p>
+                  </a:txBody>
+                  <a:tcPr marL="9525" marR="9525" marT="9525" marB="0" anchor="ctr"/>
+                </a:tc>
+              </a:tr>
+              <a:tr h="259884">
+                <a:tc vMerge="1">
+                  <a:txBody>
+                    <a:bodyPr/>
+                    <a:lstStyle/>
+                    <a:p>
+                      <a:endParaRPr lang="zh-CN" altLang="en-US"/>
+                    </a:p>
+                  </a:txBody>
+                  <a:tcPr/>
+                </a:tc>
+                <a:tc>
+                  <a:txBody>
+                    <a:bodyPr/>
+                    <a:lstStyle/>
+                    <a:p>
+                      <a:pPr algn="l" fontAlgn="ctr"/>
+                      <a:r>
+                        <a:rPr lang="zh-CN" altLang="en-US" sz="1600" u="none" strike="noStrike">
+                          <a:effectLst/>
+                        </a:rPr>
+                        <a:t>会员销售总税额</a:t>
+                      </a:r>
+                      <a:endParaRPr lang="zh-CN" altLang="en-US" sz="1600" b="0" i="0" u="none" strike="noStrike">
+                        <a:solidFill>
+                          <a:srgbClr val="000000"/>
+                        </a:solidFill>
+                        <a:effectLst/>
+                        <a:latin typeface="宋体" panose="02010600030101010101" pitchFamily="2" charset="-122"/>
+                        <a:ea typeface="宋体" panose="02010600030101010101" pitchFamily="2" charset="-122"/>
+                      </a:endParaRPr>
+                    </a:p>
+                  </a:txBody>
+                  <a:tcPr marL="9525" marR="9525" marT="9525" marB="0" anchor="ctr"/>
+                </a:tc>
+                <a:tc>
+                  <a:txBody>
+                    <a:bodyPr/>
+                    <a:lstStyle/>
+                    <a:p>
+                      <a:pPr algn="l" fontAlgn="ctr"/>
+                      <a:r>
+                        <a:rPr lang="zh-CN" altLang="en-US" sz="1600" u="none" strike="noStrike">
+                          <a:effectLst/>
+                        </a:rPr>
+                        <a:t>会员销售总额需付的税额</a:t>
+                      </a:r>
+                      <a:r>
+                        <a:rPr lang="en-US" altLang="zh-CN" sz="1600" u="none" strike="noStrike">
+                          <a:effectLst/>
+                        </a:rPr>
+                        <a:t>,</a:t>
+                      </a:r>
+                      <a:r>
+                        <a:rPr lang="zh-CN" altLang="en-US" sz="1600" u="none" strike="noStrike">
+                          <a:effectLst/>
+                        </a:rPr>
+                        <a:t>包含前台退货</a:t>
+                      </a:r>
+                      <a:endParaRPr lang="zh-CN" altLang="en-US" sz="1600" b="0" i="0" u="none" strike="noStrike">
+                        <a:solidFill>
+                          <a:srgbClr val="000000"/>
+                        </a:solidFill>
+                        <a:effectLst/>
+                        <a:latin typeface="宋体" panose="02010600030101010101" pitchFamily="2" charset="-122"/>
+                        <a:ea typeface="宋体" panose="02010600030101010101" pitchFamily="2" charset="-122"/>
+                      </a:endParaRPr>
+                    </a:p>
+                  </a:txBody>
+                  <a:tcPr marL="9525" marR="9525" marT="9525" marB="0" anchor="ctr"/>
+                </a:tc>
+                <a:tc>
+                  <a:txBody>
+                    <a:bodyPr/>
+                    <a:lstStyle/>
+                    <a:p>
+                      <a:pPr algn="l" fontAlgn="ctr"/>
+                      <a:r>
+                        <a:rPr lang="zh-CN" altLang="en-US" sz="1100" u="none" strike="noStrike">
+                          <a:effectLst/>
+                        </a:rPr>
+                        <a:t>　</a:t>
+                      </a:r>
+                      <a:endParaRPr lang="zh-CN" altLang="en-US" sz="1100" b="0" i="0" u="none" strike="noStrike">
+                        <a:solidFill>
+                          <a:srgbClr val="000000"/>
+                        </a:solidFill>
+                        <a:effectLst/>
+                        <a:latin typeface="宋体" panose="02010600030101010101" pitchFamily="2" charset="-122"/>
+                        <a:ea typeface="宋体" panose="02010600030101010101" pitchFamily="2" charset="-122"/>
+                      </a:endParaRPr>
+                    </a:p>
+                  </a:txBody>
+                  <a:tcPr marL="9525" marR="9525" marT="9525" marB="0" anchor="ctr"/>
+                </a:tc>
+              </a:tr>
+              <a:tr h="259884">
+                <a:tc vMerge="1">
+                  <a:txBody>
+                    <a:bodyPr/>
+                    <a:lstStyle/>
+                    <a:p>
+                      <a:endParaRPr lang="zh-CN" altLang="en-US"/>
+                    </a:p>
+                  </a:txBody>
+                  <a:tcPr/>
+                </a:tc>
+                <a:tc>
+                  <a:txBody>
+                    <a:bodyPr/>
+                    <a:lstStyle/>
+                    <a:p>
+                      <a:pPr algn="l" fontAlgn="ctr"/>
+                      <a:r>
+                        <a:rPr lang="zh-CN" altLang="en-US" sz="1600" u="none" strike="noStrike">
+                          <a:effectLst/>
+                        </a:rPr>
+                        <a:t>上年会员销售总税额</a:t>
+                      </a:r>
+                      <a:endParaRPr lang="zh-CN" altLang="en-US" sz="1600" b="0" i="0" u="none" strike="noStrike">
+                        <a:solidFill>
+                          <a:srgbClr val="000000"/>
+                        </a:solidFill>
+                        <a:effectLst/>
+                        <a:latin typeface="宋体" panose="02010600030101010101" pitchFamily="2" charset="-122"/>
+                        <a:ea typeface="宋体" panose="02010600030101010101" pitchFamily="2" charset="-122"/>
+                      </a:endParaRPr>
+                    </a:p>
+                  </a:txBody>
+                  <a:tcPr marL="9525" marR="9525" marT="9525" marB="0" anchor="ctr"/>
+                </a:tc>
+                <a:tc>
+                  <a:txBody>
+                    <a:bodyPr/>
+                    <a:lstStyle/>
+                    <a:p>
+                      <a:pPr algn="l" fontAlgn="ctr"/>
+                      <a:r>
+                        <a:rPr lang="zh-CN" altLang="en-US" sz="1600" u="none" strike="noStrike" dirty="0">
+                          <a:effectLst/>
+                        </a:rPr>
+                        <a:t>去年同期会员销售总税额</a:t>
+                      </a:r>
+                      <a:endParaRPr lang="zh-CN" altLang="en-US" sz="1600" b="0" i="0" u="none" strike="noStrike" dirty="0">
+                        <a:solidFill>
+                          <a:srgbClr val="000000"/>
+                        </a:solidFill>
+                        <a:effectLst/>
+                        <a:latin typeface="宋体" panose="02010600030101010101" pitchFamily="2" charset="-122"/>
+                        <a:ea typeface="宋体" panose="02010600030101010101" pitchFamily="2" charset="-122"/>
+                      </a:endParaRPr>
+                    </a:p>
+                  </a:txBody>
+                  <a:tcPr marL="9525" marR="9525" marT="9525" marB="0" anchor="ctr"/>
+                </a:tc>
+                <a:tc>
+                  <a:txBody>
+                    <a:bodyPr/>
+                    <a:lstStyle/>
+                    <a:p>
+                      <a:pPr algn="l" fontAlgn="ctr"/>
+                      <a:r>
+                        <a:rPr lang="zh-CN" altLang="en-US" sz="1100" u="none" strike="noStrike" dirty="0">
+                          <a:effectLst/>
+                        </a:rPr>
+                        <a:t>　</a:t>
+                      </a:r>
+                      <a:endParaRPr lang="zh-CN" altLang="en-US" sz="1100" b="0" i="0" u="none" strike="noStrike" dirty="0">
+                        <a:solidFill>
+                          <a:srgbClr val="000000"/>
+                        </a:solidFill>
+                        <a:effectLst/>
+                        <a:latin typeface="宋体" panose="02010600030101010101" pitchFamily="2" charset="-122"/>
+                        <a:ea typeface="宋体" panose="02010600030101010101" pitchFamily="2" charset="-122"/>
+                      </a:endParaRPr>
+                    </a:p>
+                  </a:txBody>
+                  <a:tcPr marL="9525" marR="9525" marT="9525" marB="0" anchor="ctr"/>
+                </a:tc>
+              </a:tr>
+            </a:tbl>
           </a:graphicData>
         </a:graphic>
       </p:graphicFrame>
     </p:spTree>
     <p:extLst>
       <p:ext uri="{BB962C8B-B14F-4D97-AF65-F5344CB8AC3E}">
-        <p14:creationId xmlns:p14="http://schemas.microsoft.com/office/powerpoint/2010/main" val="890813067"/>
+        <p14:creationId xmlns:p14="http://schemas.microsoft.com/office/powerpoint/2010/main" val="3753424377"/>
       </p:ext>
     </p:extLst>
   </p:cSld>
   <p:clrMapOvr>
     <a:masterClrMapping/>
   </p:clrMapOvr>
-  <p:timing>
-    <p:tnLst>
-      <p:par>
-        <p:cTn id="1" dur="indefinite" restart="never" nodeType="tmRoot"/>
-      </p:par>
-    </p:tnLst>
-  </p:timing>
 </p:sld>
 </file>
 
@@ -7708,105 +9751,629 @@
           <a:lstStyle/>
           <a:p>
             <a:r>
-              <a:rPr lang="en-US" altLang="zh-CN" dirty="0" smtClean="0"/>
-              <a:t>RA batch</a:t>
-            </a:r>
-            <a:r>
-              <a:rPr lang="zh-CN" altLang="en-US" dirty="0" smtClean="0"/>
-              <a:t>运行时间</a:t>
-            </a:r>
-            <a:r>
-              <a:rPr lang="en-US" altLang="zh-CN" dirty="0" smtClean="0"/>
-              <a:t>1</a:t>
-            </a:r>
-            <a:r>
-              <a:rPr lang="zh-CN" altLang="en-US" dirty="0" smtClean="0"/>
-              <a:t>小时以上的</a:t>
-            </a:r>
-            <a:r>
-              <a:rPr lang="en-US" altLang="zh-CN" dirty="0" smtClean="0"/>
-              <a:t>batch</a:t>
-            </a:r>
-            <a:endParaRPr lang="zh-CN" altLang="en-US" dirty="0"/>
+              <a:rPr lang="en-US" altLang="zh-CN" dirty="0"/>
+              <a:t>RA</a:t>
+            </a:r>
+            <a:r>
+              <a:rPr lang="zh-CN" altLang="en-US" dirty="0"/>
+              <a:t>建设成果</a:t>
+            </a:r>
+            <a:r>
+              <a:rPr lang="en-US" altLang="zh-CN" dirty="0"/>
+              <a:t>-</a:t>
+            </a:r>
+            <a:r>
+              <a:rPr lang="zh-CN" altLang="en-US" dirty="0"/>
+              <a:t>新建维度事实</a:t>
+            </a:r>
           </a:p>
         </p:txBody>
       </p:sp>
-      <p:sp>
-        <p:nvSpPr>
-          <p:cNvPr id="3" name="内容占位符 2"/>
-          <p:cNvSpPr>
-            <a:spLocks noGrp="1"/>
-          </p:cNvSpPr>
+      <p:graphicFrame>
+        <p:nvGraphicFramePr>
+          <p:cNvPr id="4" name="内容占位符 3"/>
+          <p:cNvGraphicFramePr>
+            <a:graphicFrameLocks noGrp="1"/>
+          </p:cNvGraphicFramePr>
           <p:nvPr>
             <p:ph idx="1"/>
+            <p:extLst>
+              <p:ext uri="{D42A27DB-BD31-4B8C-83A1-F6EECF244321}">
+                <p14:modId xmlns:p14="http://schemas.microsoft.com/office/powerpoint/2010/main" val="2894103803"/>
+              </p:ext>
+            </p:extLst>
           </p:nvPr>
-        </p:nvSpPr>
-        <p:spPr/>
-        <p:txBody>
-          <a:bodyPr/>
-          <a:lstStyle/>
-          <a:p>
-            <a:r>
-              <a:rPr lang="en-US" altLang="zh-CN" dirty="0" smtClean="0"/>
-              <a:t>BBG_RA_ITEM_LOC_SUPP_SIL.KSH</a:t>
-            </a:r>
-          </a:p>
-          <a:p>
-            <a:r>
-              <a:rPr lang="en-US" altLang="zh-CN" dirty="0" smtClean="0"/>
-              <a:t>NCSTUIDPLP</a:t>
-            </a:r>
-          </a:p>
-          <a:p>
-            <a:r>
-              <a:rPr lang="en-US" altLang="zh-CN" dirty="0" smtClean="0"/>
-              <a:t>BBG_ETL_MONTH_DATA.KSH</a:t>
-            </a:r>
-          </a:p>
-          <a:p>
-            <a:r>
-              <a:rPr lang="en-US" altLang="zh-CN" dirty="0" smtClean="0"/>
-              <a:t>BBG_INVILDSIL.KSH</a:t>
-            </a:r>
-          </a:p>
-          <a:p>
-            <a:r>
-              <a:rPr lang="en-US" altLang="zh-CN" dirty="0" smtClean="0"/>
-              <a:t>BBG_RA_CUST_IT_SIL.KSH</a:t>
-            </a:r>
-          </a:p>
-          <a:p>
-            <a:r>
-              <a:rPr lang="en-US" altLang="zh-CN" dirty="0" smtClean="0"/>
-              <a:t>BBG_INVILDSDE.KSH</a:t>
-            </a:r>
-          </a:p>
-          <a:p>
-            <a:r>
-              <a:rPr lang="en-US" altLang="zh-CN" dirty="0"/>
-              <a:t>BBG_RA_SUPP_SLSSLDPLP.KSH</a:t>
-            </a:r>
-            <a:endParaRPr lang="zh-CN" altLang="en-US" dirty="0"/>
-          </a:p>
-        </p:txBody>
-      </p:sp>
+        </p:nvGraphicFramePr>
+        <p:xfrm>
+          <a:off x="838200" y="1282700"/>
+          <a:ext cx="10515599" cy="4809007"/>
+        </p:xfrm>
+        <a:graphic>
+          <a:graphicData uri="http://schemas.openxmlformats.org/drawingml/2006/table">
+            <a:tbl>
+              <a:tblPr>
+                <a:tableStyleId>{5C22544A-7EE6-4342-B048-85BDC9FD1C3A}</a:tableStyleId>
+              </a:tblPr>
+              <a:tblGrid>
+                <a:gridCol w="1886024"/>
+                <a:gridCol w="2008140"/>
+                <a:gridCol w="4179102"/>
+                <a:gridCol w="2442333"/>
+              </a:tblGrid>
+              <a:tr h="549432">
+                <a:tc>
+                  <a:txBody>
+                    <a:bodyPr/>
+                    <a:lstStyle/>
+                    <a:p>
+                      <a:pPr algn="l" fontAlgn="ctr"/>
+                      <a:r>
+                        <a:rPr lang="zh-CN" altLang="en-US" sz="1600" u="none" strike="noStrike" dirty="0">
+                          <a:effectLst/>
+                        </a:rPr>
+                        <a:t>位置</a:t>
+                      </a:r>
+                      <a:endParaRPr lang="zh-CN" altLang="en-US" sz="1600" b="0" i="0" u="none" strike="noStrike" dirty="0">
+                        <a:solidFill>
+                          <a:srgbClr val="000000"/>
+                        </a:solidFill>
+                        <a:effectLst/>
+                        <a:latin typeface="宋体" panose="02010600030101010101" pitchFamily="2" charset="-122"/>
+                        <a:ea typeface="宋体" panose="02010600030101010101" pitchFamily="2" charset="-122"/>
+                      </a:endParaRPr>
+                    </a:p>
+                  </a:txBody>
+                  <a:tcPr marL="9525" marR="9525" marT="9525" marB="0" anchor="ctr"/>
+                </a:tc>
+                <a:tc>
+                  <a:txBody>
+                    <a:bodyPr/>
+                    <a:lstStyle/>
+                    <a:p>
+                      <a:pPr algn="l" fontAlgn="ctr"/>
+                      <a:r>
+                        <a:rPr lang="zh-CN" altLang="en-US" sz="1600" u="none" strike="noStrike">
+                          <a:effectLst/>
+                        </a:rPr>
+                        <a:t>名称</a:t>
+                      </a:r>
+                      <a:endParaRPr lang="zh-CN" altLang="en-US" sz="1600" b="0" i="0" u="none" strike="noStrike">
+                        <a:solidFill>
+                          <a:srgbClr val="000000"/>
+                        </a:solidFill>
+                        <a:effectLst/>
+                        <a:latin typeface="宋体" panose="02010600030101010101" pitchFamily="2" charset="-122"/>
+                        <a:ea typeface="宋体" panose="02010600030101010101" pitchFamily="2" charset="-122"/>
+                      </a:endParaRPr>
+                    </a:p>
+                  </a:txBody>
+                  <a:tcPr marL="9525" marR="9525" marT="9525" marB="0" anchor="ctr"/>
+                </a:tc>
+                <a:tc>
+                  <a:txBody>
+                    <a:bodyPr/>
+                    <a:lstStyle/>
+                    <a:p>
+                      <a:pPr algn="l" fontAlgn="ctr"/>
+                      <a:r>
+                        <a:rPr lang="zh-CN" altLang="en-US" sz="1600" u="none" strike="noStrike">
+                          <a:effectLst/>
+                        </a:rPr>
+                        <a:t>定义</a:t>
+                      </a:r>
+                      <a:endParaRPr lang="zh-CN" altLang="en-US" sz="1600" b="0" i="0" u="none" strike="noStrike">
+                        <a:solidFill>
+                          <a:srgbClr val="000000"/>
+                        </a:solidFill>
+                        <a:effectLst/>
+                        <a:latin typeface="宋体" panose="02010600030101010101" pitchFamily="2" charset="-122"/>
+                        <a:ea typeface="宋体" panose="02010600030101010101" pitchFamily="2" charset="-122"/>
+                      </a:endParaRPr>
+                    </a:p>
+                  </a:txBody>
+                  <a:tcPr marL="9525" marR="9525" marT="9525" marB="0" anchor="ctr"/>
+                </a:tc>
+                <a:tc>
+                  <a:txBody>
+                    <a:bodyPr/>
+                    <a:lstStyle/>
+                    <a:p>
+                      <a:pPr algn="l" fontAlgn="ctr"/>
+                      <a:r>
+                        <a:rPr lang="zh-CN" altLang="en-US" sz="1600" u="none" strike="noStrike">
+                          <a:effectLst/>
+                        </a:rPr>
+                        <a:t>说明</a:t>
+                      </a:r>
+                      <a:endParaRPr lang="zh-CN" altLang="en-US" sz="1600" b="0" i="0" u="none" strike="noStrike">
+                        <a:solidFill>
+                          <a:srgbClr val="000000"/>
+                        </a:solidFill>
+                        <a:effectLst/>
+                        <a:latin typeface="宋体" panose="02010600030101010101" pitchFamily="2" charset="-122"/>
+                        <a:ea typeface="宋体" panose="02010600030101010101" pitchFamily="2" charset="-122"/>
+                      </a:endParaRPr>
+                    </a:p>
+                  </a:txBody>
+                  <a:tcPr marL="9525" marR="9525" marT="9525" marB="0" anchor="ctr"/>
+                </a:tc>
+              </a:tr>
+              <a:tr h="1595125">
+                <a:tc>
+                  <a:txBody>
+                    <a:bodyPr/>
+                    <a:lstStyle/>
+                    <a:p>
+                      <a:pPr algn="l" fontAlgn="ctr"/>
+                      <a:r>
+                        <a:rPr lang="zh-CN" altLang="en-US" sz="1600" u="none" strike="noStrike">
+                          <a:effectLst/>
+                        </a:rPr>
+                        <a:t>事实</a:t>
+                      </a:r>
+                      <a:r>
+                        <a:rPr lang="en-US" altLang="zh-CN" sz="1600" u="none" strike="noStrike">
+                          <a:effectLst/>
+                        </a:rPr>
+                        <a:t>--</a:t>
+                      </a:r>
+                      <a:r>
+                        <a:rPr lang="zh-CN" altLang="en-US" sz="1600" u="none" strike="noStrike">
+                          <a:effectLst/>
+                        </a:rPr>
+                        <a:t>销售</a:t>
+                      </a:r>
+                      <a:endParaRPr lang="zh-CN" altLang="en-US" sz="1600" b="0" i="0" u="none" strike="noStrike">
+                        <a:solidFill>
+                          <a:srgbClr val="000000"/>
+                        </a:solidFill>
+                        <a:effectLst/>
+                        <a:latin typeface="宋体" panose="02010600030101010101" pitchFamily="2" charset="-122"/>
+                        <a:ea typeface="宋体" panose="02010600030101010101" pitchFamily="2" charset="-122"/>
+                      </a:endParaRPr>
+                    </a:p>
+                  </a:txBody>
+                  <a:tcPr marL="9525" marR="9525" marT="9525" marB="0" anchor="ctr"/>
+                </a:tc>
+                <a:tc>
+                  <a:txBody>
+                    <a:bodyPr/>
+                    <a:lstStyle/>
+                    <a:p>
+                      <a:pPr algn="l" fontAlgn="ctr"/>
+                      <a:r>
+                        <a:rPr lang="zh-CN" altLang="en-US" sz="1600" u="none" strike="noStrike">
+                          <a:effectLst/>
+                        </a:rPr>
+                        <a:t>销售商品</a:t>
+                      </a:r>
+                      <a:r>
+                        <a:rPr lang="en-US" sz="1600" u="none" strike="noStrike">
+                          <a:effectLst/>
+                        </a:rPr>
+                        <a:t>SKU</a:t>
+                      </a:r>
+                      <a:endParaRPr lang="en-US" sz="1600" b="0" i="0" u="none" strike="noStrike">
+                        <a:solidFill>
+                          <a:srgbClr val="000000"/>
+                        </a:solidFill>
+                        <a:effectLst/>
+                        <a:latin typeface="宋体" panose="02010600030101010101" pitchFamily="2" charset="-122"/>
+                        <a:ea typeface="宋体" panose="02010600030101010101" pitchFamily="2" charset="-122"/>
+                      </a:endParaRPr>
+                    </a:p>
+                  </a:txBody>
+                  <a:tcPr marL="9525" marR="9525" marT="9525" marB="0" anchor="ctr"/>
+                </a:tc>
+                <a:tc>
+                  <a:txBody>
+                    <a:bodyPr/>
+                    <a:lstStyle/>
+                    <a:p>
+                      <a:pPr algn="l" fontAlgn="ctr"/>
+                      <a:r>
+                        <a:rPr lang="zh-CN" altLang="en-US" sz="1600" u="none" strike="noStrike" dirty="0">
+                          <a:effectLst/>
+                        </a:rPr>
+                        <a:t>售出商品则被计算</a:t>
+                      </a:r>
+                      <a:r>
+                        <a:rPr lang="en-US" altLang="zh-CN" sz="1600" u="none" strike="noStrike" dirty="0">
+                          <a:effectLst/>
+                        </a:rPr>
+                        <a:t>SKU,</a:t>
+                      </a:r>
+                      <a:r>
+                        <a:rPr lang="zh-CN" altLang="en-US" sz="1600" u="none" strike="noStrike" dirty="0">
+                          <a:effectLst/>
+                        </a:rPr>
+                        <a:t>商品不重复计算</a:t>
+                      </a:r>
+                      <a:r>
+                        <a:rPr lang="en-US" altLang="zh-CN" sz="1600" u="none" strike="noStrike" dirty="0">
+                          <a:effectLst/>
+                        </a:rPr>
+                        <a:t>SKU</a:t>
+                      </a:r>
+                      <a:endParaRPr lang="en-US" altLang="zh-CN" sz="1600" b="0" i="0" u="none" strike="noStrike" dirty="0">
+                        <a:solidFill>
+                          <a:srgbClr val="000000"/>
+                        </a:solidFill>
+                        <a:effectLst/>
+                        <a:latin typeface="宋体" panose="02010600030101010101" pitchFamily="2" charset="-122"/>
+                        <a:ea typeface="宋体" panose="02010600030101010101" pitchFamily="2" charset="-122"/>
+                      </a:endParaRPr>
+                    </a:p>
+                  </a:txBody>
+                  <a:tcPr marL="9525" marR="9525" marT="9525" marB="0" anchor="ctr"/>
+                </a:tc>
+                <a:tc>
+                  <a:txBody>
+                    <a:bodyPr/>
+                    <a:lstStyle/>
+                    <a:p>
+                      <a:pPr algn="l" fontAlgn="ctr"/>
+                      <a:r>
+                        <a:rPr lang="zh-CN" altLang="en-US" sz="1600" u="none" strike="noStrike">
+                          <a:effectLst/>
+                        </a:rPr>
+                        <a:t>只要前台销售或者前台退货了某商品</a:t>
+                      </a:r>
+                      <a:r>
+                        <a:rPr lang="en-US" altLang="zh-CN" sz="1600" u="none" strike="noStrike">
+                          <a:effectLst/>
+                        </a:rPr>
+                        <a:t>,</a:t>
+                      </a:r>
+                      <a:r>
+                        <a:rPr lang="zh-CN" altLang="en-US" sz="1600" u="none" strike="noStrike">
+                          <a:effectLst/>
+                        </a:rPr>
+                        <a:t>就会被统计</a:t>
+                      </a:r>
+                      <a:r>
+                        <a:rPr lang="en-US" altLang="zh-CN" sz="1600" u="none" strike="noStrike">
+                          <a:effectLst/>
+                        </a:rPr>
+                        <a:t>SKU</a:t>
+                      </a:r>
+                      <a:endParaRPr lang="en-US" altLang="zh-CN" sz="1600" b="0" i="0" u="none" strike="noStrike">
+                        <a:solidFill>
+                          <a:srgbClr val="000000"/>
+                        </a:solidFill>
+                        <a:effectLst/>
+                        <a:latin typeface="宋体" panose="02010600030101010101" pitchFamily="2" charset="-122"/>
+                        <a:ea typeface="宋体" panose="02010600030101010101" pitchFamily="2" charset="-122"/>
+                      </a:endParaRPr>
+                    </a:p>
+                  </a:txBody>
+                  <a:tcPr marL="9525" marR="9525" marT="9525" marB="0" anchor="ctr"/>
+                </a:tc>
+              </a:tr>
+              <a:tr h="1069325">
+                <a:tc>
+                  <a:txBody>
+                    <a:bodyPr/>
+                    <a:lstStyle/>
+                    <a:p>
+                      <a:pPr algn="l" fontAlgn="ctr"/>
+                      <a:r>
+                        <a:rPr lang="zh-CN" altLang="en-US" sz="1600" u="none" strike="noStrike">
+                          <a:effectLst/>
+                        </a:rPr>
+                        <a:t>事实</a:t>
+                      </a:r>
+                      <a:r>
+                        <a:rPr lang="en-US" altLang="zh-CN" sz="1600" u="none" strike="noStrike">
+                          <a:effectLst/>
+                        </a:rPr>
+                        <a:t>--</a:t>
+                      </a:r>
+                      <a:r>
+                        <a:rPr lang="zh-CN" altLang="en-US" sz="1600" u="none" strike="noStrike">
+                          <a:effectLst/>
+                        </a:rPr>
+                        <a:t>供应商销售</a:t>
+                      </a:r>
+                      <a:endParaRPr lang="zh-CN" altLang="en-US" sz="1600" b="0" i="0" u="none" strike="noStrike">
+                        <a:solidFill>
+                          <a:srgbClr val="000000"/>
+                        </a:solidFill>
+                        <a:effectLst/>
+                        <a:latin typeface="宋体" panose="02010600030101010101" pitchFamily="2" charset="-122"/>
+                        <a:ea typeface="宋体" panose="02010600030101010101" pitchFamily="2" charset="-122"/>
+                      </a:endParaRPr>
+                    </a:p>
+                  </a:txBody>
+                  <a:tcPr marL="9525" marR="9525" marT="9525" marB="0" anchor="ctr"/>
+                </a:tc>
+                <a:tc>
+                  <a:txBody>
+                    <a:bodyPr/>
+                    <a:lstStyle/>
+                    <a:p>
+                      <a:pPr algn="l" fontAlgn="ctr"/>
+                      <a:r>
+                        <a:rPr lang="zh-CN" altLang="en-US" sz="1600" u="none" strike="noStrike">
+                          <a:effectLst/>
+                        </a:rPr>
+                        <a:t>供应商销售商品</a:t>
+                      </a:r>
+                      <a:r>
+                        <a:rPr lang="en-US" altLang="zh-CN" sz="1600" u="none" strike="noStrike">
+                          <a:effectLst/>
+                        </a:rPr>
+                        <a:t>SKU</a:t>
+                      </a:r>
+                      <a:endParaRPr lang="en-US" altLang="zh-CN" sz="1600" b="0" i="0" u="none" strike="noStrike">
+                        <a:solidFill>
+                          <a:srgbClr val="000000"/>
+                        </a:solidFill>
+                        <a:effectLst/>
+                        <a:latin typeface="宋体" panose="02010600030101010101" pitchFamily="2" charset="-122"/>
+                        <a:ea typeface="宋体" panose="02010600030101010101" pitchFamily="2" charset="-122"/>
+                      </a:endParaRPr>
+                    </a:p>
+                  </a:txBody>
+                  <a:tcPr marL="9525" marR="9525" marT="9525" marB="0" anchor="ctr"/>
+                </a:tc>
+                <a:tc>
+                  <a:txBody>
+                    <a:bodyPr/>
+                    <a:lstStyle/>
+                    <a:p>
+                      <a:pPr algn="l" fontAlgn="ctr"/>
+                      <a:r>
+                        <a:rPr lang="zh-CN" altLang="en-US" sz="1600" u="none" strike="noStrike">
+                          <a:effectLst/>
+                        </a:rPr>
+                        <a:t>供应商销售统计的商品</a:t>
+                      </a:r>
+                      <a:r>
+                        <a:rPr lang="en-US" altLang="zh-CN" sz="1600" u="none" strike="noStrike">
+                          <a:effectLst/>
+                        </a:rPr>
+                        <a:t>SKU,</a:t>
+                      </a:r>
+                      <a:r>
+                        <a:rPr lang="zh-CN" altLang="en-US" sz="1600" u="none" strike="noStrike">
+                          <a:effectLst/>
+                        </a:rPr>
+                        <a:t>当天销售数量不等于</a:t>
+                      </a:r>
+                      <a:r>
+                        <a:rPr lang="en-US" altLang="zh-CN" sz="1600" u="none" strike="noStrike">
+                          <a:effectLst/>
+                        </a:rPr>
+                        <a:t>0</a:t>
+                      </a:r>
+                      <a:r>
+                        <a:rPr lang="zh-CN" altLang="en-US" sz="1600" u="none" strike="noStrike">
+                          <a:effectLst/>
+                        </a:rPr>
+                        <a:t>则被统计</a:t>
+                      </a:r>
+                      <a:r>
+                        <a:rPr lang="en-US" altLang="zh-CN" sz="1600" u="none" strike="noStrike">
+                          <a:effectLst/>
+                        </a:rPr>
+                        <a:t>SKU,</a:t>
+                      </a:r>
+                      <a:r>
+                        <a:rPr lang="zh-CN" altLang="en-US" sz="1600" u="none" strike="noStrike">
+                          <a:effectLst/>
+                        </a:rPr>
+                        <a:t>商品不重复计算</a:t>
+                      </a:r>
+                      <a:r>
+                        <a:rPr lang="en-US" altLang="zh-CN" sz="1600" u="none" strike="noStrike">
+                          <a:effectLst/>
+                        </a:rPr>
+                        <a:t>SKU</a:t>
+                      </a:r>
+                      <a:endParaRPr lang="en-US" altLang="zh-CN" sz="1600" b="0" i="0" u="none" strike="noStrike">
+                        <a:solidFill>
+                          <a:srgbClr val="000000"/>
+                        </a:solidFill>
+                        <a:effectLst/>
+                        <a:latin typeface="宋体" panose="02010600030101010101" pitchFamily="2" charset="-122"/>
+                        <a:ea typeface="宋体" panose="02010600030101010101" pitchFamily="2" charset="-122"/>
+                      </a:endParaRPr>
+                    </a:p>
+                  </a:txBody>
+                  <a:tcPr marL="9525" marR="9525" marT="9525" marB="0" anchor="ctr"/>
+                </a:tc>
+                <a:tc>
+                  <a:txBody>
+                    <a:bodyPr/>
+                    <a:lstStyle/>
+                    <a:p>
+                      <a:pPr algn="l" fontAlgn="ctr"/>
+                      <a:r>
+                        <a:rPr lang="zh-CN" altLang="en-US" sz="1600" u="none" strike="noStrike">
+                          <a:effectLst/>
+                        </a:rPr>
+                        <a:t>　</a:t>
+                      </a:r>
+                      <a:endParaRPr lang="zh-CN" altLang="en-US" sz="1600" b="0" i="0" u="none" strike="noStrike">
+                        <a:solidFill>
+                          <a:srgbClr val="000000"/>
+                        </a:solidFill>
+                        <a:effectLst/>
+                        <a:latin typeface="宋体" panose="02010600030101010101" pitchFamily="2" charset="-122"/>
+                        <a:ea typeface="宋体" panose="02010600030101010101" pitchFamily="2" charset="-122"/>
+                      </a:endParaRPr>
+                    </a:p>
+                  </a:txBody>
+                  <a:tcPr marL="9525" marR="9525" marT="9525" marB="0" anchor="ctr"/>
+                </a:tc>
+              </a:tr>
+              <a:tr h="1595125">
+                <a:tc>
+                  <a:txBody>
+                    <a:bodyPr/>
+                    <a:lstStyle/>
+                    <a:p>
+                      <a:pPr algn="l" fontAlgn="ctr"/>
+                      <a:r>
+                        <a:rPr lang="zh-CN" altLang="en-US" sz="1600" u="none" strike="noStrike">
+                          <a:effectLst/>
+                        </a:rPr>
+                        <a:t>事实</a:t>
+                      </a:r>
+                      <a:r>
+                        <a:rPr lang="en-US" altLang="zh-CN" sz="1600" u="none" strike="noStrike">
+                          <a:effectLst/>
+                        </a:rPr>
+                        <a:t>--</a:t>
+                      </a:r>
+                      <a:r>
+                        <a:rPr lang="zh-CN" altLang="en-US" sz="1600" u="none" strike="noStrike">
+                          <a:effectLst/>
+                        </a:rPr>
+                        <a:t>会员销售</a:t>
+                      </a:r>
+                      <a:endParaRPr lang="zh-CN" altLang="en-US" sz="1600" b="0" i="0" u="none" strike="noStrike">
+                        <a:solidFill>
+                          <a:srgbClr val="000000"/>
+                        </a:solidFill>
+                        <a:effectLst/>
+                        <a:latin typeface="宋体" panose="02010600030101010101" pitchFamily="2" charset="-122"/>
+                        <a:ea typeface="宋体" panose="02010600030101010101" pitchFamily="2" charset="-122"/>
+                      </a:endParaRPr>
+                    </a:p>
+                  </a:txBody>
+                  <a:tcPr marL="9525" marR="9525" marT="9525" marB="0" anchor="ctr"/>
+                </a:tc>
+                <a:tc>
+                  <a:txBody>
+                    <a:bodyPr/>
+                    <a:lstStyle/>
+                    <a:p>
+                      <a:pPr algn="l" fontAlgn="ctr"/>
+                      <a:r>
+                        <a:rPr lang="zh-CN" altLang="en-US" sz="1600" u="none" strike="noStrike">
+                          <a:effectLst/>
+                        </a:rPr>
+                        <a:t>会员销售商品</a:t>
+                      </a:r>
+                      <a:r>
+                        <a:rPr lang="en-US" altLang="zh-CN" sz="1600" u="none" strike="noStrike">
+                          <a:effectLst/>
+                        </a:rPr>
+                        <a:t>SKU</a:t>
+                      </a:r>
+                      <a:endParaRPr lang="en-US" altLang="zh-CN" sz="1600" b="0" i="0" u="none" strike="noStrike">
+                        <a:solidFill>
+                          <a:srgbClr val="000000"/>
+                        </a:solidFill>
+                        <a:effectLst/>
+                        <a:latin typeface="宋体" panose="02010600030101010101" pitchFamily="2" charset="-122"/>
+                        <a:ea typeface="宋体" panose="02010600030101010101" pitchFamily="2" charset="-122"/>
+                      </a:endParaRPr>
+                    </a:p>
+                  </a:txBody>
+                  <a:tcPr marL="9525" marR="9525" marT="9525" marB="0" anchor="ctr"/>
+                </a:tc>
+                <a:tc>
+                  <a:txBody>
+                    <a:bodyPr/>
+                    <a:lstStyle/>
+                    <a:p>
+                      <a:pPr algn="l" fontAlgn="ctr"/>
+                      <a:r>
+                        <a:rPr lang="zh-CN" altLang="en-US" sz="1600" u="none" strike="noStrike">
+                          <a:effectLst/>
+                        </a:rPr>
+                        <a:t>前台刷会员卡售出商品则被计算</a:t>
+                      </a:r>
+                      <a:r>
+                        <a:rPr lang="en-US" altLang="zh-CN" sz="1600" u="none" strike="noStrike">
+                          <a:effectLst/>
+                        </a:rPr>
+                        <a:t>SKU,</a:t>
+                      </a:r>
+                      <a:r>
+                        <a:rPr lang="zh-CN" altLang="en-US" sz="1600" u="none" strike="noStrike">
+                          <a:effectLst/>
+                        </a:rPr>
+                        <a:t>商品不重复计算</a:t>
+                      </a:r>
+                      <a:r>
+                        <a:rPr lang="en-US" altLang="zh-CN" sz="1600" u="none" strike="noStrike">
+                          <a:effectLst/>
+                        </a:rPr>
+                        <a:t>SKU</a:t>
+                      </a:r>
+                      <a:endParaRPr lang="en-US" altLang="zh-CN" sz="1600" b="0" i="0" u="none" strike="noStrike">
+                        <a:solidFill>
+                          <a:srgbClr val="000000"/>
+                        </a:solidFill>
+                        <a:effectLst/>
+                        <a:latin typeface="宋体" panose="02010600030101010101" pitchFamily="2" charset="-122"/>
+                        <a:ea typeface="宋体" panose="02010600030101010101" pitchFamily="2" charset="-122"/>
+                      </a:endParaRPr>
+                    </a:p>
+                  </a:txBody>
+                  <a:tcPr marL="9525" marR="9525" marT="9525" marB="0" anchor="ctr"/>
+                </a:tc>
+                <a:tc>
+                  <a:txBody>
+                    <a:bodyPr/>
+                    <a:lstStyle/>
+                    <a:p>
+                      <a:pPr algn="l" fontAlgn="ctr"/>
+                      <a:r>
+                        <a:rPr lang="zh-CN" altLang="en-US" sz="1600" u="none" strike="noStrike" dirty="0">
+                          <a:effectLst/>
+                        </a:rPr>
+                        <a:t>只要前台销售或者前台退货了某商品</a:t>
+                      </a:r>
+                      <a:r>
+                        <a:rPr lang="en-US" altLang="zh-CN" sz="1600" u="none" strike="noStrike" dirty="0">
+                          <a:effectLst/>
+                        </a:rPr>
+                        <a:t>,</a:t>
+                      </a:r>
+                      <a:r>
+                        <a:rPr lang="zh-CN" altLang="en-US" sz="1600" u="none" strike="noStrike" dirty="0">
+                          <a:effectLst/>
+                        </a:rPr>
+                        <a:t>就会被统计</a:t>
+                      </a:r>
+                      <a:r>
+                        <a:rPr lang="en-US" altLang="zh-CN" sz="1600" u="none" strike="noStrike" dirty="0">
+                          <a:effectLst/>
+                        </a:rPr>
+                        <a:t>SKU</a:t>
+                      </a:r>
+                      <a:endParaRPr lang="en-US" altLang="zh-CN" sz="1600" b="0" i="0" u="none" strike="noStrike" dirty="0">
+                        <a:solidFill>
+                          <a:srgbClr val="000000"/>
+                        </a:solidFill>
+                        <a:effectLst/>
+                        <a:latin typeface="宋体" panose="02010600030101010101" pitchFamily="2" charset="-122"/>
+                        <a:ea typeface="宋体" panose="02010600030101010101" pitchFamily="2" charset="-122"/>
+                      </a:endParaRPr>
+                    </a:p>
+                  </a:txBody>
+                  <a:tcPr marL="9525" marR="9525" marT="9525" marB="0" anchor="ctr"/>
+                </a:tc>
+              </a:tr>
+            </a:tbl>
+          </a:graphicData>
+        </a:graphic>
+      </p:graphicFrame>
     </p:spTree>
     <p:extLst>
       <p:ext uri="{BB962C8B-B14F-4D97-AF65-F5344CB8AC3E}">
-        <p14:creationId xmlns:p14="http://schemas.microsoft.com/office/powerpoint/2010/main" val="876449990"/>
+        <p14:creationId xmlns:p14="http://schemas.microsoft.com/office/powerpoint/2010/main" val="1125405515"/>
       </p:ext>
     </p:extLst>
   </p:cSld>
   <p:clrMapOvr>
     <a:masterClrMapping/>
   </p:clrMapOvr>
-  <p:timing>
-    <p:tnLst>
-      <p:par>
-        <p:cTn id="1" dur="indefinite" restart="never" nodeType="tmRoot"/>
-      </p:par>
-    </p:tnLst>
-  </p:timing>
 </p:sld>
 </file>
 
@@ -7843,14 +10410,2749 @@
           <a:lstStyle/>
           <a:p>
             <a:r>
+              <a:rPr lang="en-US" altLang="zh-CN" dirty="0"/>
+              <a:t>RA</a:t>
+            </a:r>
+            <a:r>
+              <a:rPr lang="zh-CN" altLang="en-US" dirty="0"/>
+              <a:t>建设成果</a:t>
+            </a:r>
+            <a:r>
+              <a:rPr lang="en-US" altLang="zh-CN" dirty="0"/>
+              <a:t>-</a:t>
+            </a:r>
+            <a:r>
+              <a:rPr lang="zh-CN" altLang="en-US" dirty="0"/>
+              <a:t>新建维度事实</a:t>
+            </a:r>
+          </a:p>
+        </p:txBody>
+      </p:sp>
+      <p:graphicFrame>
+        <p:nvGraphicFramePr>
+          <p:cNvPr id="4" name="内容占位符 3"/>
+          <p:cNvGraphicFramePr>
+            <a:graphicFrameLocks noGrp="1"/>
+          </p:cNvGraphicFramePr>
+          <p:nvPr>
+            <p:ph idx="1"/>
+            <p:extLst>
+              <p:ext uri="{D42A27DB-BD31-4B8C-83A1-F6EECF244321}">
+                <p14:modId xmlns:p14="http://schemas.microsoft.com/office/powerpoint/2010/main" val="3147061608"/>
+              </p:ext>
+            </p:extLst>
+          </p:nvPr>
+        </p:nvGraphicFramePr>
+        <p:xfrm>
+          <a:off x="838199" y="1282702"/>
+          <a:ext cx="10515602" cy="4924917"/>
+        </p:xfrm>
+        <a:graphic>
+          <a:graphicData uri="http://schemas.openxmlformats.org/drawingml/2006/table">
+            <a:tbl>
+              <a:tblPr>
+                <a:tableStyleId>{5C22544A-7EE6-4342-B048-85BDC9FD1C3A}</a:tableStyleId>
+              </a:tblPr>
+              <a:tblGrid>
+                <a:gridCol w="1115077"/>
+                <a:gridCol w="1637329"/>
+                <a:gridCol w="3881598"/>
+                <a:gridCol w="3881598"/>
+              </a:tblGrid>
+              <a:tr h="560609">
+                <a:tc>
+                  <a:txBody>
+                    <a:bodyPr/>
+                    <a:lstStyle/>
+                    <a:p>
+                      <a:pPr algn="l" fontAlgn="ctr"/>
+                      <a:r>
+                        <a:rPr lang="zh-CN" altLang="en-US" sz="1600" u="none" strike="noStrike" dirty="0">
+                          <a:effectLst/>
+                        </a:rPr>
+                        <a:t>位置</a:t>
+                      </a:r>
+                      <a:endParaRPr lang="zh-CN" altLang="en-US" sz="1600" b="0" i="0" u="none" strike="noStrike" dirty="0">
+                        <a:solidFill>
+                          <a:srgbClr val="000000"/>
+                        </a:solidFill>
+                        <a:effectLst/>
+                        <a:latin typeface="宋体" panose="02010600030101010101" pitchFamily="2" charset="-122"/>
+                        <a:ea typeface="宋体" panose="02010600030101010101" pitchFamily="2" charset="-122"/>
+                      </a:endParaRPr>
+                    </a:p>
+                  </a:txBody>
+                  <a:tcPr marL="9525" marR="9525" marT="9525" marB="0" anchor="ctr"/>
+                </a:tc>
+                <a:tc>
+                  <a:txBody>
+                    <a:bodyPr/>
+                    <a:lstStyle/>
+                    <a:p>
+                      <a:pPr algn="l" fontAlgn="ctr"/>
+                      <a:r>
+                        <a:rPr lang="zh-CN" altLang="en-US" sz="1600" u="none" strike="noStrike">
+                          <a:effectLst/>
+                        </a:rPr>
+                        <a:t>名称</a:t>
+                      </a:r>
+                      <a:endParaRPr lang="zh-CN" altLang="en-US" sz="1600" b="0" i="0" u="none" strike="noStrike">
+                        <a:solidFill>
+                          <a:srgbClr val="000000"/>
+                        </a:solidFill>
+                        <a:effectLst/>
+                        <a:latin typeface="宋体" panose="02010600030101010101" pitchFamily="2" charset="-122"/>
+                        <a:ea typeface="宋体" panose="02010600030101010101" pitchFamily="2" charset="-122"/>
+                      </a:endParaRPr>
+                    </a:p>
+                  </a:txBody>
+                  <a:tcPr marL="9525" marR="9525" marT="9525" marB="0" anchor="ctr"/>
+                </a:tc>
+                <a:tc>
+                  <a:txBody>
+                    <a:bodyPr/>
+                    <a:lstStyle/>
+                    <a:p>
+                      <a:pPr algn="l" fontAlgn="ctr"/>
+                      <a:r>
+                        <a:rPr lang="zh-CN" altLang="en-US" sz="1600" u="none" strike="noStrike">
+                          <a:effectLst/>
+                        </a:rPr>
+                        <a:t>定义</a:t>
+                      </a:r>
+                      <a:endParaRPr lang="zh-CN" altLang="en-US" sz="1600" b="0" i="0" u="none" strike="noStrike">
+                        <a:solidFill>
+                          <a:srgbClr val="000000"/>
+                        </a:solidFill>
+                        <a:effectLst/>
+                        <a:latin typeface="宋体" panose="02010600030101010101" pitchFamily="2" charset="-122"/>
+                        <a:ea typeface="宋体" panose="02010600030101010101" pitchFamily="2" charset="-122"/>
+                      </a:endParaRPr>
+                    </a:p>
+                  </a:txBody>
+                  <a:tcPr marL="9525" marR="9525" marT="9525" marB="0" anchor="ctr"/>
+                </a:tc>
+                <a:tc>
+                  <a:txBody>
+                    <a:bodyPr/>
+                    <a:lstStyle/>
+                    <a:p>
+                      <a:pPr algn="l" fontAlgn="ctr"/>
+                      <a:r>
+                        <a:rPr lang="zh-CN" altLang="en-US" sz="1600" u="none" strike="noStrike">
+                          <a:effectLst/>
+                        </a:rPr>
+                        <a:t>说明</a:t>
+                      </a:r>
+                      <a:endParaRPr lang="zh-CN" altLang="en-US" sz="1600" b="0" i="0" u="none" strike="noStrike">
+                        <a:solidFill>
+                          <a:srgbClr val="000000"/>
+                        </a:solidFill>
+                        <a:effectLst/>
+                        <a:latin typeface="宋体" panose="02010600030101010101" pitchFamily="2" charset="-122"/>
+                        <a:ea typeface="宋体" panose="02010600030101010101" pitchFamily="2" charset="-122"/>
+                      </a:endParaRPr>
+                    </a:p>
+                  </a:txBody>
+                  <a:tcPr marL="9525" marR="9525" marT="9525" marB="0" anchor="ctr"/>
+                </a:tc>
+              </a:tr>
+              <a:tr h="1091077">
+                <a:tc rowSpan="4">
+                  <a:txBody>
+                    <a:bodyPr/>
+                    <a:lstStyle/>
+                    <a:p>
+                      <a:pPr algn="ctr" fontAlgn="ctr"/>
+                      <a:r>
+                        <a:rPr lang="zh-CN" altLang="en-US" sz="1600" u="none" strike="noStrike" dirty="0">
+                          <a:effectLst/>
+                        </a:rPr>
+                        <a:t>事实</a:t>
+                      </a:r>
+                      <a:r>
+                        <a:rPr lang="en-US" altLang="zh-CN" sz="1600" u="none" strike="noStrike" dirty="0">
+                          <a:effectLst/>
+                        </a:rPr>
+                        <a:t>--</a:t>
+                      </a:r>
+                      <a:r>
+                        <a:rPr lang="zh-CN" altLang="en-US" sz="1600" u="none" strike="noStrike" dirty="0">
+                          <a:effectLst/>
+                        </a:rPr>
+                        <a:t>来客数</a:t>
+                      </a:r>
+                      <a:endParaRPr lang="zh-CN" altLang="en-US" sz="1600" b="0" i="0" u="none" strike="noStrike" dirty="0">
+                        <a:solidFill>
+                          <a:srgbClr val="000000"/>
+                        </a:solidFill>
+                        <a:effectLst/>
+                        <a:latin typeface="宋体" panose="02010600030101010101" pitchFamily="2" charset="-122"/>
+                        <a:ea typeface="宋体" panose="02010600030101010101" pitchFamily="2" charset="-122"/>
+                      </a:endParaRPr>
+                    </a:p>
+                  </a:txBody>
+                  <a:tcPr marL="9525" marR="9525" marT="9525" marB="0" anchor="ctr"/>
+                </a:tc>
+                <a:tc>
+                  <a:txBody>
+                    <a:bodyPr/>
+                    <a:lstStyle/>
+                    <a:p>
+                      <a:pPr algn="l" fontAlgn="ctr"/>
+                      <a:r>
+                        <a:rPr lang="zh-CN" altLang="en-US" sz="1600" u="none" strike="noStrike">
+                          <a:effectLst/>
+                        </a:rPr>
+                        <a:t>会员来客数</a:t>
+                      </a:r>
+                      <a:endParaRPr lang="zh-CN" altLang="en-US" sz="1600" b="0" i="0" u="none" strike="noStrike">
+                        <a:solidFill>
+                          <a:srgbClr val="000000"/>
+                        </a:solidFill>
+                        <a:effectLst/>
+                        <a:latin typeface="宋体" panose="02010600030101010101" pitchFamily="2" charset="-122"/>
+                        <a:ea typeface="宋体" panose="02010600030101010101" pitchFamily="2" charset="-122"/>
+                      </a:endParaRPr>
+                    </a:p>
+                  </a:txBody>
+                  <a:tcPr marL="9525" marR="9525" marT="9525" marB="0" anchor="ctr"/>
+                </a:tc>
+                <a:tc>
+                  <a:txBody>
+                    <a:bodyPr/>
+                    <a:lstStyle/>
+                    <a:p>
+                      <a:pPr algn="l" fontAlgn="ctr"/>
+                      <a:r>
+                        <a:rPr lang="zh-CN" altLang="en-US" sz="1600" u="none" strike="noStrike">
+                          <a:effectLst/>
+                        </a:rPr>
+                        <a:t>前台</a:t>
+                      </a:r>
+                      <a:r>
+                        <a:rPr lang="en-US" altLang="zh-CN" sz="1600" u="none" strike="noStrike">
+                          <a:effectLst/>
+                        </a:rPr>
+                        <a:t>POS</a:t>
+                      </a:r>
+                      <a:r>
+                        <a:rPr lang="zh-CN" altLang="en-US" sz="1600" u="none" strike="noStrike">
+                          <a:effectLst/>
+                        </a:rPr>
+                        <a:t>机输入会员卡号的交易小票合计数。</a:t>
+                      </a:r>
+                      <a:endParaRPr lang="zh-CN" altLang="en-US" sz="1600" b="0" i="0" u="none" strike="noStrike">
+                        <a:solidFill>
+                          <a:srgbClr val="000000"/>
+                        </a:solidFill>
+                        <a:effectLst/>
+                        <a:latin typeface="宋体" panose="02010600030101010101" pitchFamily="2" charset="-122"/>
+                        <a:ea typeface="宋体" panose="02010600030101010101" pitchFamily="2" charset="-122"/>
+                      </a:endParaRPr>
+                    </a:p>
+                  </a:txBody>
+                  <a:tcPr marL="9525" marR="9525" marT="9525" marB="0" anchor="ctr"/>
+                </a:tc>
+                <a:tc>
+                  <a:txBody>
+                    <a:bodyPr/>
+                    <a:lstStyle/>
+                    <a:p>
+                      <a:pPr algn="l" fontAlgn="ctr"/>
+                      <a:r>
+                        <a:rPr lang="zh-CN" altLang="en-US" sz="1600" u="none" strike="noStrike">
+                          <a:effectLst/>
+                        </a:rPr>
+                        <a:t>可和维度（小类</a:t>
+                      </a:r>
+                      <a:r>
+                        <a:rPr lang="en-US" altLang="zh-CN" sz="1600" u="none" strike="noStrike">
+                          <a:effectLst/>
+                        </a:rPr>
+                        <a:t>/</a:t>
+                      </a:r>
+                      <a:r>
+                        <a:rPr lang="zh-CN" altLang="en-US" sz="1600" u="none" strike="noStrike">
+                          <a:effectLst/>
+                        </a:rPr>
+                        <a:t>中类</a:t>
+                      </a:r>
+                      <a:r>
+                        <a:rPr lang="en-US" altLang="zh-CN" sz="1600" u="none" strike="noStrike">
+                          <a:effectLst/>
+                        </a:rPr>
+                        <a:t>/</a:t>
+                      </a:r>
+                      <a:r>
+                        <a:rPr lang="zh-CN" altLang="en-US" sz="1600" u="none" strike="noStrike">
+                          <a:effectLst/>
+                        </a:rPr>
+                        <a:t>大类</a:t>
+                      </a:r>
+                      <a:r>
+                        <a:rPr lang="en-US" altLang="zh-CN" sz="1600" u="none" strike="noStrike">
+                          <a:effectLst/>
+                        </a:rPr>
+                        <a:t>/</a:t>
+                      </a:r>
+                      <a:r>
+                        <a:rPr lang="zh-CN" altLang="en-US" sz="1600" u="none" strike="noStrike">
+                          <a:effectLst/>
+                        </a:rPr>
+                        <a:t>时段</a:t>
+                      </a:r>
+                      <a:r>
+                        <a:rPr lang="en-US" altLang="zh-CN" sz="1600" u="none" strike="noStrike">
+                          <a:effectLst/>
+                        </a:rPr>
+                        <a:t>/</a:t>
+                      </a:r>
+                      <a:r>
+                        <a:rPr lang="zh-CN" altLang="en-US" sz="1600" u="none" strike="noStrike">
+                          <a:effectLst/>
+                        </a:rPr>
+                        <a:t>天</a:t>
+                      </a:r>
+                      <a:r>
+                        <a:rPr lang="en-US" altLang="zh-CN" sz="1600" u="none" strike="noStrike">
+                          <a:effectLst/>
+                        </a:rPr>
+                        <a:t>/</a:t>
+                      </a:r>
+                      <a:r>
+                        <a:rPr lang="zh-CN" altLang="en-US" sz="1600" u="none" strike="noStrike">
+                          <a:effectLst/>
+                        </a:rPr>
+                        <a:t>月</a:t>
+                      </a:r>
+                      <a:r>
+                        <a:rPr lang="en-US" altLang="zh-CN" sz="1600" u="none" strike="noStrike">
+                          <a:effectLst/>
+                        </a:rPr>
+                        <a:t>/</a:t>
+                      </a:r>
+                      <a:r>
+                        <a:rPr lang="zh-CN" altLang="en-US" sz="1600" u="none" strike="noStrike">
+                          <a:effectLst/>
+                        </a:rPr>
+                        <a:t>门店</a:t>
+                      </a:r>
+                      <a:r>
+                        <a:rPr lang="en-US" altLang="zh-CN" sz="1600" u="none" strike="noStrike">
+                          <a:effectLst/>
+                        </a:rPr>
+                        <a:t>/</a:t>
+                      </a:r>
+                      <a:r>
+                        <a:rPr lang="zh-CN" altLang="en-US" sz="1600" u="none" strike="noStrike">
+                          <a:effectLst/>
+                        </a:rPr>
+                        <a:t>城市</a:t>
+                      </a:r>
+                      <a:r>
+                        <a:rPr lang="en-US" altLang="zh-CN" sz="1600" u="none" strike="noStrike">
+                          <a:effectLst/>
+                        </a:rPr>
+                        <a:t>/</a:t>
+                      </a:r>
+                      <a:r>
+                        <a:rPr lang="zh-CN" altLang="en-US" sz="1600" u="none" strike="noStrike">
+                          <a:effectLst/>
+                        </a:rPr>
+                        <a:t>区域</a:t>
+                      </a:r>
+                      <a:r>
+                        <a:rPr lang="en-US" altLang="zh-CN" sz="1600" u="none" strike="noStrike">
+                          <a:effectLst/>
+                        </a:rPr>
+                        <a:t>/</a:t>
+                      </a:r>
+                      <a:r>
+                        <a:rPr lang="zh-CN" altLang="en-US" sz="1600" u="none" strike="noStrike">
+                          <a:effectLst/>
+                        </a:rPr>
+                        <a:t>省份</a:t>
+                      </a:r>
+                      <a:r>
+                        <a:rPr lang="en-US" altLang="zh-CN" sz="1600" u="none" strike="noStrike">
+                          <a:effectLst/>
+                        </a:rPr>
+                        <a:t>/</a:t>
+                      </a:r>
+                      <a:r>
+                        <a:rPr lang="zh-CN" altLang="en-US" sz="1600" u="none" strike="noStrike">
+                          <a:effectLst/>
+                        </a:rPr>
+                        <a:t>业态）组合使用</a:t>
+                      </a:r>
+                      <a:endParaRPr lang="zh-CN" altLang="en-US" sz="1600" b="0" i="0" u="none" strike="noStrike">
+                        <a:solidFill>
+                          <a:srgbClr val="000000"/>
+                        </a:solidFill>
+                        <a:effectLst/>
+                        <a:latin typeface="宋体" panose="02010600030101010101" pitchFamily="2" charset="-122"/>
+                        <a:ea typeface="宋体" panose="02010600030101010101" pitchFamily="2" charset="-122"/>
+                      </a:endParaRPr>
+                    </a:p>
+                  </a:txBody>
+                  <a:tcPr marL="9525" marR="9525" marT="9525" marB="0" anchor="ctr"/>
+                </a:tc>
+              </a:tr>
+              <a:tr h="1091077">
+                <a:tc vMerge="1">
+                  <a:txBody>
+                    <a:bodyPr/>
+                    <a:lstStyle/>
+                    <a:p>
+                      <a:endParaRPr lang="zh-CN" altLang="en-US"/>
+                    </a:p>
+                  </a:txBody>
+                  <a:tcPr/>
+                </a:tc>
+                <a:tc>
+                  <a:txBody>
+                    <a:bodyPr/>
+                    <a:lstStyle/>
+                    <a:p>
+                      <a:pPr algn="l" fontAlgn="ctr"/>
+                      <a:r>
+                        <a:rPr lang="zh-CN" altLang="en-US" sz="1600" u="none" strike="noStrike">
+                          <a:effectLst/>
+                        </a:rPr>
+                        <a:t>昨天会员来客数</a:t>
+                      </a:r>
+                      <a:endParaRPr lang="zh-CN" altLang="en-US" sz="1600" b="0" i="0" u="none" strike="noStrike">
+                        <a:solidFill>
+                          <a:srgbClr val="000000"/>
+                        </a:solidFill>
+                        <a:effectLst/>
+                        <a:latin typeface="宋体" panose="02010600030101010101" pitchFamily="2" charset="-122"/>
+                        <a:ea typeface="宋体" panose="02010600030101010101" pitchFamily="2" charset="-122"/>
+                      </a:endParaRPr>
+                    </a:p>
+                  </a:txBody>
+                  <a:tcPr marL="9525" marR="9525" marT="9525" marB="0" anchor="ctr"/>
+                </a:tc>
+                <a:tc>
+                  <a:txBody>
+                    <a:bodyPr/>
+                    <a:lstStyle/>
+                    <a:p>
+                      <a:pPr algn="l" fontAlgn="ctr"/>
+                      <a:r>
+                        <a:rPr lang="zh-CN" altLang="en-US" sz="1600" u="none" strike="noStrike" dirty="0">
+                          <a:effectLst/>
+                        </a:rPr>
+                        <a:t>昨天的会员来客数</a:t>
+                      </a:r>
+                      <a:endParaRPr lang="zh-CN" altLang="en-US" sz="1600" b="0" i="0" u="none" strike="noStrike" dirty="0">
+                        <a:solidFill>
+                          <a:srgbClr val="000000"/>
+                        </a:solidFill>
+                        <a:effectLst/>
+                        <a:latin typeface="宋体" panose="02010600030101010101" pitchFamily="2" charset="-122"/>
+                        <a:ea typeface="宋体" panose="02010600030101010101" pitchFamily="2" charset="-122"/>
+                      </a:endParaRPr>
+                    </a:p>
+                  </a:txBody>
+                  <a:tcPr marL="9525" marR="9525" marT="9525" marB="0" anchor="ctr"/>
+                </a:tc>
+                <a:tc>
+                  <a:txBody>
+                    <a:bodyPr/>
+                    <a:lstStyle/>
+                    <a:p>
+                      <a:pPr algn="l" fontAlgn="ctr"/>
+                      <a:r>
+                        <a:rPr lang="zh-CN" altLang="en-US" sz="1600" u="none" strike="noStrike">
+                          <a:effectLst/>
+                        </a:rPr>
+                        <a:t>可和维度（小类</a:t>
+                      </a:r>
+                      <a:r>
+                        <a:rPr lang="en-US" altLang="zh-CN" sz="1600" u="none" strike="noStrike">
+                          <a:effectLst/>
+                        </a:rPr>
+                        <a:t>/</a:t>
+                      </a:r>
+                      <a:r>
+                        <a:rPr lang="zh-CN" altLang="en-US" sz="1600" u="none" strike="noStrike">
+                          <a:effectLst/>
+                        </a:rPr>
+                        <a:t>中类</a:t>
+                      </a:r>
+                      <a:r>
+                        <a:rPr lang="en-US" altLang="zh-CN" sz="1600" u="none" strike="noStrike">
+                          <a:effectLst/>
+                        </a:rPr>
+                        <a:t>/</a:t>
+                      </a:r>
+                      <a:r>
+                        <a:rPr lang="zh-CN" altLang="en-US" sz="1600" u="none" strike="noStrike">
+                          <a:effectLst/>
+                        </a:rPr>
+                        <a:t>大类</a:t>
+                      </a:r>
+                      <a:r>
+                        <a:rPr lang="en-US" altLang="zh-CN" sz="1600" u="none" strike="noStrike">
+                          <a:effectLst/>
+                        </a:rPr>
+                        <a:t>/</a:t>
+                      </a:r>
+                      <a:r>
+                        <a:rPr lang="zh-CN" altLang="en-US" sz="1600" u="none" strike="noStrike">
+                          <a:effectLst/>
+                        </a:rPr>
+                        <a:t>时段</a:t>
+                      </a:r>
+                      <a:r>
+                        <a:rPr lang="en-US" altLang="zh-CN" sz="1600" u="none" strike="noStrike">
+                          <a:effectLst/>
+                        </a:rPr>
+                        <a:t>/</a:t>
+                      </a:r>
+                      <a:r>
+                        <a:rPr lang="zh-CN" altLang="en-US" sz="1600" u="none" strike="noStrike">
+                          <a:effectLst/>
+                        </a:rPr>
+                        <a:t>天</a:t>
+                      </a:r>
+                      <a:r>
+                        <a:rPr lang="en-US" altLang="zh-CN" sz="1600" u="none" strike="noStrike">
+                          <a:effectLst/>
+                        </a:rPr>
+                        <a:t>/</a:t>
+                      </a:r>
+                      <a:r>
+                        <a:rPr lang="zh-CN" altLang="en-US" sz="1600" u="none" strike="noStrike">
+                          <a:effectLst/>
+                        </a:rPr>
+                        <a:t>月</a:t>
+                      </a:r>
+                      <a:r>
+                        <a:rPr lang="en-US" altLang="zh-CN" sz="1600" u="none" strike="noStrike">
+                          <a:effectLst/>
+                        </a:rPr>
+                        <a:t>/</a:t>
+                      </a:r>
+                      <a:r>
+                        <a:rPr lang="zh-CN" altLang="en-US" sz="1600" u="none" strike="noStrike">
+                          <a:effectLst/>
+                        </a:rPr>
+                        <a:t>门店</a:t>
+                      </a:r>
+                      <a:r>
+                        <a:rPr lang="en-US" altLang="zh-CN" sz="1600" u="none" strike="noStrike">
+                          <a:effectLst/>
+                        </a:rPr>
+                        <a:t>/</a:t>
+                      </a:r>
+                      <a:r>
+                        <a:rPr lang="zh-CN" altLang="en-US" sz="1600" u="none" strike="noStrike">
+                          <a:effectLst/>
+                        </a:rPr>
+                        <a:t>城市</a:t>
+                      </a:r>
+                      <a:r>
+                        <a:rPr lang="en-US" altLang="zh-CN" sz="1600" u="none" strike="noStrike">
+                          <a:effectLst/>
+                        </a:rPr>
+                        <a:t>/</a:t>
+                      </a:r>
+                      <a:r>
+                        <a:rPr lang="zh-CN" altLang="en-US" sz="1600" u="none" strike="noStrike">
+                          <a:effectLst/>
+                        </a:rPr>
+                        <a:t>区域</a:t>
+                      </a:r>
+                      <a:r>
+                        <a:rPr lang="en-US" altLang="zh-CN" sz="1600" u="none" strike="noStrike">
+                          <a:effectLst/>
+                        </a:rPr>
+                        <a:t>/</a:t>
+                      </a:r>
+                      <a:r>
+                        <a:rPr lang="zh-CN" altLang="en-US" sz="1600" u="none" strike="noStrike">
+                          <a:effectLst/>
+                        </a:rPr>
+                        <a:t>省份</a:t>
+                      </a:r>
+                      <a:r>
+                        <a:rPr lang="en-US" altLang="zh-CN" sz="1600" u="none" strike="noStrike">
+                          <a:effectLst/>
+                        </a:rPr>
+                        <a:t>/</a:t>
+                      </a:r>
+                      <a:r>
+                        <a:rPr lang="zh-CN" altLang="en-US" sz="1600" u="none" strike="noStrike">
+                          <a:effectLst/>
+                        </a:rPr>
+                        <a:t>业态）组合使用</a:t>
+                      </a:r>
+                      <a:endParaRPr lang="zh-CN" altLang="en-US" sz="1600" b="0" i="0" u="none" strike="noStrike">
+                        <a:solidFill>
+                          <a:srgbClr val="000000"/>
+                        </a:solidFill>
+                        <a:effectLst/>
+                        <a:latin typeface="宋体" panose="02010600030101010101" pitchFamily="2" charset="-122"/>
+                        <a:ea typeface="宋体" panose="02010600030101010101" pitchFamily="2" charset="-122"/>
+                      </a:endParaRPr>
+                    </a:p>
+                  </a:txBody>
+                  <a:tcPr marL="9525" marR="9525" marT="9525" marB="0" anchor="ctr"/>
+                </a:tc>
+              </a:tr>
+              <a:tr h="1091077">
+                <a:tc vMerge="1">
+                  <a:txBody>
+                    <a:bodyPr/>
+                    <a:lstStyle/>
+                    <a:p>
+                      <a:endParaRPr lang="zh-CN" altLang="en-US"/>
+                    </a:p>
+                  </a:txBody>
+                  <a:tcPr/>
+                </a:tc>
+                <a:tc>
+                  <a:txBody>
+                    <a:bodyPr/>
+                    <a:lstStyle/>
+                    <a:p>
+                      <a:pPr algn="l" fontAlgn="ctr"/>
+                      <a:r>
+                        <a:rPr lang="zh-CN" altLang="en-US" sz="1600" u="none" strike="noStrike">
+                          <a:effectLst/>
+                        </a:rPr>
+                        <a:t>月初至今会员来客数</a:t>
+                      </a:r>
+                      <a:endParaRPr lang="zh-CN" altLang="en-US" sz="1600" b="0" i="0" u="none" strike="noStrike">
+                        <a:solidFill>
+                          <a:srgbClr val="000000"/>
+                        </a:solidFill>
+                        <a:effectLst/>
+                        <a:latin typeface="宋体" panose="02010600030101010101" pitchFamily="2" charset="-122"/>
+                        <a:ea typeface="宋体" panose="02010600030101010101" pitchFamily="2" charset="-122"/>
+                      </a:endParaRPr>
+                    </a:p>
+                  </a:txBody>
+                  <a:tcPr marL="9525" marR="9525" marT="9525" marB="0" anchor="ctr"/>
+                </a:tc>
+                <a:tc>
+                  <a:txBody>
+                    <a:bodyPr/>
+                    <a:lstStyle/>
+                    <a:p>
+                      <a:pPr algn="l" fontAlgn="ctr"/>
+                      <a:r>
+                        <a:rPr lang="zh-CN" altLang="en-US" sz="1600" u="none" strike="noStrike">
+                          <a:effectLst/>
+                        </a:rPr>
+                        <a:t>月初至今的累计会员来客数</a:t>
+                      </a:r>
+                      <a:endParaRPr lang="zh-CN" altLang="en-US" sz="1600" b="0" i="0" u="none" strike="noStrike">
+                        <a:solidFill>
+                          <a:srgbClr val="000000"/>
+                        </a:solidFill>
+                        <a:effectLst/>
+                        <a:latin typeface="宋体" panose="02010600030101010101" pitchFamily="2" charset="-122"/>
+                        <a:ea typeface="宋体" panose="02010600030101010101" pitchFamily="2" charset="-122"/>
+                      </a:endParaRPr>
+                    </a:p>
+                  </a:txBody>
+                  <a:tcPr marL="9525" marR="9525" marT="9525" marB="0" anchor="ctr"/>
+                </a:tc>
+                <a:tc>
+                  <a:txBody>
+                    <a:bodyPr/>
+                    <a:lstStyle/>
+                    <a:p>
+                      <a:pPr algn="l" fontAlgn="ctr"/>
+                      <a:r>
+                        <a:rPr lang="zh-CN" altLang="en-US" sz="1600" u="none" strike="noStrike">
+                          <a:effectLst/>
+                        </a:rPr>
+                        <a:t>可和维度（小类</a:t>
+                      </a:r>
+                      <a:r>
+                        <a:rPr lang="en-US" altLang="zh-CN" sz="1600" u="none" strike="noStrike">
+                          <a:effectLst/>
+                        </a:rPr>
+                        <a:t>/</a:t>
+                      </a:r>
+                      <a:r>
+                        <a:rPr lang="zh-CN" altLang="en-US" sz="1600" u="none" strike="noStrike">
+                          <a:effectLst/>
+                        </a:rPr>
+                        <a:t>中类</a:t>
+                      </a:r>
+                      <a:r>
+                        <a:rPr lang="en-US" altLang="zh-CN" sz="1600" u="none" strike="noStrike">
+                          <a:effectLst/>
+                        </a:rPr>
+                        <a:t>/</a:t>
+                      </a:r>
+                      <a:r>
+                        <a:rPr lang="zh-CN" altLang="en-US" sz="1600" u="none" strike="noStrike">
+                          <a:effectLst/>
+                        </a:rPr>
+                        <a:t>大类</a:t>
+                      </a:r>
+                      <a:r>
+                        <a:rPr lang="en-US" altLang="zh-CN" sz="1600" u="none" strike="noStrike">
+                          <a:effectLst/>
+                        </a:rPr>
+                        <a:t>/</a:t>
+                      </a:r>
+                      <a:r>
+                        <a:rPr lang="zh-CN" altLang="en-US" sz="1600" u="none" strike="noStrike">
+                          <a:effectLst/>
+                        </a:rPr>
+                        <a:t>时段</a:t>
+                      </a:r>
+                      <a:r>
+                        <a:rPr lang="en-US" altLang="zh-CN" sz="1600" u="none" strike="noStrike">
+                          <a:effectLst/>
+                        </a:rPr>
+                        <a:t>/</a:t>
+                      </a:r>
+                      <a:r>
+                        <a:rPr lang="zh-CN" altLang="en-US" sz="1600" u="none" strike="noStrike">
+                          <a:effectLst/>
+                        </a:rPr>
+                        <a:t>天</a:t>
+                      </a:r>
+                      <a:r>
+                        <a:rPr lang="en-US" altLang="zh-CN" sz="1600" u="none" strike="noStrike">
+                          <a:effectLst/>
+                        </a:rPr>
+                        <a:t>/</a:t>
+                      </a:r>
+                      <a:r>
+                        <a:rPr lang="zh-CN" altLang="en-US" sz="1600" u="none" strike="noStrike">
+                          <a:effectLst/>
+                        </a:rPr>
+                        <a:t>月</a:t>
+                      </a:r>
+                      <a:r>
+                        <a:rPr lang="en-US" altLang="zh-CN" sz="1600" u="none" strike="noStrike">
+                          <a:effectLst/>
+                        </a:rPr>
+                        <a:t>/</a:t>
+                      </a:r>
+                      <a:r>
+                        <a:rPr lang="zh-CN" altLang="en-US" sz="1600" u="none" strike="noStrike">
+                          <a:effectLst/>
+                        </a:rPr>
+                        <a:t>门店</a:t>
+                      </a:r>
+                      <a:r>
+                        <a:rPr lang="en-US" altLang="zh-CN" sz="1600" u="none" strike="noStrike">
+                          <a:effectLst/>
+                        </a:rPr>
+                        <a:t>/</a:t>
+                      </a:r>
+                      <a:r>
+                        <a:rPr lang="zh-CN" altLang="en-US" sz="1600" u="none" strike="noStrike">
+                          <a:effectLst/>
+                        </a:rPr>
+                        <a:t>城市</a:t>
+                      </a:r>
+                      <a:r>
+                        <a:rPr lang="en-US" altLang="zh-CN" sz="1600" u="none" strike="noStrike">
+                          <a:effectLst/>
+                        </a:rPr>
+                        <a:t>/</a:t>
+                      </a:r>
+                      <a:r>
+                        <a:rPr lang="zh-CN" altLang="en-US" sz="1600" u="none" strike="noStrike">
+                          <a:effectLst/>
+                        </a:rPr>
+                        <a:t>区域</a:t>
+                      </a:r>
+                      <a:r>
+                        <a:rPr lang="en-US" altLang="zh-CN" sz="1600" u="none" strike="noStrike">
+                          <a:effectLst/>
+                        </a:rPr>
+                        <a:t>/</a:t>
+                      </a:r>
+                      <a:r>
+                        <a:rPr lang="zh-CN" altLang="en-US" sz="1600" u="none" strike="noStrike">
+                          <a:effectLst/>
+                        </a:rPr>
+                        <a:t>省份</a:t>
+                      </a:r>
+                      <a:r>
+                        <a:rPr lang="en-US" altLang="zh-CN" sz="1600" u="none" strike="noStrike">
+                          <a:effectLst/>
+                        </a:rPr>
+                        <a:t>/</a:t>
+                      </a:r>
+                      <a:r>
+                        <a:rPr lang="zh-CN" altLang="en-US" sz="1600" u="none" strike="noStrike">
+                          <a:effectLst/>
+                        </a:rPr>
+                        <a:t>业态）组合使用</a:t>
+                      </a:r>
+                      <a:endParaRPr lang="zh-CN" altLang="en-US" sz="1600" b="0" i="0" u="none" strike="noStrike">
+                        <a:solidFill>
+                          <a:srgbClr val="000000"/>
+                        </a:solidFill>
+                        <a:effectLst/>
+                        <a:latin typeface="宋体" panose="02010600030101010101" pitchFamily="2" charset="-122"/>
+                        <a:ea typeface="宋体" panose="02010600030101010101" pitchFamily="2" charset="-122"/>
+                      </a:endParaRPr>
+                    </a:p>
+                  </a:txBody>
+                  <a:tcPr marL="9525" marR="9525" marT="9525" marB="0" anchor="ctr"/>
+                </a:tc>
+              </a:tr>
+              <a:tr h="1091077">
+                <a:tc vMerge="1">
+                  <a:txBody>
+                    <a:bodyPr/>
+                    <a:lstStyle/>
+                    <a:p>
+                      <a:endParaRPr lang="zh-CN" altLang="en-US"/>
+                    </a:p>
+                  </a:txBody>
+                  <a:tcPr/>
+                </a:tc>
+                <a:tc>
+                  <a:txBody>
+                    <a:bodyPr/>
+                    <a:lstStyle/>
+                    <a:p>
+                      <a:pPr algn="l" fontAlgn="ctr"/>
+                      <a:r>
+                        <a:rPr lang="zh-CN" altLang="en-US" sz="1600" u="none" strike="noStrike">
+                          <a:effectLst/>
+                        </a:rPr>
+                        <a:t>年初至今会员来客数</a:t>
+                      </a:r>
+                      <a:endParaRPr lang="zh-CN" altLang="en-US" sz="1600" b="0" i="0" u="none" strike="noStrike">
+                        <a:solidFill>
+                          <a:srgbClr val="000000"/>
+                        </a:solidFill>
+                        <a:effectLst/>
+                        <a:latin typeface="宋体" panose="02010600030101010101" pitchFamily="2" charset="-122"/>
+                        <a:ea typeface="宋体" panose="02010600030101010101" pitchFamily="2" charset="-122"/>
+                      </a:endParaRPr>
+                    </a:p>
+                  </a:txBody>
+                  <a:tcPr marL="9525" marR="9525" marT="9525" marB="0" anchor="ctr"/>
+                </a:tc>
+                <a:tc>
+                  <a:txBody>
+                    <a:bodyPr/>
+                    <a:lstStyle/>
+                    <a:p>
+                      <a:pPr algn="l" fontAlgn="ctr"/>
+                      <a:r>
+                        <a:rPr lang="zh-CN" altLang="en-US" sz="1600" u="none" strike="noStrike">
+                          <a:effectLst/>
+                        </a:rPr>
+                        <a:t>年初至今的累计会员来客数</a:t>
+                      </a:r>
+                      <a:endParaRPr lang="zh-CN" altLang="en-US" sz="1600" b="0" i="0" u="none" strike="noStrike">
+                        <a:solidFill>
+                          <a:srgbClr val="000000"/>
+                        </a:solidFill>
+                        <a:effectLst/>
+                        <a:latin typeface="宋体" panose="02010600030101010101" pitchFamily="2" charset="-122"/>
+                        <a:ea typeface="宋体" panose="02010600030101010101" pitchFamily="2" charset="-122"/>
+                      </a:endParaRPr>
+                    </a:p>
+                  </a:txBody>
+                  <a:tcPr marL="9525" marR="9525" marT="9525" marB="0" anchor="ctr"/>
+                </a:tc>
+                <a:tc>
+                  <a:txBody>
+                    <a:bodyPr/>
+                    <a:lstStyle/>
+                    <a:p>
+                      <a:pPr algn="l" fontAlgn="ctr"/>
+                      <a:r>
+                        <a:rPr lang="zh-CN" altLang="en-US" sz="1600" u="none" strike="noStrike" dirty="0">
+                          <a:effectLst/>
+                        </a:rPr>
+                        <a:t>可和维度（小类</a:t>
+                      </a:r>
+                      <a:r>
+                        <a:rPr lang="en-US" altLang="zh-CN" sz="1600" u="none" strike="noStrike" dirty="0">
+                          <a:effectLst/>
+                        </a:rPr>
+                        <a:t>/</a:t>
+                      </a:r>
+                      <a:r>
+                        <a:rPr lang="zh-CN" altLang="en-US" sz="1600" u="none" strike="noStrike" dirty="0">
+                          <a:effectLst/>
+                        </a:rPr>
+                        <a:t>中类</a:t>
+                      </a:r>
+                      <a:r>
+                        <a:rPr lang="en-US" altLang="zh-CN" sz="1600" u="none" strike="noStrike" dirty="0">
+                          <a:effectLst/>
+                        </a:rPr>
+                        <a:t>/</a:t>
+                      </a:r>
+                      <a:r>
+                        <a:rPr lang="zh-CN" altLang="en-US" sz="1600" u="none" strike="noStrike" dirty="0">
+                          <a:effectLst/>
+                        </a:rPr>
+                        <a:t>大类</a:t>
+                      </a:r>
+                      <a:r>
+                        <a:rPr lang="en-US" altLang="zh-CN" sz="1600" u="none" strike="noStrike" dirty="0">
+                          <a:effectLst/>
+                        </a:rPr>
+                        <a:t>/</a:t>
+                      </a:r>
+                      <a:r>
+                        <a:rPr lang="zh-CN" altLang="en-US" sz="1600" u="none" strike="noStrike" dirty="0">
+                          <a:effectLst/>
+                        </a:rPr>
+                        <a:t>时段</a:t>
+                      </a:r>
+                      <a:r>
+                        <a:rPr lang="en-US" altLang="zh-CN" sz="1600" u="none" strike="noStrike" dirty="0">
+                          <a:effectLst/>
+                        </a:rPr>
+                        <a:t>/</a:t>
+                      </a:r>
+                      <a:r>
+                        <a:rPr lang="zh-CN" altLang="en-US" sz="1600" u="none" strike="noStrike" dirty="0">
+                          <a:effectLst/>
+                        </a:rPr>
+                        <a:t>天</a:t>
+                      </a:r>
+                      <a:r>
+                        <a:rPr lang="en-US" altLang="zh-CN" sz="1600" u="none" strike="noStrike" dirty="0">
+                          <a:effectLst/>
+                        </a:rPr>
+                        <a:t>/</a:t>
+                      </a:r>
+                      <a:r>
+                        <a:rPr lang="zh-CN" altLang="en-US" sz="1600" u="none" strike="noStrike" dirty="0">
+                          <a:effectLst/>
+                        </a:rPr>
+                        <a:t>月</a:t>
+                      </a:r>
+                      <a:r>
+                        <a:rPr lang="en-US" altLang="zh-CN" sz="1600" u="none" strike="noStrike" dirty="0">
+                          <a:effectLst/>
+                        </a:rPr>
+                        <a:t>/</a:t>
+                      </a:r>
+                      <a:r>
+                        <a:rPr lang="zh-CN" altLang="en-US" sz="1600" u="none" strike="noStrike" dirty="0">
+                          <a:effectLst/>
+                        </a:rPr>
+                        <a:t>门店</a:t>
+                      </a:r>
+                      <a:r>
+                        <a:rPr lang="en-US" altLang="zh-CN" sz="1600" u="none" strike="noStrike" dirty="0">
+                          <a:effectLst/>
+                        </a:rPr>
+                        <a:t>/</a:t>
+                      </a:r>
+                      <a:r>
+                        <a:rPr lang="zh-CN" altLang="en-US" sz="1600" u="none" strike="noStrike" dirty="0">
+                          <a:effectLst/>
+                        </a:rPr>
+                        <a:t>城市</a:t>
+                      </a:r>
+                      <a:r>
+                        <a:rPr lang="en-US" altLang="zh-CN" sz="1600" u="none" strike="noStrike" dirty="0">
+                          <a:effectLst/>
+                        </a:rPr>
+                        <a:t>/</a:t>
+                      </a:r>
+                      <a:r>
+                        <a:rPr lang="zh-CN" altLang="en-US" sz="1600" u="none" strike="noStrike" dirty="0">
+                          <a:effectLst/>
+                        </a:rPr>
+                        <a:t>区域</a:t>
+                      </a:r>
+                      <a:r>
+                        <a:rPr lang="en-US" altLang="zh-CN" sz="1600" u="none" strike="noStrike" dirty="0">
+                          <a:effectLst/>
+                        </a:rPr>
+                        <a:t>/</a:t>
+                      </a:r>
+                      <a:r>
+                        <a:rPr lang="zh-CN" altLang="en-US" sz="1600" u="none" strike="noStrike" dirty="0">
+                          <a:effectLst/>
+                        </a:rPr>
+                        <a:t>省份</a:t>
+                      </a:r>
+                      <a:r>
+                        <a:rPr lang="en-US" altLang="zh-CN" sz="1600" u="none" strike="noStrike" dirty="0">
+                          <a:effectLst/>
+                        </a:rPr>
+                        <a:t>/</a:t>
+                      </a:r>
+                      <a:r>
+                        <a:rPr lang="zh-CN" altLang="en-US" sz="1600" u="none" strike="noStrike" dirty="0">
+                          <a:effectLst/>
+                        </a:rPr>
+                        <a:t>业态）组合使用</a:t>
+                      </a:r>
+                      <a:endParaRPr lang="zh-CN" altLang="en-US" sz="1600" b="0" i="0" u="none" strike="noStrike" dirty="0">
+                        <a:solidFill>
+                          <a:srgbClr val="000000"/>
+                        </a:solidFill>
+                        <a:effectLst/>
+                        <a:latin typeface="宋体" panose="02010600030101010101" pitchFamily="2" charset="-122"/>
+                        <a:ea typeface="宋体" panose="02010600030101010101" pitchFamily="2" charset="-122"/>
+                      </a:endParaRPr>
+                    </a:p>
+                  </a:txBody>
+                  <a:tcPr marL="9525" marR="9525" marT="9525" marB="0" anchor="ctr"/>
+                </a:tc>
+              </a:tr>
+            </a:tbl>
+          </a:graphicData>
+        </a:graphic>
+      </p:graphicFrame>
+    </p:spTree>
+    <p:extLst>
+      <p:ext uri="{BB962C8B-B14F-4D97-AF65-F5344CB8AC3E}">
+        <p14:creationId xmlns:p14="http://schemas.microsoft.com/office/powerpoint/2010/main" val="3681204692"/>
+      </p:ext>
+    </p:extLst>
+  </p:cSld>
+  <p:clrMapOvr>
+    <a:masterClrMapping/>
+  </p:clrMapOvr>
+</p:sld>
+</file>
+
+<file path=ppt/slides/slide7.xml><?xml version="1.0" encoding="utf-8"?>
+<p:sld xmlns:a="http://schemas.openxmlformats.org/drawingml/2006/main" xmlns:r="http://schemas.openxmlformats.org/officeDocument/2006/relationships" xmlns:p="http://schemas.openxmlformats.org/presentationml/2006/main">
+  <p:cSld>
+    <p:spTree>
+      <p:nvGrpSpPr>
+        <p:cNvPr id="1" name=""/>
+        <p:cNvGrpSpPr/>
+        <p:nvPr/>
+      </p:nvGrpSpPr>
+      <p:grpSpPr>
+        <a:xfrm>
+          <a:off x="0" y="0"/>
+          <a:ext cx="0" cy="0"/>
+          <a:chOff x="0" y="0"/>
+          <a:chExt cx="0" cy="0"/>
+        </a:xfrm>
+      </p:grpSpPr>
+      <p:sp>
+        <p:nvSpPr>
+          <p:cNvPr id="2" name="标题 1"/>
+          <p:cNvSpPr>
+            <a:spLocks noGrp="1"/>
+          </p:cNvSpPr>
+          <p:nvPr>
+            <p:ph type="title"/>
+          </p:nvPr>
+        </p:nvSpPr>
+        <p:spPr/>
+        <p:txBody>
+          <a:bodyPr/>
+          <a:lstStyle/>
+          <a:p>
+            <a:r>
+              <a:rPr lang="en-US" altLang="zh-CN" dirty="0"/>
+              <a:t>RA</a:t>
+            </a:r>
+            <a:r>
+              <a:rPr lang="zh-CN" altLang="en-US" dirty="0"/>
+              <a:t>建设成果</a:t>
+            </a:r>
+            <a:r>
+              <a:rPr lang="en-US" altLang="zh-CN" dirty="0"/>
+              <a:t>-</a:t>
+            </a:r>
+            <a:r>
+              <a:rPr lang="zh-CN" altLang="en-US" dirty="0"/>
+              <a:t>新建维度事实</a:t>
+            </a:r>
+          </a:p>
+        </p:txBody>
+      </p:sp>
+      <p:graphicFrame>
+        <p:nvGraphicFramePr>
+          <p:cNvPr id="4" name="内容占位符 3"/>
+          <p:cNvGraphicFramePr>
+            <a:graphicFrameLocks noGrp="1"/>
+          </p:cNvGraphicFramePr>
+          <p:nvPr>
+            <p:ph idx="1"/>
+            <p:extLst>
+              <p:ext uri="{D42A27DB-BD31-4B8C-83A1-F6EECF244321}">
+                <p14:modId xmlns:p14="http://schemas.microsoft.com/office/powerpoint/2010/main" val="2820427027"/>
+              </p:ext>
+            </p:extLst>
+          </p:nvPr>
+        </p:nvGraphicFramePr>
+        <p:xfrm>
+          <a:off x="838200" y="1282700"/>
+          <a:ext cx="10515601" cy="4860526"/>
+        </p:xfrm>
+        <a:graphic>
+          <a:graphicData uri="http://schemas.openxmlformats.org/drawingml/2006/table">
+            <a:tbl>
+              <a:tblPr>
+                <a:tableStyleId>{5C22544A-7EE6-4342-B048-85BDC9FD1C3A}</a:tableStyleId>
+              </a:tblPr>
+              <a:tblGrid>
+                <a:gridCol w="1021892"/>
+                <a:gridCol w="1863580"/>
+                <a:gridCol w="1608182"/>
+                <a:gridCol w="2962140"/>
+                <a:gridCol w="3059807"/>
+              </a:tblGrid>
+              <a:tr h="441866">
+                <a:tc>
+                  <a:txBody>
+                    <a:bodyPr/>
+                    <a:lstStyle/>
+                    <a:p>
+                      <a:pPr algn="l" fontAlgn="ctr"/>
+                      <a:r>
+                        <a:rPr lang="zh-CN" altLang="en-US" sz="1200" u="none" strike="noStrike" dirty="0">
+                          <a:effectLst/>
+                        </a:rPr>
+                        <a:t>位置</a:t>
+                      </a:r>
+                      <a:endParaRPr lang="zh-CN" altLang="en-US" sz="1200" b="0" i="0" u="none" strike="noStrike" dirty="0">
+                        <a:solidFill>
+                          <a:srgbClr val="000000"/>
+                        </a:solidFill>
+                        <a:effectLst/>
+                        <a:latin typeface="宋体" panose="02010600030101010101" pitchFamily="2" charset="-122"/>
+                        <a:ea typeface="宋体" panose="02010600030101010101" pitchFamily="2" charset="-122"/>
+                      </a:endParaRPr>
+                    </a:p>
+                  </a:txBody>
+                  <a:tcPr marL="6594" marR="6594" marT="6594" marB="0" anchor="ctr"/>
+                </a:tc>
+                <a:tc>
+                  <a:txBody>
+                    <a:bodyPr/>
+                    <a:lstStyle/>
+                    <a:p>
+                      <a:pPr algn="l" fontAlgn="ctr"/>
+                      <a:r>
+                        <a:rPr lang="zh-CN" altLang="en-US" sz="1200" u="none" strike="noStrike">
+                          <a:effectLst/>
+                        </a:rPr>
+                        <a:t>名称</a:t>
+                      </a:r>
+                      <a:endParaRPr lang="zh-CN" altLang="en-US" sz="1200" b="0" i="0" u="none" strike="noStrike">
+                        <a:solidFill>
+                          <a:srgbClr val="000000"/>
+                        </a:solidFill>
+                        <a:effectLst/>
+                        <a:latin typeface="宋体" panose="02010600030101010101" pitchFamily="2" charset="-122"/>
+                        <a:ea typeface="宋体" panose="02010600030101010101" pitchFamily="2" charset="-122"/>
+                      </a:endParaRPr>
+                    </a:p>
+                  </a:txBody>
+                  <a:tcPr marL="6594" marR="6594" marT="6594" marB="0" anchor="ctr"/>
+                </a:tc>
+                <a:tc>
+                  <a:txBody>
+                    <a:bodyPr/>
+                    <a:lstStyle/>
+                    <a:p>
+                      <a:pPr algn="l" fontAlgn="ctr"/>
+                      <a:r>
+                        <a:rPr lang="en-US" sz="1200" u="none" strike="noStrike">
+                          <a:effectLst/>
+                        </a:rPr>
+                        <a:t>RPD</a:t>
+                      </a:r>
+                      <a:endParaRPr lang="en-US" sz="1200" b="0" i="0" u="none" strike="noStrike">
+                        <a:solidFill>
+                          <a:srgbClr val="000000"/>
+                        </a:solidFill>
+                        <a:effectLst/>
+                        <a:latin typeface="宋体" panose="02010600030101010101" pitchFamily="2" charset="-122"/>
+                        <a:ea typeface="宋体" panose="02010600030101010101" pitchFamily="2" charset="-122"/>
+                      </a:endParaRPr>
+                    </a:p>
+                  </a:txBody>
+                  <a:tcPr marL="6594" marR="6594" marT="6594" marB="0" anchor="ctr"/>
+                </a:tc>
+                <a:tc>
+                  <a:txBody>
+                    <a:bodyPr/>
+                    <a:lstStyle/>
+                    <a:p>
+                      <a:pPr algn="l" fontAlgn="ctr"/>
+                      <a:r>
+                        <a:rPr lang="zh-CN" altLang="en-US" sz="1200" u="none" strike="noStrike">
+                          <a:effectLst/>
+                        </a:rPr>
+                        <a:t>定义</a:t>
+                      </a:r>
+                      <a:endParaRPr lang="zh-CN" altLang="en-US" sz="1200" b="0" i="0" u="none" strike="noStrike">
+                        <a:solidFill>
+                          <a:srgbClr val="000000"/>
+                        </a:solidFill>
+                        <a:effectLst/>
+                        <a:latin typeface="宋体" panose="02010600030101010101" pitchFamily="2" charset="-122"/>
+                        <a:ea typeface="宋体" panose="02010600030101010101" pitchFamily="2" charset="-122"/>
+                      </a:endParaRPr>
+                    </a:p>
+                  </a:txBody>
+                  <a:tcPr marL="6594" marR="6594" marT="6594" marB="0" anchor="ctr"/>
+                </a:tc>
+                <a:tc>
+                  <a:txBody>
+                    <a:bodyPr/>
+                    <a:lstStyle/>
+                    <a:p>
+                      <a:pPr algn="l" fontAlgn="ctr"/>
+                      <a:r>
+                        <a:rPr lang="zh-CN" altLang="en-US" sz="1200" u="none" strike="noStrike">
+                          <a:effectLst/>
+                        </a:rPr>
+                        <a:t>说明</a:t>
+                      </a:r>
+                      <a:endParaRPr lang="zh-CN" altLang="en-US" sz="1200" b="0" i="0" u="none" strike="noStrike">
+                        <a:solidFill>
+                          <a:srgbClr val="000000"/>
+                        </a:solidFill>
+                        <a:effectLst/>
+                        <a:latin typeface="宋体" panose="02010600030101010101" pitchFamily="2" charset="-122"/>
+                        <a:ea typeface="宋体" panose="02010600030101010101" pitchFamily="2" charset="-122"/>
+                      </a:endParaRPr>
+                    </a:p>
+                  </a:txBody>
+                  <a:tcPr marL="6594" marR="6594" marT="6594" marB="0" anchor="ctr"/>
+                </a:tc>
+              </a:tr>
+              <a:tr h="441866">
+                <a:tc rowSpan="10">
+                  <a:txBody>
+                    <a:bodyPr/>
+                    <a:lstStyle/>
+                    <a:p>
+                      <a:pPr algn="ctr" fontAlgn="ctr"/>
+                      <a:r>
+                        <a:rPr lang="zh-CN" altLang="en-US" sz="1200" u="none" strike="noStrike">
+                          <a:effectLst/>
+                        </a:rPr>
+                        <a:t>事实</a:t>
+                      </a:r>
+                      <a:r>
+                        <a:rPr lang="en-US" altLang="zh-CN" sz="1200" u="none" strike="noStrike">
+                          <a:effectLst/>
+                        </a:rPr>
+                        <a:t>--</a:t>
+                      </a:r>
+                      <a:r>
+                        <a:rPr lang="zh-CN" altLang="en-US" sz="1200" u="none" strike="noStrike">
+                          <a:effectLst/>
+                        </a:rPr>
+                        <a:t>交易小票分析</a:t>
+                      </a:r>
+                      <a:endParaRPr lang="zh-CN" altLang="en-US" sz="1200" b="0" i="0" u="none" strike="noStrike">
+                        <a:solidFill>
+                          <a:srgbClr val="000000"/>
+                        </a:solidFill>
+                        <a:effectLst/>
+                        <a:latin typeface="宋体" panose="02010600030101010101" pitchFamily="2" charset="-122"/>
+                        <a:ea typeface="宋体" panose="02010600030101010101" pitchFamily="2" charset="-122"/>
+                      </a:endParaRPr>
+                    </a:p>
+                  </a:txBody>
+                  <a:tcPr marL="6594" marR="6594" marT="6594" marB="0" anchor="ctr"/>
+                </a:tc>
+                <a:tc>
+                  <a:txBody>
+                    <a:bodyPr/>
+                    <a:lstStyle/>
+                    <a:p>
+                      <a:pPr algn="l" fontAlgn="ctr"/>
+                      <a:r>
+                        <a:rPr lang="zh-CN" altLang="en-US" sz="1200" u="none" strike="noStrike">
+                          <a:effectLst/>
+                        </a:rPr>
+                        <a:t>含税交易金额</a:t>
+                      </a:r>
+                      <a:r>
+                        <a:rPr lang="en-US" altLang="zh-CN" sz="1200" u="none" strike="noStrike">
+                          <a:effectLst/>
+                        </a:rPr>
+                        <a:t>(</a:t>
+                      </a:r>
+                      <a:r>
+                        <a:rPr lang="zh-CN" altLang="en-US" sz="1200" u="none" strike="noStrike">
+                          <a:effectLst/>
+                        </a:rPr>
+                        <a:t>条件</a:t>
+                      </a:r>
+                      <a:r>
+                        <a:rPr lang="en-US" altLang="zh-CN" sz="1200" u="none" strike="noStrike">
+                          <a:effectLst/>
+                        </a:rPr>
+                        <a:t>)</a:t>
+                      </a:r>
+                      <a:endParaRPr lang="en-US" altLang="zh-CN" sz="1200" b="0" i="0" u="none" strike="noStrike">
+                        <a:solidFill>
+                          <a:srgbClr val="000000"/>
+                        </a:solidFill>
+                        <a:effectLst/>
+                        <a:latin typeface="宋体" panose="02010600030101010101" pitchFamily="2" charset="-122"/>
+                        <a:ea typeface="宋体" panose="02010600030101010101" pitchFamily="2" charset="-122"/>
+                      </a:endParaRPr>
+                    </a:p>
+                  </a:txBody>
+                  <a:tcPr marL="6594" marR="6594" marT="6594" marB="0" anchor="ctr"/>
+                </a:tc>
+                <a:tc>
+                  <a:txBody>
+                    <a:bodyPr/>
+                    <a:lstStyle/>
+                    <a:p>
+                      <a:pPr algn="l" fontAlgn="ctr"/>
+                      <a:r>
+                        <a:rPr lang="en-US" sz="1200" u="none" strike="noStrike">
+                          <a:effectLst/>
+                        </a:rPr>
+                        <a:t>Net Sales Amt Inc Tax EQ</a:t>
+                      </a:r>
+                      <a:endParaRPr lang="en-US" sz="1200" b="0" i="0" u="none" strike="noStrike">
+                        <a:solidFill>
+                          <a:srgbClr val="000000"/>
+                        </a:solidFill>
+                        <a:effectLst/>
+                        <a:latin typeface="宋体" panose="02010600030101010101" pitchFamily="2" charset="-122"/>
+                        <a:ea typeface="宋体" panose="02010600030101010101" pitchFamily="2" charset="-122"/>
+                      </a:endParaRPr>
+                    </a:p>
+                  </a:txBody>
+                  <a:tcPr marL="6594" marR="6594" marT="6594" marB="0" anchor="ctr"/>
+                </a:tc>
+                <a:tc>
+                  <a:txBody>
+                    <a:bodyPr/>
+                    <a:lstStyle/>
+                    <a:p>
+                      <a:pPr algn="l" fontAlgn="ctr"/>
+                      <a:r>
+                        <a:rPr lang="zh-CN" altLang="en-US" sz="1200" u="none" strike="noStrike">
+                          <a:effectLst/>
+                        </a:rPr>
+                        <a:t>每笔交易小票合计金额段的过滤条件</a:t>
+                      </a:r>
+                      <a:endParaRPr lang="zh-CN" altLang="en-US" sz="1200" b="0" i="0" u="none" strike="noStrike">
+                        <a:solidFill>
+                          <a:srgbClr val="000000"/>
+                        </a:solidFill>
+                        <a:effectLst/>
+                        <a:latin typeface="宋体" panose="02010600030101010101" pitchFamily="2" charset="-122"/>
+                        <a:ea typeface="宋体" panose="02010600030101010101" pitchFamily="2" charset="-122"/>
+                      </a:endParaRPr>
+                    </a:p>
+                  </a:txBody>
+                  <a:tcPr marL="6594" marR="6594" marT="6594" marB="0" anchor="ctr"/>
+                </a:tc>
+                <a:tc>
+                  <a:txBody>
+                    <a:bodyPr/>
+                    <a:lstStyle/>
+                    <a:p>
+                      <a:pPr algn="l" fontAlgn="ctr"/>
+                      <a:r>
+                        <a:rPr lang="zh-CN" altLang="en-US" sz="1200" u="none" strike="noStrike">
+                          <a:effectLst/>
+                        </a:rPr>
+                        <a:t>此事实只能作为过滤条件使用，不能出现在报表列中。</a:t>
+                      </a:r>
+                      <a:endParaRPr lang="zh-CN" altLang="en-US" sz="1200" b="0" i="0" u="none" strike="noStrike">
+                        <a:solidFill>
+                          <a:srgbClr val="000000"/>
+                        </a:solidFill>
+                        <a:effectLst/>
+                        <a:latin typeface="宋体" panose="02010600030101010101" pitchFamily="2" charset="-122"/>
+                        <a:ea typeface="宋体" panose="02010600030101010101" pitchFamily="2" charset="-122"/>
+                      </a:endParaRPr>
+                    </a:p>
+                  </a:txBody>
+                  <a:tcPr marL="6594" marR="6594" marT="6594" marB="0" anchor="ctr"/>
+                </a:tc>
+              </a:tr>
+              <a:tr h="441866">
+                <a:tc vMerge="1">
+                  <a:txBody>
+                    <a:bodyPr/>
+                    <a:lstStyle/>
+                    <a:p>
+                      <a:endParaRPr lang="zh-CN" altLang="en-US"/>
+                    </a:p>
+                  </a:txBody>
+                  <a:tcPr/>
+                </a:tc>
+                <a:tc>
+                  <a:txBody>
+                    <a:bodyPr/>
+                    <a:lstStyle/>
+                    <a:p>
+                      <a:pPr algn="l" fontAlgn="ctr"/>
+                      <a:r>
+                        <a:rPr lang="zh-CN" altLang="en-US" sz="1200" u="none" strike="noStrike">
+                          <a:effectLst/>
+                        </a:rPr>
+                        <a:t>含税交易金额</a:t>
+                      </a:r>
+                      <a:endParaRPr lang="zh-CN" altLang="en-US" sz="1200" b="0" i="0" u="none" strike="noStrike">
+                        <a:solidFill>
+                          <a:srgbClr val="000000"/>
+                        </a:solidFill>
+                        <a:effectLst/>
+                        <a:latin typeface="宋体" panose="02010600030101010101" pitchFamily="2" charset="-122"/>
+                        <a:ea typeface="宋体" panose="02010600030101010101" pitchFamily="2" charset="-122"/>
+                      </a:endParaRPr>
+                    </a:p>
+                  </a:txBody>
+                  <a:tcPr marL="6594" marR="6594" marT="6594" marB="0" anchor="ctr"/>
+                </a:tc>
+                <a:tc>
+                  <a:txBody>
+                    <a:bodyPr/>
+                    <a:lstStyle/>
+                    <a:p>
+                      <a:pPr algn="l" fontAlgn="ctr"/>
+                      <a:r>
+                        <a:rPr lang="en-US" sz="1200" u="none" strike="noStrike">
+                          <a:effectLst/>
+                        </a:rPr>
+                        <a:t>Net Sales Amt Inc Tax</a:t>
+                      </a:r>
+                      <a:endParaRPr lang="en-US" sz="1200" b="0" i="0" u="none" strike="noStrike">
+                        <a:solidFill>
+                          <a:srgbClr val="000000"/>
+                        </a:solidFill>
+                        <a:effectLst/>
+                        <a:latin typeface="宋体" panose="02010600030101010101" pitchFamily="2" charset="-122"/>
+                        <a:ea typeface="宋体" panose="02010600030101010101" pitchFamily="2" charset="-122"/>
+                      </a:endParaRPr>
+                    </a:p>
+                  </a:txBody>
+                  <a:tcPr marL="6594" marR="6594" marT="6594" marB="0" anchor="ctr"/>
+                </a:tc>
+                <a:tc>
+                  <a:txBody>
+                    <a:bodyPr/>
+                    <a:lstStyle/>
+                    <a:p>
+                      <a:pPr algn="l" fontAlgn="ctr"/>
+                      <a:r>
+                        <a:rPr lang="zh-CN" altLang="en-US" sz="1200" u="none" strike="noStrike">
+                          <a:effectLst/>
+                        </a:rPr>
+                        <a:t>含税交易金额汇总值</a:t>
+                      </a:r>
+                      <a:endParaRPr lang="zh-CN" altLang="en-US" sz="1200" b="0" i="0" u="none" strike="noStrike">
+                        <a:solidFill>
+                          <a:srgbClr val="000000"/>
+                        </a:solidFill>
+                        <a:effectLst/>
+                        <a:latin typeface="宋体" panose="02010600030101010101" pitchFamily="2" charset="-122"/>
+                        <a:ea typeface="宋体" panose="02010600030101010101" pitchFamily="2" charset="-122"/>
+                      </a:endParaRPr>
+                    </a:p>
+                  </a:txBody>
+                  <a:tcPr marL="6594" marR="6594" marT="6594" marB="0" anchor="ctr"/>
+                </a:tc>
+                <a:tc>
+                  <a:txBody>
+                    <a:bodyPr/>
+                    <a:lstStyle/>
+                    <a:p>
+                      <a:pPr algn="l" fontAlgn="ctr"/>
+                      <a:r>
+                        <a:rPr lang="zh-CN" altLang="en-US" sz="1200" u="none" strike="noStrike">
+                          <a:effectLst/>
+                        </a:rPr>
+                        <a:t>目前只能查询到大类级别</a:t>
+                      </a:r>
+                      <a:endParaRPr lang="zh-CN" altLang="en-US" sz="1200" b="0" i="0" u="none" strike="noStrike">
+                        <a:solidFill>
+                          <a:srgbClr val="000000"/>
+                        </a:solidFill>
+                        <a:effectLst/>
+                        <a:latin typeface="宋体" panose="02010600030101010101" pitchFamily="2" charset="-122"/>
+                        <a:ea typeface="宋体" panose="02010600030101010101" pitchFamily="2" charset="-122"/>
+                      </a:endParaRPr>
+                    </a:p>
+                  </a:txBody>
+                  <a:tcPr marL="6594" marR="6594" marT="6594" marB="0" anchor="ctr"/>
+                </a:tc>
+              </a:tr>
+              <a:tr h="441866">
+                <a:tc vMerge="1">
+                  <a:txBody>
+                    <a:bodyPr/>
+                    <a:lstStyle/>
+                    <a:p>
+                      <a:endParaRPr lang="zh-CN" altLang="en-US"/>
+                    </a:p>
+                  </a:txBody>
+                  <a:tcPr/>
+                </a:tc>
+                <a:tc>
+                  <a:txBody>
+                    <a:bodyPr/>
+                    <a:lstStyle/>
+                    <a:p>
+                      <a:pPr algn="l" fontAlgn="ctr"/>
+                      <a:r>
+                        <a:rPr lang="zh-CN" altLang="en-US" sz="1200" u="none" strike="noStrike">
+                          <a:effectLst/>
+                        </a:rPr>
+                        <a:t>会员含税交易金额</a:t>
+                      </a:r>
+                      <a:r>
+                        <a:rPr lang="en-US" altLang="zh-CN" sz="1200" u="none" strike="noStrike">
+                          <a:effectLst/>
+                        </a:rPr>
+                        <a:t>(</a:t>
+                      </a:r>
+                      <a:r>
+                        <a:rPr lang="zh-CN" altLang="en-US" sz="1200" u="none" strike="noStrike">
+                          <a:effectLst/>
+                        </a:rPr>
+                        <a:t>条件</a:t>
+                      </a:r>
+                      <a:r>
+                        <a:rPr lang="en-US" altLang="zh-CN" sz="1200" u="none" strike="noStrike">
+                          <a:effectLst/>
+                        </a:rPr>
+                        <a:t>)</a:t>
+                      </a:r>
+                      <a:endParaRPr lang="en-US" altLang="zh-CN" sz="1200" b="0" i="0" u="none" strike="noStrike">
+                        <a:solidFill>
+                          <a:srgbClr val="000000"/>
+                        </a:solidFill>
+                        <a:effectLst/>
+                        <a:latin typeface="宋体" panose="02010600030101010101" pitchFamily="2" charset="-122"/>
+                        <a:ea typeface="宋体" panose="02010600030101010101" pitchFamily="2" charset="-122"/>
+                      </a:endParaRPr>
+                    </a:p>
+                  </a:txBody>
+                  <a:tcPr marL="6594" marR="6594" marT="6594" marB="0" anchor="ctr"/>
+                </a:tc>
+                <a:tc>
+                  <a:txBody>
+                    <a:bodyPr/>
+                    <a:lstStyle/>
+                    <a:p>
+                      <a:pPr algn="l" fontAlgn="ctr"/>
+                      <a:r>
+                        <a:rPr lang="en-US" sz="1200" u="none" strike="noStrike">
+                          <a:effectLst/>
+                        </a:rPr>
+                        <a:t>VIP Net Sales Amt Inc Tax EQ</a:t>
+                      </a:r>
+                      <a:endParaRPr lang="en-US" sz="1200" b="0" i="0" u="none" strike="noStrike">
+                        <a:solidFill>
+                          <a:srgbClr val="000000"/>
+                        </a:solidFill>
+                        <a:effectLst/>
+                        <a:latin typeface="宋体" panose="02010600030101010101" pitchFamily="2" charset="-122"/>
+                        <a:ea typeface="宋体" panose="02010600030101010101" pitchFamily="2" charset="-122"/>
+                      </a:endParaRPr>
+                    </a:p>
+                  </a:txBody>
+                  <a:tcPr marL="6594" marR="6594" marT="6594" marB="0" anchor="ctr"/>
+                </a:tc>
+                <a:tc>
+                  <a:txBody>
+                    <a:bodyPr/>
+                    <a:lstStyle/>
+                    <a:p>
+                      <a:pPr algn="l" fontAlgn="ctr"/>
+                      <a:r>
+                        <a:rPr lang="zh-CN" altLang="en-US" sz="1200" u="none" strike="noStrike">
+                          <a:effectLst/>
+                        </a:rPr>
+                        <a:t>会员交易小票合计金额段的过滤条件</a:t>
+                      </a:r>
+                      <a:endParaRPr lang="zh-CN" altLang="en-US" sz="1200" b="0" i="0" u="none" strike="noStrike">
+                        <a:solidFill>
+                          <a:srgbClr val="000000"/>
+                        </a:solidFill>
+                        <a:effectLst/>
+                        <a:latin typeface="宋体" panose="02010600030101010101" pitchFamily="2" charset="-122"/>
+                        <a:ea typeface="宋体" panose="02010600030101010101" pitchFamily="2" charset="-122"/>
+                      </a:endParaRPr>
+                    </a:p>
+                  </a:txBody>
+                  <a:tcPr marL="6594" marR="6594" marT="6594" marB="0" anchor="ctr"/>
+                </a:tc>
+                <a:tc>
+                  <a:txBody>
+                    <a:bodyPr/>
+                    <a:lstStyle/>
+                    <a:p>
+                      <a:pPr algn="l" fontAlgn="ctr"/>
+                      <a:r>
+                        <a:rPr lang="zh-CN" altLang="en-US" sz="1200" u="none" strike="noStrike">
+                          <a:effectLst/>
+                        </a:rPr>
+                        <a:t>此事实只能作为过滤条件使用，不能出现在报表列中。</a:t>
+                      </a:r>
+                      <a:endParaRPr lang="zh-CN" altLang="en-US" sz="1200" b="0" i="0" u="none" strike="noStrike">
+                        <a:solidFill>
+                          <a:srgbClr val="000000"/>
+                        </a:solidFill>
+                        <a:effectLst/>
+                        <a:latin typeface="宋体" panose="02010600030101010101" pitchFamily="2" charset="-122"/>
+                        <a:ea typeface="宋体" panose="02010600030101010101" pitchFamily="2" charset="-122"/>
+                      </a:endParaRPr>
+                    </a:p>
+                  </a:txBody>
+                  <a:tcPr marL="6594" marR="6594" marT="6594" marB="0" anchor="ctr"/>
+                </a:tc>
+              </a:tr>
+              <a:tr h="441866">
+                <a:tc vMerge="1">
+                  <a:txBody>
+                    <a:bodyPr/>
+                    <a:lstStyle/>
+                    <a:p>
+                      <a:endParaRPr lang="zh-CN" altLang="en-US"/>
+                    </a:p>
+                  </a:txBody>
+                  <a:tcPr/>
+                </a:tc>
+                <a:tc>
+                  <a:txBody>
+                    <a:bodyPr/>
+                    <a:lstStyle/>
+                    <a:p>
+                      <a:pPr algn="l" fontAlgn="ctr"/>
+                      <a:r>
+                        <a:rPr lang="zh-CN" altLang="en-US" sz="1200" u="none" strike="noStrike">
+                          <a:effectLst/>
+                        </a:rPr>
+                        <a:t>会员含税交易金额</a:t>
+                      </a:r>
+                      <a:endParaRPr lang="zh-CN" altLang="en-US" sz="1200" b="0" i="0" u="none" strike="noStrike">
+                        <a:solidFill>
+                          <a:srgbClr val="000000"/>
+                        </a:solidFill>
+                        <a:effectLst/>
+                        <a:latin typeface="宋体" panose="02010600030101010101" pitchFamily="2" charset="-122"/>
+                        <a:ea typeface="宋体" panose="02010600030101010101" pitchFamily="2" charset="-122"/>
+                      </a:endParaRPr>
+                    </a:p>
+                  </a:txBody>
+                  <a:tcPr marL="6594" marR="6594" marT="6594" marB="0" anchor="ctr"/>
+                </a:tc>
+                <a:tc>
+                  <a:txBody>
+                    <a:bodyPr/>
+                    <a:lstStyle/>
+                    <a:p>
+                      <a:pPr algn="l" fontAlgn="ctr"/>
+                      <a:r>
+                        <a:rPr lang="en-US" sz="1200" u="none" strike="noStrike">
+                          <a:effectLst/>
+                        </a:rPr>
+                        <a:t>VIP Net Sales Amt Inc Tax</a:t>
+                      </a:r>
+                      <a:endParaRPr lang="en-US" sz="1200" b="0" i="0" u="none" strike="noStrike">
+                        <a:solidFill>
+                          <a:srgbClr val="000000"/>
+                        </a:solidFill>
+                        <a:effectLst/>
+                        <a:latin typeface="宋体" panose="02010600030101010101" pitchFamily="2" charset="-122"/>
+                        <a:ea typeface="宋体" panose="02010600030101010101" pitchFamily="2" charset="-122"/>
+                      </a:endParaRPr>
+                    </a:p>
+                  </a:txBody>
+                  <a:tcPr marL="6594" marR="6594" marT="6594" marB="0" anchor="ctr"/>
+                </a:tc>
+                <a:tc>
+                  <a:txBody>
+                    <a:bodyPr/>
+                    <a:lstStyle/>
+                    <a:p>
+                      <a:pPr algn="l" fontAlgn="ctr"/>
+                      <a:r>
+                        <a:rPr lang="zh-CN" altLang="en-US" sz="1200" u="none" strike="noStrike">
+                          <a:effectLst/>
+                        </a:rPr>
+                        <a:t>会员含税交易金额汇总值</a:t>
+                      </a:r>
+                      <a:endParaRPr lang="zh-CN" altLang="en-US" sz="1200" b="0" i="0" u="none" strike="noStrike">
+                        <a:solidFill>
+                          <a:srgbClr val="000000"/>
+                        </a:solidFill>
+                        <a:effectLst/>
+                        <a:latin typeface="宋体" panose="02010600030101010101" pitchFamily="2" charset="-122"/>
+                        <a:ea typeface="宋体" panose="02010600030101010101" pitchFamily="2" charset="-122"/>
+                      </a:endParaRPr>
+                    </a:p>
+                  </a:txBody>
+                  <a:tcPr marL="6594" marR="6594" marT="6594" marB="0" anchor="ctr"/>
+                </a:tc>
+                <a:tc>
+                  <a:txBody>
+                    <a:bodyPr/>
+                    <a:lstStyle/>
+                    <a:p>
+                      <a:pPr algn="l" fontAlgn="ctr"/>
+                      <a:r>
+                        <a:rPr lang="zh-CN" altLang="en-US" sz="1200" u="none" strike="noStrike">
+                          <a:effectLst/>
+                        </a:rPr>
+                        <a:t>目前只能查询到大类级别</a:t>
+                      </a:r>
+                      <a:endParaRPr lang="zh-CN" altLang="en-US" sz="1200" b="0" i="0" u="none" strike="noStrike">
+                        <a:solidFill>
+                          <a:srgbClr val="000000"/>
+                        </a:solidFill>
+                        <a:effectLst/>
+                        <a:latin typeface="宋体" panose="02010600030101010101" pitchFamily="2" charset="-122"/>
+                        <a:ea typeface="宋体" panose="02010600030101010101" pitchFamily="2" charset="-122"/>
+                      </a:endParaRPr>
+                    </a:p>
+                  </a:txBody>
+                  <a:tcPr marL="6594" marR="6594" marT="6594" marB="0" anchor="ctr"/>
+                </a:tc>
+              </a:tr>
+              <a:tr h="441866">
+                <a:tc vMerge="1">
+                  <a:txBody>
+                    <a:bodyPr/>
+                    <a:lstStyle/>
+                    <a:p>
+                      <a:endParaRPr lang="zh-CN" altLang="en-US"/>
+                    </a:p>
+                  </a:txBody>
+                  <a:tcPr/>
+                </a:tc>
+                <a:tc>
+                  <a:txBody>
+                    <a:bodyPr/>
+                    <a:lstStyle/>
+                    <a:p>
+                      <a:pPr algn="l" fontAlgn="ctr"/>
+                      <a:r>
+                        <a:rPr lang="zh-CN" altLang="en-US" sz="1200" u="none" strike="noStrike">
+                          <a:effectLst/>
+                        </a:rPr>
+                        <a:t>含税交易金额（剔除</a:t>
+                      </a:r>
+                      <a:r>
+                        <a:rPr lang="en-US" altLang="zh-CN" sz="1200" u="none" strike="noStrike">
+                          <a:effectLst/>
+                        </a:rPr>
+                        <a:t>6789</a:t>
+                      </a:r>
+                      <a:r>
+                        <a:rPr lang="zh-CN" altLang="en-US" sz="1200" u="none" strike="noStrike">
+                          <a:effectLst/>
+                        </a:rPr>
+                        <a:t>）</a:t>
+                      </a:r>
+                      <a:r>
+                        <a:rPr lang="en-US" altLang="zh-CN" sz="1200" u="none" strike="noStrike">
+                          <a:effectLst/>
+                        </a:rPr>
+                        <a:t>-</a:t>
+                      </a:r>
+                      <a:r>
+                        <a:rPr lang="zh-CN" altLang="en-US" sz="1200" u="none" strike="noStrike">
+                          <a:effectLst/>
+                        </a:rPr>
+                        <a:t>条件</a:t>
+                      </a:r>
+                      <a:endParaRPr lang="zh-CN" altLang="en-US" sz="1200" b="0" i="0" u="none" strike="noStrike">
+                        <a:solidFill>
+                          <a:srgbClr val="000000"/>
+                        </a:solidFill>
+                        <a:effectLst/>
+                        <a:latin typeface="宋体" panose="02010600030101010101" pitchFamily="2" charset="-122"/>
+                        <a:ea typeface="宋体" panose="02010600030101010101" pitchFamily="2" charset="-122"/>
+                      </a:endParaRPr>
+                    </a:p>
+                  </a:txBody>
+                  <a:tcPr marL="6594" marR="6594" marT="6594" marB="0" anchor="ctr"/>
+                </a:tc>
+                <a:tc>
+                  <a:txBody>
+                    <a:bodyPr/>
+                    <a:lstStyle/>
+                    <a:p>
+                      <a:pPr algn="l" fontAlgn="ctr"/>
+                      <a:r>
+                        <a:rPr lang="en-US" sz="1200" u="none" strike="noStrike">
+                          <a:effectLst/>
+                        </a:rPr>
+                        <a:t>N69 Net Sales Amt Inc Tax EQ</a:t>
+                      </a:r>
+                      <a:endParaRPr lang="en-US" sz="1200" b="0" i="0" u="none" strike="noStrike">
+                        <a:solidFill>
+                          <a:srgbClr val="000000"/>
+                        </a:solidFill>
+                        <a:effectLst/>
+                        <a:latin typeface="宋体" panose="02010600030101010101" pitchFamily="2" charset="-122"/>
+                        <a:ea typeface="宋体" panose="02010600030101010101" pitchFamily="2" charset="-122"/>
+                      </a:endParaRPr>
+                    </a:p>
+                  </a:txBody>
+                  <a:tcPr marL="6594" marR="6594" marT="6594" marB="0" anchor="ctr"/>
+                </a:tc>
+                <a:tc>
+                  <a:txBody>
+                    <a:bodyPr/>
+                    <a:lstStyle/>
+                    <a:p>
+                      <a:pPr algn="l" fontAlgn="ctr"/>
+                      <a:r>
+                        <a:rPr lang="zh-CN" altLang="en-US" sz="1200" u="none" strike="noStrike">
+                          <a:effectLst/>
+                        </a:rPr>
+                        <a:t>每笔交易小票合计金额段的过滤条件，剔除了</a:t>
+                      </a:r>
+                      <a:r>
+                        <a:rPr lang="en-US" altLang="zh-CN" sz="1200" u="none" strike="noStrike">
+                          <a:effectLst/>
+                        </a:rPr>
+                        <a:t>6</a:t>
+                      </a:r>
+                      <a:r>
+                        <a:rPr lang="zh-CN" altLang="en-US" sz="1200" u="none" strike="noStrike">
+                          <a:effectLst/>
+                        </a:rPr>
+                        <a:t>，</a:t>
+                      </a:r>
+                      <a:r>
+                        <a:rPr lang="en-US" altLang="zh-CN" sz="1200" u="none" strike="noStrike">
+                          <a:effectLst/>
+                        </a:rPr>
+                        <a:t>7</a:t>
+                      </a:r>
+                      <a:r>
+                        <a:rPr lang="zh-CN" altLang="en-US" sz="1200" u="none" strike="noStrike">
+                          <a:effectLst/>
+                        </a:rPr>
+                        <a:t>，</a:t>
+                      </a:r>
+                      <a:r>
+                        <a:rPr lang="en-US" altLang="zh-CN" sz="1200" u="none" strike="noStrike">
+                          <a:effectLst/>
+                        </a:rPr>
+                        <a:t>8</a:t>
+                      </a:r>
+                      <a:r>
+                        <a:rPr lang="zh-CN" altLang="en-US" sz="1200" u="none" strike="noStrike">
+                          <a:effectLst/>
+                        </a:rPr>
+                        <a:t>，</a:t>
+                      </a:r>
+                      <a:r>
+                        <a:rPr lang="en-US" altLang="zh-CN" sz="1200" u="none" strike="noStrike">
+                          <a:effectLst/>
+                        </a:rPr>
+                        <a:t>9</a:t>
+                      </a:r>
+                      <a:r>
+                        <a:rPr lang="zh-CN" altLang="en-US" sz="1200" u="none" strike="noStrike">
+                          <a:effectLst/>
+                        </a:rPr>
+                        <a:t>大类</a:t>
+                      </a:r>
+                      <a:endParaRPr lang="zh-CN" altLang="en-US" sz="1200" b="0" i="0" u="none" strike="noStrike">
+                        <a:solidFill>
+                          <a:srgbClr val="000000"/>
+                        </a:solidFill>
+                        <a:effectLst/>
+                        <a:latin typeface="宋体" panose="02010600030101010101" pitchFamily="2" charset="-122"/>
+                        <a:ea typeface="宋体" panose="02010600030101010101" pitchFamily="2" charset="-122"/>
+                      </a:endParaRPr>
+                    </a:p>
+                  </a:txBody>
+                  <a:tcPr marL="6594" marR="6594" marT="6594" marB="0" anchor="ctr"/>
+                </a:tc>
+                <a:tc>
+                  <a:txBody>
+                    <a:bodyPr/>
+                    <a:lstStyle/>
+                    <a:p>
+                      <a:pPr algn="l" fontAlgn="ctr"/>
+                      <a:r>
+                        <a:rPr lang="zh-CN" altLang="en-US" sz="1200" u="none" strike="noStrike">
+                          <a:effectLst/>
+                        </a:rPr>
+                        <a:t>此事实只能作为过滤条件使用，不能出现在报表列中。</a:t>
+                      </a:r>
+                      <a:endParaRPr lang="zh-CN" altLang="en-US" sz="1200" b="0" i="0" u="none" strike="noStrike">
+                        <a:solidFill>
+                          <a:srgbClr val="000000"/>
+                        </a:solidFill>
+                        <a:effectLst/>
+                        <a:latin typeface="宋体" panose="02010600030101010101" pitchFamily="2" charset="-122"/>
+                        <a:ea typeface="宋体" panose="02010600030101010101" pitchFamily="2" charset="-122"/>
+                      </a:endParaRPr>
+                    </a:p>
+                  </a:txBody>
+                  <a:tcPr marL="6594" marR="6594" marT="6594" marB="0" anchor="ctr"/>
+                </a:tc>
+              </a:tr>
+              <a:tr h="441866">
+                <a:tc vMerge="1">
+                  <a:txBody>
+                    <a:bodyPr/>
+                    <a:lstStyle/>
+                    <a:p>
+                      <a:endParaRPr lang="zh-CN" altLang="en-US"/>
+                    </a:p>
+                  </a:txBody>
+                  <a:tcPr/>
+                </a:tc>
+                <a:tc>
+                  <a:txBody>
+                    <a:bodyPr/>
+                    <a:lstStyle/>
+                    <a:p>
+                      <a:pPr algn="l" fontAlgn="ctr"/>
+                      <a:r>
+                        <a:rPr lang="zh-CN" altLang="en-US" sz="1200" u="none" strike="noStrike">
+                          <a:effectLst/>
+                        </a:rPr>
+                        <a:t>含税交易金额（剔除</a:t>
+                      </a:r>
+                      <a:r>
+                        <a:rPr lang="en-US" altLang="zh-CN" sz="1200" u="none" strike="noStrike">
+                          <a:effectLst/>
+                        </a:rPr>
+                        <a:t>6789</a:t>
+                      </a:r>
+                      <a:r>
+                        <a:rPr lang="zh-CN" altLang="en-US" sz="1200" u="none" strike="noStrike">
+                          <a:effectLst/>
+                        </a:rPr>
+                        <a:t>）</a:t>
+                      </a:r>
+                      <a:endParaRPr lang="zh-CN" altLang="en-US" sz="1200" b="0" i="0" u="none" strike="noStrike">
+                        <a:solidFill>
+                          <a:srgbClr val="000000"/>
+                        </a:solidFill>
+                        <a:effectLst/>
+                        <a:latin typeface="宋体" panose="02010600030101010101" pitchFamily="2" charset="-122"/>
+                        <a:ea typeface="宋体" panose="02010600030101010101" pitchFamily="2" charset="-122"/>
+                      </a:endParaRPr>
+                    </a:p>
+                  </a:txBody>
+                  <a:tcPr marL="6594" marR="6594" marT="6594" marB="0" anchor="ctr"/>
+                </a:tc>
+                <a:tc>
+                  <a:txBody>
+                    <a:bodyPr/>
+                    <a:lstStyle/>
+                    <a:p>
+                      <a:pPr algn="l" fontAlgn="ctr"/>
+                      <a:r>
+                        <a:rPr lang="en-US" sz="1200" u="none" strike="noStrike">
+                          <a:effectLst/>
+                        </a:rPr>
+                        <a:t>N69 Net Sales Amt Inc Tax</a:t>
+                      </a:r>
+                      <a:endParaRPr lang="en-US" sz="1200" b="0" i="0" u="none" strike="noStrike">
+                        <a:solidFill>
+                          <a:srgbClr val="000000"/>
+                        </a:solidFill>
+                        <a:effectLst/>
+                        <a:latin typeface="宋体" panose="02010600030101010101" pitchFamily="2" charset="-122"/>
+                        <a:ea typeface="宋体" panose="02010600030101010101" pitchFamily="2" charset="-122"/>
+                      </a:endParaRPr>
+                    </a:p>
+                  </a:txBody>
+                  <a:tcPr marL="6594" marR="6594" marT="6594" marB="0" anchor="ctr"/>
+                </a:tc>
+                <a:tc>
+                  <a:txBody>
+                    <a:bodyPr/>
+                    <a:lstStyle/>
+                    <a:p>
+                      <a:pPr algn="l" fontAlgn="ctr"/>
+                      <a:r>
+                        <a:rPr lang="zh-CN" altLang="en-US" sz="1200" u="none" strike="noStrike">
+                          <a:effectLst/>
+                        </a:rPr>
+                        <a:t>含税交易金额（剔除</a:t>
+                      </a:r>
+                      <a:r>
+                        <a:rPr lang="en-US" altLang="zh-CN" sz="1200" u="none" strike="noStrike">
+                          <a:effectLst/>
+                        </a:rPr>
+                        <a:t>6789</a:t>
+                      </a:r>
+                      <a:r>
+                        <a:rPr lang="zh-CN" altLang="en-US" sz="1200" u="none" strike="noStrike">
+                          <a:effectLst/>
+                        </a:rPr>
+                        <a:t>）汇总值</a:t>
+                      </a:r>
+                      <a:endParaRPr lang="zh-CN" altLang="en-US" sz="1200" b="0" i="0" u="none" strike="noStrike">
+                        <a:solidFill>
+                          <a:srgbClr val="000000"/>
+                        </a:solidFill>
+                        <a:effectLst/>
+                        <a:latin typeface="宋体" panose="02010600030101010101" pitchFamily="2" charset="-122"/>
+                        <a:ea typeface="宋体" panose="02010600030101010101" pitchFamily="2" charset="-122"/>
+                      </a:endParaRPr>
+                    </a:p>
+                  </a:txBody>
+                  <a:tcPr marL="6594" marR="6594" marT="6594" marB="0" anchor="ctr"/>
+                </a:tc>
+                <a:tc>
+                  <a:txBody>
+                    <a:bodyPr/>
+                    <a:lstStyle/>
+                    <a:p>
+                      <a:pPr algn="l" fontAlgn="ctr"/>
+                      <a:r>
+                        <a:rPr lang="zh-CN" altLang="en-US" sz="1200" u="none" strike="noStrike">
+                          <a:effectLst/>
+                        </a:rPr>
+                        <a:t>　</a:t>
+                      </a:r>
+                      <a:endParaRPr lang="zh-CN" altLang="en-US" sz="1200" b="0" i="0" u="none" strike="noStrike">
+                        <a:solidFill>
+                          <a:srgbClr val="000000"/>
+                        </a:solidFill>
+                        <a:effectLst/>
+                        <a:latin typeface="宋体" panose="02010600030101010101" pitchFamily="2" charset="-122"/>
+                        <a:ea typeface="宋体" panose="02010600030101010101" pitchFamily="2" charset="-122"/>
+                      </a:endParaRPr>
+                    </a:p>
+                  </a:txBody>
+                  <a:tcPr marL="6594" marR="6594" marT="6594" marB="0" anchor="ctr"/>
+                </a:tc>
+              </a:tr>
+              <a:tr h="441866">
+                <a:tc vMerge="1">
+                  <a:txBody>
+                    <a:bodyPr/>
+                    <a:lstStyle/>
+                    <a:p>
+                      <a:endParaRPr lang="zh-CN" altLang="en-US"/>
+                    </a:p>
+                  </a:txBody>
+                  <a:tcPr/>
+                </a:tc>
+                <a:tc>
+                  <a:txBody>
+                    <a:bodyPr/>
+                    <a:lstStyle/>
+                    <a:p>
+                      <a:pPr algn="l" fontAlgn="ctr"/>
+                      <a:r>
+                        <a:rPr lang="zh-CN" altLang="en-US" sz="1200" u="none" strike="noStrike">
+                          <a:effectLst/>
+                        </a:rPr>
+                        <a:t>会员含税交易金额（剔除</a:t>
+                      </a:r>
+                      <a:r>
+                        <a:rPr lang="en-US" altLang="zh-CN" sz="1200" u="none" strike="noStrike">
+                          <a:effectLst/>
+                        </a:rPr>
+                        <a:t>6789</a:t>
+                      </a:r>
+                      <a:r>
+                        <a:rPr lang="zh-CN" altLang="en-US" sz="1200" u="none" strike="noStrike">
+                          <a:effectLst/>
+                        </a:rPr>
+                        <a:t>）</a:t>
+                      </a:r>
+                      <a:r>
+                        <a:rPr lang="en-US" altLang="zh-CN" sz="1200" u="none" strike="noStrike">
+                          <a:effectLst/>
+                        </a:rPr>
+                        <a:t>-</a:t>
+                      </a:r>
+                      <a:r>
+                        <a:rPr lang="zh-CN" altLang="en-US" sz="1200" u="none" strike="noStrike">
+                          <a:effectLst/>
+                        </a:rPr>
+                        <a:t>条件</a:t>
+                      </a:r>
+                      <a:endParaRPr lang="zh-CN" altLang="en-US" sz="1200" b="0" i="0" u="none" strike="noStrike">
+                        <a:solidFill>
+                          <a:srgbClr val="000000"/>
+                        </a:solidFill>
+                        <a:effectLst/>
+                        <a:latin typeface="宋体" panose="02010600030101010101" pitchFamily="2" charset="-122"/>
+                        <a:ea typeface="宋体" panose="02010600030101010101" pitchFamily="2" charset="-122"/>
+                      </a:endParaRPr>
+                    </a:p>
+                  </a:txBody>
+                  <a:tcPr marL="6594" marR="6594" marT="6594" marB="0" anchor="ctr"/>
+                </a:tc>
+                <a:tc>
+                  <a:txBody>
+                    <a:bodyPr/>
+                    <a:lstStyle/>
+                    <a:p>
+                      <a:pPr algn="l" fontAlgn="ctr"/>
+                      <a:r>
+                        <a:rPr lang="en-US" sz="1200" u="none" strike="noStrike">
+                          <a:effectLst/>
+                        </a:rPr>
+                        <a:t>VIP N69 Net Sales Amt Inc Tax EQ</a:t>
+                      </a:r>
+                      <a:endParaRPr lang="en-US" sz="1200" b="0" i="0" u="none" strike="noStrike">
+                        <a:solidFill>
+                          <a:srgbClr val="000000"/>
+                        </a:solidFill>
+                        <a:effectLst/>
+                        <a:latin typeface="宋体" panose="02010600030101010101" pitchFamily="2" charset="-122"/>
+                        <a:ea typeface="宋体" panose="02010600030101010101" pitchFamily="2" charset="-122"/>
+                      </a:endParaRPr>
+                    </a:p>
+                  </a:txBody>
+                  <a:tcPr marL="6594" marR="6594" marT="6594" marB="0" anchor="ctr"/>
+                </a:tc>
+                <a:tc>
+                  <a:txBody>
+                    <a:bodyPr/>
+                    <a:lstStyle/>
+                    <a:p>
+                      <a:pPr algn="l" fontAlgn="ctr"/>
+                      <a:r>
+                        <a:rPr lang="zh-CN" altLang="en-US" sz="1200" u="none" strike="noStrike">
+                          <a:effectLst/>
+                        </a:rPr>
+                        <a:t>会员交易小票合计金额段的过滤条件，剔除了</a:t>
+                      </a:r>
+                      <a:r>
+                        <a:rPr lang="en-US" altLang="zh-CN" sz="1200" u="none" strike="noStrike">
+                          <a:effectLst/>
+                        </a:rPr>
+                        <a:t>6</a:t>
+                      </a:r>
+                      <a:r>
+                        <a:rPr lang="zh-CN" altLang="en-US" sz="1200" u="none" strike="noStrike">
+                          <a:effectLst/>
+                        </a:rPr>
+                        <a:t>，</a:t>
+                      </a:r>
+                      <a:r>
+                        <a:rPr lang="en-US" altLang="zh-CN" sz="1200" u="none" strike="noStrike">
+                          <a:effectLst/>
+                        </a:rPr>
+                        <a:t>7</a:t>
+                      </a:r>
+                      <a:r>
+                        <a:rPr lang="zh-CN" altLang="en-US" sz="1200" u="none" strike="noStrike">
+                          <a:effectLst/>
+                        </a:rPr>
+                        <a:t>，</a:t>
+                      </a:r>
+                      <a:r>
+                        <a:rPr lang="en-US" altLang="zh-CN" sz="1200" u="none" strike="noStrike">
+                          <a:effectLst/>
+                        </a:rPr>
+                        <a:t>8</a:t>
+                      </a:r>
+                      <a:r>
+                        <a:rPr lang="zh-CN" altLang="en-US" sz="1200" u="none" strike="noStrike">
+                          <a:effectLst/>
+                        </a:rPr>
+                        <a:t>，</a:t>
+                      </a:r>
+                      <a:r>
+                        <a:rPr lang="en-US" altLang="zh-CN" sz="1200" u="none" strike="noStrike">
+                          <a:effectLst/>
+                        </a:rPr>
+                        <a:t>9</a:t>
+                      </a:r>
+                      <a:r>
+                        <a:rPr lang="zh-CN" altLang="en-US" sz="1200" u="none" strike="noStrike">
+                          <a:effectLst/>
+                        </a:rPr>
+                        <a:t>大类</a:t>
+                      </a:r>
+                      <a:endParaRPr lang="zh-CN" altLang="en-US" sz="1200" b="0" i="0" u="none" strike="noStrike">
+                        <a:solidFill>
+                          <a:srgbClr val="000000"/>
+                        </a:solidFill>
+                        <a:effectLst/>
+                        <a:latin typeface="宋体" panose="02010600030101010101" pitchFamily="2" charset="-122"/>
+                        <a:ea typeface="宋体" panose="02010600030101010101" pitchFamily="2" charset="-122"/>
+                      </a:endParaRPr>
+                    </a:p>
+                  </a:txBody>
+                  <a:tcPr marL="6594" marR="6594" marT="6594" marB="0" anchor="ctr"/>
+                </a:tc>
+                <a:tc>
+                  <a:txBody>
+                    <a:bodyPr/>
+                    <a:lstStyle/>
+                    <a:p>
+                      <a:pPr algn="l" fontAlgn="ctr"/>
+                      <a:r>
+                        <a:rPr lang="zh-CN" altLang="en-US" sz="1200" u="none" strike="noStrike">
+                          <a:effectLst/>
+                        </a:rPr>
+                        <a:t>此事实只能作为过滤条件使用，不能出现在报表列中。</a:t>
+                      </a:r>
+                      <a:endParaRPr lang="zh-CN" altLang="en-US" sz="1200" b="0" i="0" u="none" strike="noStrike">
+                        <a:solidFill>
+                          <a:srgbClr val="000000"/>
+                        </a:solidFill>
+                        <a:effectLst/>
+                        <a:latin typeface="宋体" panose="02010600030101010101" pitchFamily="2" charset="-122"/>
+                        <a:ea typeface="宋体" panose="02010600030101010101" pitchFamily="2" charset="-122"/>
+                      </a:endParaRPr>
+                    </a:p>
+                  </a:txBody>
+                  <a:tcPr marL="6594" marR="6594" marT="6594" marB="0" anchor="ctr"/>
+                </a:tc>
+              </a:tr>
+              <a:tr h="441866">
+                <a:tc vMerge="1">
+                  <a:txBody>
+                    <a:bodyPr/>
+                    <a:lstStyle/>
+                    <a:p>
+                      <a:endParaRPr lang="zh-CN" altLang="en-US"/>
+                    </a:p>
+                  </a:txBody>
+                  <a:tcPr/>
+                </a:tc>
+                <a:tc>
+                  <a:txBody>
+                    <a:bodyPr/>
+                    <a:lstStyle/>
+                    <a:p>
+                      <a:pPr algn="l" fontAlgn="ctr"/>
+                      <a:r>
+                        <a:rPr lang="zh-CN" altLang="en-US" sz="1200" u="none" strike="noStrike">
+                          <a:effectLst/>
+                        </a:rPr>
+                        <a:t>会员含税交易金额（剔除</a:t>
+                      </a:r>
+                      <a:r>
+                        <a:rPr lang="en-US" altLang="zh-CN" sz="1200" u="none" strike="noStrike">
+                          <a:effectLst/>
+                        </a:rPr>
+                        <a:t>6789</a:t>
+                      </a:r>
+                      <a:r>
+                        <a:rPr lang="zh-CN" altLang="en-US" sz="1200" u="none" strike="noStrike">
+                          <a:effectLst/>
+                        </a:rPr>
+                        <a:t>）</a:t>
+                      </a:r>
+                      <a:endParaRPr lang="zh-CN" altLang="en-US" sz="1200" b="0" i="0" u="none" strike="noStrike">
+                        <a:solidFill>
+                          <a:srgbClr val="000000"/>
+                        </a:solidFill>
+                        <a:effectLst/>
+                        <a:latin typeface="宋体" panose="02010600030101010101" pitchFamily="2" charset="-122"/>
+                        <a:ea typeface="宋体" panose="02010600030101010101" pitchFamily="2" charset="-122"/>
+                      </a:endParaRPr>
+                    </a:p>
+                  </a:txBody>
+                  <a:tcPr marL="6594" marR="6594" marT="6594" marB="0" anchor="ctr"/>
+                </a:tc>
+                <a:tc>
+                  <a:txBody>
+                    <a:bodyPr/>
+                    <a:lstStyle/>
+                    <a:p>
+                      <a:pPr algn="l" fontAlgn="ctr"/>
+                      <a:r>
+                        <a:rPr lang="en-US" sz="1200" u="none" strike="noStrike">
+                          <a:effectLst/>
+                        </a:rPr>
+                        <a:t>VIP N69 Net Sales Amt Inc Tax</a:t>
+                      </a:r>
+                      <a:endParaRPr lang="en-US" sz="1200" b="0" i="0" u="none" strike="noStrike">
+                        <a:solidFill>
+                          <a:srgbClr val="000000"/>
+                        </a:solidFill>
+                        <a:effectLst/>
+                        <a:latin typeface="宋体" panose="02010600030101010101" pitchFamily="2" charset="-122"/>
+                        <a:ea typeface="宋体" panose="02010600030101010101" pitchFamily="2" charset="-122"/>
+                      </a:endParaRPr>
+                    </a:p>
+                  </a:txBody>
+                  <a:tcPr marL="6594" marR="6594" marT="6594" marB="0" anchor="ctr"/>
+                </a:tc>
+                <a:tc>
+                  <a:txBody>
+                    <a:bodyPr/>
+                    <a:lstStyle/>
+                    <a:p>
+                      <a:pPr algn="l" fontAlgn="ctr"/>
+                      <a:r>
+                        <a:rPr lang="zh-CN" altLang="en-US" sz="1200" u="none" strike="noStrike">
+                          <a:effectLst/>
+                        </a:rPr>
+                        <a:t>会员含税交易金额（剔除</a:t>
+                      </a:r>
+                      <a:r>
+                        <a:rPr lang="en-US" altLang="zh-CN" sz="1200" u="none" strike="noStrike">
+                          <a:effectLst/>
+                        </a:rPr>
+                        <a:t>6789</a:t>
+                      </a:r>
+                      <a:r>
+                        <a:rPr lang="zh-CN" altLang="en-US" sz="1200" u="none" strike="noStrike">
+                          <a:effectLst/>
+                        </a:rPr>
+                        <a:t>）汇总值</a:t>
+                      </a:r>
+                      <a:endParaRPr lang="zh-CN" altLang="en-US" sz="1200" b="0" i="0" u="none" strike="noStrike">
+                        <a:solidFill>
+                          <a:srgbClr val="000000"/>
+                        </a:solidFill>
+                        <a:effectLst/>
+                        <a:latin typeface="宋体" panose="02010600030101010101" pitchFamily="2" charset="-122"/>
+                        <a:ea typeface="宋体" panose="02010600030101010101" pitchFamily="2" charset="-122"/>
+                      </a:endParaRPr>
+                    </a:p>
+                  </a:txBody>
+                  <a:tcPr marL="6594" marR="6594" marT="6594" marB="0" anchor="ctr"/>
+                </a:tc>
+                <a:tc>
+                  <a:txBody>
+                    <a:bodyPr/>
+                    <a:lstStyle/>
+                    <a:p>
+                      <a:pPr algn="l" fontAlgn="ctr"/>
+                      <a:r>
+                        <a:rPr lang="zh-CN" altLang="en-US" sz="1200" u="none" strike="noStrike">
+                          <a:effectLst/>
+                        </a:rPr>
+                        <a:t>　</a:t>
+                      </a:r>
+                      <a:endParaRPr lang="zh-CN" altLang="en-US" sz="1200" b="0" i="0" u="none" strike="noStrike">
+                        <a:solidFill>
+                          <a:srgbClr val="000000"/>
+                        </a:solidFill>
+                        <a:effectLst/>
+                        <a:latin typeface="宋体" panose="02010600030101010101" pitchFamily="2" charset="-122"/>
+                        <a:ea typeface="宋体" panose="02010600030101010101" pitchFamily="2" charset="-122"/>
+                      </a:endParaRPr>
+                    </a:p>
+                  </a:txBody>
+                  <a:tcPr marL="6594" marR="6594" marT="6594" marB="0" anchor="ctr"/>
+                </a:tc>
+              </a:tr>
+              <a:tr h="441866">
+                <a:tc vMerge="1">
+                  <a:txBody>
+                    <a:bodyPr/>
+                    <a:lstStyle/>
+                    <a:p>
+                      <a:endParaRPr lang="zh-CN" altLang="en-US"/>
+                    </a:p>
+                  </a:txBody>
+                  <a:tcPr/>
+                </a:tc>
+                <a:tc>
+                  <a:txBody>
+                    <a:bodyPr/>
+                    <a:lstStyle/>
+                    <a:p>
+                      <a:pPr algn="l" fontAlgn="ctr"/>
+                      <a:r>
+                        <a:rPr lang="zh-CN" altLang="en-US" sz="1200" u="none" strike="noStrike">
+                          <a:effectLst/>
+                        </a:rPr>
+                        <a:t>整体来客数</a:t>
+                      </a:r>
+                      <a:endParaRPr lang="zh-CN" altLang="en-US" sz="1200" b="0" i="0" u="none" strike="noStrike">
+                        <a:solidFill>
+                          <a:srgbClr val="000000"/>
+                        </a:solidFill>
+                        <a:effectLst/>
+                        <a:latin typeface="宋体" panose="02010600030101010101" pitchFamily="2" charset="-122"/>
+                        <a:ea typeface="宋体" panose="02010600030101010101" pitchFamily="2" charset="-122"/>
+                      </a:endParaRPr>
+                    </a:p>
+                  </a:txBody>
+                  <a:tcPr marL="6594" marR="6594" marT="6594" marB="0" anchor="ctr"/>
+                </a:tc>
+                <a:tc>
+                  <a:txBody>
+                    <a:bodyPr/>
+                    <a:lstStyle/>
+                    <a:p>
+                      <a:pPr algn="l" fontAlgn="ctr"/>
+                      <a:r>
+                        <a:rPr lang="en-US" sz="1200" u="none" strike="noStrike">
+                          <a:effectLst/>
+                        </a:rPr>
+                        <a:t>Customer Count</a:t>
+                      </a:r>
+                      <a:endParaRPr lang="en-US" sz="1200" b="0" i="0" u="none" strike="noStrike">
+                        <a:solidFill>
+                          <a:srgbClr val="000000"/>
+                        </a:solidFill>
+                        <a:effectLst/>
+                        <a:latin typeface="宋体" panose="02010600030101010101" pitchFamily="2" charset="-122"/>
+                        <a:ea typeface="宋体" panose="02010600030101010101" pitchFamily="2" charset="-122"/>
+                      </a:endParaRPr>
+                    </a:p>
+                  </a:txBody>
+                  <a:tcPr marL="6594" marR="6594" marT="6594" marB="0" anchor="ctr"/>
+                </a:tc>
+                <a:tc>
+                  <a:txBody>
+                    <a:bodyPr/>
+                    <a:lstStyle/>
+                    <a:p>
+                      <a:pPr algn="l" fontAlgn="ctr"/>
+                      <a:r>
+                        <a:rPr lang="zh-CN" altLang="en-US" sz="1200" u="none" strike="noStrike">
+                          <a:effectLst/>
+                        </a:rPr>
+                        <a:t>整体来客数：包括会员与非会员，包括前提</a:t>
+                      </a:r>
+                      <a:r>
+                        <a:rPr lang="en-US" altLang="zh-CN" sz="1200" u="none" strike="noStrike">
+                          <a:effectLst/>
+                        </a:rPr>
+                        <a:t>POS</a:t>
+                      </a:r>
+                      <a:r>
+                        <a:rPr lang="zh-CN" altLang="en-US" sz="1200" u="none" strike="noStrike">
+                          <a:effectLst/>
+                        </a:rPr>
+                        <a:t>退货</a:t>
+                      </a:r>
+                      <a:endParaRPr lang="zh-CN" altLang="en-US" sz="1200" b="0" i="0" u="none" strike="noStrike">
+                        <a:solidFill>
+                          <a:srgbClr val="000000"/>
+                        </a:solidFill>
+                        <a:effectLst/>
+                        <a:latin typeface="宋体" panose="02010600030101010101" pitchFamily="2" charset="-122"/>
+                        <a:ea typeface="宋体" panose="02010600030101010101" pitchFamily="2" charset="-122"/>
+                      </a:endParaRPr>
+                    </a:p>
+                  </a:txBody>
+                  <a:tcPr marL="6594" marR="6594" marT="6594" marB="0" anchor="ctr"/>
+                </a:tc>
+                <a:tc>
+                  <a:txBody>
+                    <a:bodyPr/>
+                    <a:lstStyle/>
+                    <a:p>
+                      <a:pPr algn="l" fontAlgn="ctr"/>
+                      <a:r>
+                        <a:rPr lang="zh-CN" altLang="en-US" sz="1200" u="none" strike="noStrike">
+                          <a:effectLst/>
+                        </a:rPr>
+                        <a:t>　</a:t>
+                      </a:r>
+                      <a:endParaRPr lang="zh-CN" altLang="en-US" sz="1200" b="0" i="0" u="none" strike="noStrike">
+                        <a:solidFill>
+                          <a:srgbClr val="000000"/>
+                        </a:solidFill>
+                        <a:effectLst/>
+                        <a:latin typeface="宋体" panose="02010600030101010101" pitchFamily="2" charset="-122"/>
+                        <a:ea typeface="宋体" panose="02010600030101010101" pitchFamily="2" charset="-122"/>
+                      </a:endParaRPr>
+                    </a:p>
+                  </a:txBody>
+                  <a:tcPr marL="6594" marR="6594" marT="6594" marB="0" anchor="ctr"/>
+                </a:tc>
+              </a:tr>
+              <a:tr h="441866">
+                <a:tc vMerge="1">
+                  <a:txBody>
+                    <a:bodyPr/>
+                    <a:lstStyle/>
+                    <a:p>
+                      <a:endParaRPr lang="zh-CN" altLang="en-US"/>
+                    </a:p>
+                  </a:txBody>
+                  <a:tcPr/>
+                </a:tc>
+                <a:tc>
+                  <a:txBody>
+                    <a:bodyPr/>
+                    <a:lstStyle/>
+                    <a:p>
+                      <a:pPr algn="l" fontAlgn="ctr"/>
+                      <a:r>
+                        <a:rPr lang="zh-CN" altLang="en-US" sz="1200" u="none" strike="noStrike">
+                          <a:effectLst/>
+                        </a:rPr>
+                        <a:t>会员来客数</a:t>
+                      </a:r>
+                      <a:endParaRPr lang="zh-CN" altLang="en-US" sz="1200" b="0" i="0" u="none" strike="noStrike">
+                        <a:solidFill>
+                          <a:srgbClr val="000000"/>
+                        </a:solidFill>
+                        <a:effectLst/>
+                        <a:latin typeface="宋体" panose="02010600030101010101" pitchFamily="2" charset="-122"/>
+                        <a:ea typeface="宋体" panose="02010600030101010101" pitchFamily="2" charset="-122"/>
+                      </a:endParaRPr>
+                    </a:p>
+                  </a:txBody>
+                  <a:tcPr marL="6594" marR="6594" marT="6594" marB="0" anchor="ctr"/>
+                </a:tc>
+                <a:tc>
+                  <a:txBody>
+                    <a:bodyPr/>
+                    <a:lstStyle/>
+                    <a:p>
+                      <a:pPr algn="l" fontAlgn="ctr"/>
+                      <a:r>
+                        <a:rPr lang="en-US" sz="1200" u="none" strike="noStrike">
+                          <a:effectLst/>
+                        </a:rPr>
+                        <a:t>VIP Customer Count</a:t>
+                      </a:r>
+                      <a:endParaRPr lang="en-US" sz="1200" b="0" i="0" u="none" strike="noStrike">
+                        <a:solidFill>
+                          <a:srgbClr val="000000"/>
+                        </a:solidFill>
+                        <a:effectLst/>
+                        <a:latin typeface="宋体" panose="02010600030101010101" pitchFamily="2" charset="-122"/>
+                        <a:ea typeface="宋体" panose="02010600030101010101" pitchFamily="2" charset="-122"/>
+                      </a:endParaRPr>
+                    </a:p>
+                  </a:txBody>
+                  <a:tcPr marL="6594" marR="6594" marT="6594" marB="0" anchor="ctr"/>
+                </a:tc>
+                <a:tc>
+                  <a:txBody>
+                    <a:bodyPr/>
+                    <a:lstStyle/>
+                    <a:p>
+                      <a:pPr algn="l" fontAlgn="ctr"/>
+                      <a:r>
+                        <a:rPr lang="zh-CN" altLang="en-US" sz="1200" u="none" strike="noStrike" dirty="0">
+                          <a:effectLst/>
+                        </a:rPr>
+                        <a:t>只包含会员的来客数，包括前提</a:t>
+                      </a:r>
+                      <a:r>
+                        <a:rPr lang="en-US" altLang="zh-CN" sz="1200" u="none" strike="noStrike" dirty="0">
+                          <a:effectLst/>
+                        </a:rPr>
+                        <a:t>POS</a:t>
+                      </a:r>
+                      <a:r>
+                        <a:rPr lang="zh-CN" altLang="en-US" sz="1200" u="none" strike="noStrike" dirty="0">
+                          <a:effectLst/>
+                        </a:rPr>
+                        <a:t>退货。</a:t>
+                      </a:r>
+                      <a:endParaRPr lang="zh-CN" altLang="en-US" sz="1200" b="0" i="0" u="none" strike="noStrike" dirty="0">
+                        <a:solidFill>
+                          <a:srgbClr val="000000"/>
+                        </a:solidFill>
+                        <a:effectLst/>
+                        <a:latin typeface="宋体" panose="02010600030101010101" pitchFamily="2" charset="-122"/>
+                        <a:ea typeface="宋体" panose="02010600030101010101" pitchFamily="2" charset="-122"/>
+                      </a:endParaRPr>
+                    </a:p>
+                  </a:txBody>
+                  <a:tcPr marL="6594" marR="6594" marT="6594" marB="0" anchor="ctr"/>
+                </a:tc>
+                <a:tc>
+                  <a:txBody>
+                    <a:bodyPr/>
+                    <a:lstStyle/>
+                    <a:p>
+                      <a:pPr algn="l" fontAlgn="ctr"/>
+                      <a:r>
+                        <a:rPr lang="zh-CN" altLang="en-US" sz="1200" u="none" strike="noStrike" dirty="0">
+                          <a:effectLst/>
+                        </a:rPr>
+                        <a:t>　</a:t>
+                      </a:r>
+                      <a:endParaRPr lang="zh-CN" altLang="en-US" sz="1200" b="0" i="0" u="none" strike="noStrike" dirty="0">
+                        <a:solidFill>
+                          <a:srgbClr val="000000"/>
+                        </a:solidFill>
+                        <a:effectLst/>
+                        <a:latin typeface="宋体" panose="02010600030101010101" pitchFamily="2" charset="-122"/>
+                        <a:ea typeface="宋体" panose="02010600030101010101" pitchFamily="2" charset="-122"/>
+                      </a:endParaRPr>
+                    </a:p>
+                  </a:txBody>
+                  <a:tcPr marL="6594" marR="6594" marT="6594" marB="0" anchor="ctr"/>
+                </a:tc>
+              </a:tr>
+            </a:tbl>
+          </a:graphicData>
+        </a:graphic>
+      </p:graphicFrame>
+    </p:spTree>
+    <p:extLst>
+      <p:ext uri="{BB962C8B-B14F-4D97-AF65-F5344CB8AC3E}">
+        <p14:creationId xmlns:p14="http://schemas.microsoft.com/office/powerpoint/2010/main" val="2637088"/>
+      </p:ext>
+    </p:extLst>
+  </p:cSld>
+  <p:clrMapOvr>
+    <a:masterClrMapping/>
+  </p:clrMapOvr>
+</p:sld>
+</file>
+
+<file path=ppt/slides/slide8.xml><?xml version="1.0" encoding="utf-8"?>
+<p:sld xmlns:a="http://schemas.openxmlformats.org/drawingml/2006/main" xmlns:r="http://schemas.openxmlformats.org/officeDocument/2006/relationships" xmlns:p="http://schemas.openxmlformats.org/presentationml/2006/main">
+  <p:cSld>
+    <p:spTree>
+      <p:nvGrpSpPr>
+        <p:cNvPr id="1" name=""/>
+        <p:cNvGrpSpPr/>
+        <p:nvPr/>
+      </p:nvGrpSpPr>
+      <p:grpSpPr>
+        <a:xfrm>
+          <a:off x="0" y="0"/>
+          <a:ext cx="0" cy="0"/>
+          <a:chOff x="0" y="0"/>
+          <a:chExt cx="0" cy="0"/>
+        </a:xfrm>
+      </p:grpSpPr>
+      <p:sp>
+        <p:nvSpPr>
+          <p:cNvPr id="2" name="标题 1"/>
+          <p:cNvSpPr>
+            <a:spLocks noGrp="1"/>
+          </p:cNvSpPr>
+          <p:nvPr>
+            <p:ph type="title"/>
+          </p:nvPr>
+        </p:nvSpPr>
+        <p:spPr/>
+        <p:txBody>
+          <a:bodyPr/>
+          <a:lstStyle/>
+          <a:p>
+            <a:r>
               <a:rPr lang="en-US" altLang="zh-CN" dirty="0" smtClean="0"/>
               <a:t>RA batch</a:t>
             </a:r>
             <a:r>
-              <a:rPr lang="zh-CN" altLang="en-US" smtClean="0"/>
-              <a:t>优化方案</a:t>
-            </a:r>
-            <a:endParaRPr lang="zh-CN" altLang="en-US"/>
+              <a:rPr lang="zh-CN" altLang="en-US" dirty="0" smtClean="0"/>
+              <a:t>执行</a:t>
+            </a:r>
+            <a:r>
+              <a:rPr lang="zh-CN" altLang="en-US" dirty="0"/>
+              <a:t>概览</a:t>
+            </a:r>
+          </a:p>
+        </p:txBody>
+      </p:sp>
+      <p:graphicFrame>
+        <p:nvGraphicFramePr>
+          <p:cNvPr id="8" name="内容占位符 7"/>
+          <p:cNvGraphicFramePr>
+            <a:graphicFrameLocks noGrp="1"/>
+          </p:cNvGraphicFramePr>
+          <p:nvPr>
+            <p:ph idx="1"/>
+            <p:extLst>
+              <p:ext uri="{D42A27DB-BD31-4B8C-83A1-F6EECF244321}">
+                <p14:modId xmlns:p14="http://schemas.microsoft.com/office/powerpoint/2010/main" val="3441886301"/>
+              </p:ext>
+            </p:extLst>
+          </p:nvPr>
+        </p:nvGraphicFramePr>
+        <p:xfrm>
+          <a:off x="838200" y="1282700"/>
+          <a:ext cx="10515600" cy="4772025"/>
+        </p:xfrm>
+        <a:graphic>
+          <a:graphicData uri="http://schemas.openxmlformats.org/drawingml/2006/chart">
+            <c:chart xmlns:c="http://schemas.openxmlformats.org/drawingml/2006/chart" xmlns:r="http://schemas.openxmlformats.org/officeDocument/2006/relationships" r:id="rId2"/>
+          </a:graphicData>
+        </a:graphic>
+      </p:graphicFrame>
+    </p:spTree>
+    <p:extLst>
+      <p:ext uri="{BB962C8B-B14F-4D97-AF65-F5344CB8AC3E}">
+        <p14:creationId xmlns:p14="http://schemas.microsoft.com/office/powerpoint/2010/main" val="890813067"/>
+      </p:ext>
+    </p:extLst>
+  </p:cSld>
+  <p:clrMapOvr>
+    <a:masterClrMapping/>
+  </p:clrMapOvr>
+  <p:timing>
+    <p:tnLst>
+      <p:par>
+        <p:cTn id="1" dur="indefinite" restart="never" nodeType="tmRoot"/>
+      </p:par>
+    </p:tnLst>
+  </p:timing>
+</p:sld>
+</file>
+
+<file path=ppt/slides/slide9.xml><?xml version="1.0" encoding="utf-8"?>
+<p:sld xmlns:a="http://schemas.openxmlformats.org/drawingml/2006/main" xmlns:r="http://schemas.openxmlformats.org/officeDocument/2006/relationships" xmlns:p="http://schemas.openxmlformats.org/presentationml/2006/main">
+  <p:cSld>
+    <p:spTree>
+      <p:nvGrpSpPr>
+        <p:cNvPr id="1" name=""/>
+        <p:cNvGrpSpPr/>
+        <p:nvPr/>
+      </p:nvGrpSpPr>
+      <p:grpSpPr>
+        <a:xfrm>
+          <a:off x="0" y="0"/>
+          <a:ext cx="0" cy="0"/>
+          <a:chOff x="0" y="0"/>
+          <a:chExt cx="0" cy="0"/>
+        </a:xfrm>
+      </p:grpSpPr>
+      <p:sp>
+        <p:nvSpPr>
+          <p:cNvPr id="2" name="标题 1"/>
+          <p:cNvSpPr>
+            <a:spLocks noGrp="1"/>
+          </p:cNvSpPr>
+          <p:nvPr>
+            <p:ph type="title"/>
+          </p:nvPr>
+        </p:nvSpPr>
+        <p:spPr/>
+        <p:txBody>
+          <a:bodyPr/>
+          <a:lstStyle/>
+          <a:p>
+            <a:r>
+              <a:rPr lang="en-US" altLang="zh-CN" dirty="0" smtClean="0"/>
+              <a:t>RA batch</a:t>
+            </a:r>
+            <a:r>
+              <a:rPr lang="zh-CN" altLang="en-US" dirty="0" smtClean="0"/>
+              <a:t>运行时间</a:t>
+            </a:r>
+            <a:r>
+              <a:rPr lang="en-US" altLang="zh-CN" dirty="0" smtClean="0"/>
+              <a:t>1</a:t>
+            </a:r>
+            <a:r>
+              <a:rPr lang="zh-CN" altLang="en-US" dirty="0" smtClean="0"/>
+              <a:t>小时以上的</a:t>
+            </a:r>
+            <a:r>
+              <a:rPr lang="en-US" altLang="zh-CN" dirty="0" smtClean="0"/>
+              <a:t>batch</a:t>
+            </a:r>
+            <a:endParaRPr lang="zh-CN" altLang="en-US" dirty="0"/>
           </a:p>
         </p:txBody>
       </p:sp>
@@ -7869,20 +13171,67 @@
           <a:bodyPr/>
           <a:lstStyle/>
           <a:p>
-            <a:endParaRPr lang="zh-CN" altLang="en-US"/>
+            <a:r>
+              <a:rPr lang="en-US" altLang="zh-CN" dirty="0" smtClean="0"/>
+              <a:t>BBG_RA_ITEM_LOC_SUPP_SIL.KSH</a:t>
+            </a:r>
+          </a:p>
+          <a:p>
+            <a:r>
+              <a:rPr lang="en-US" altLang="zh-CN" dirty="0" smtClean="0"/>
+              <a:t>NCSTUIDPLP</a:t>
+            </a:r>
+          </a:p>
+          <a:p>
+            <a:r>
+              <a:rPr lang="en-US" altLang="zh-CN" dirty="0" smtClean="0"/>
+              <a:t>BBG_ETL_MONTH_DATA.KSH</a:t>
+            </a:r>
+          </a:p>
+          <a:p>
+            <a:r>
+              <a:rPr lang="en-US" altLang="zh-CN" dirty="0" smtClean="0"/>
+              <a:t>BBG_INVILDSIL.KSH</a:t>
+            </a:r>
+          </a:p>
+          <a:p>
+            <a:r>
+              <a:rPr lang="en-US" altLang="zh-CN" dirty="0" smtClean="0"/>
+              <a:t>BBG_RA_CUST_IT_SIL.KSH</a:t>
+            </a:r>
+          </a:p>
+          <a:p>
+            <a:r>
+              <a:rPr lang="en-US" altLang="zh-CN" dirty="0" smtClean="0"/>
+              <a:t>BBG_INVILDSDE.KSH</a:t>
+            </a:r>
+          </a:p>
+          <a:p>
+            <a:r>
+              <a:rPr lang="en-US" altLang="zh-CN" dirty="0"/>
+              <a:t>BBG_RA_SUPP_SLSSLDPLP.KSH</a:t>
+            </a:r>
+            <a:endParaRPr lang="zh-CN" altLang="en-US" dirty="0"/>
           </a:p>
         </p:txBody>
       </p:sp>
     </p:spTree>
     <p:extLst>
       <p:ext uri="{BB962C8B-B14F-4D97-AF65-F5344CB8AC3E}">
-        <p14:creationId xmlns:p14="http://schemas.microsoft.com/office/powerpoint/2010/main" val="473651633"/>
+        <p14:creationId xmlns:p14="http://schemas.microsoft.com/office/powerpoint/2010/main" val="876449990"/>
       </p:ext>
     </p:extLst>
   </p:cSld>
   <p:clrMapOvr>
     <a:masterClrMapping/>
   </p:clrMapOvr>
+  <p:timing>
+    <p:tnLst>
+      <p:par>
+        <p:cTn id="1" dur="indefinite" restart="never" nodeType="tmRoot"/>
+      </p:par>
+    </p:tnLst>
+  </p:timing>
 </p:sld>
 </file>
 

--- a/软维组日常工作记录跟踪表/RA建设成果和batch运行情况-20150929.pptx
+++ b/软维组日常工作记录跟踪表/RA建设成果和batch运行情况-20150929.pptx
@@ -167,7 +167,6 @@
           </a:p>
         </c:rich>
       </c:tx>
-      <c:layout/>
       <c:overlay val="0"/>
       <c:spPr>
         <a:noFill/>
@@ -2268,11 +2267,11 @@
           <c:showBubbleSize val="0"/>
         </c:dLbls>
         <c:smooth val="0"/>
-        <c:axId val="-1712995056"/>
-        <c:axId val="-1712987984"/>
+        <c:axId val="-51455632"/>
+        <c:axId val="-51454544"/>
       </c:lineChart>
       <c:dateAx>
-        <c:axId val="-1712995056"/>
+        <c:axId val="-51455632"/>
         <c:scaling>
           <c:orientation val="minMax"/>
         </c:scaling>
@@ -2315,14 +2314,14 @@
             <a:endParaRPr lang="zh-CN"/>
           </a:p>
         </c:txPr>
-        <c:crossAx val="-1712987984"/>
+        <c:crossAx val="-51454544"/>
         <c:crosses val="autoZero"/>
         <c:auto val="1"/>
         <c:lblOffset val="100"/>
         <c:baseTimeUnit val="days"/>
       </c:dateAx>
       <c:valAx>
-        <c:axId val="-1712987984"/>
+        <c:axId val="-51454544"/>
         <c:scaling>
           <c:orientation val="minMax"/>
         </c:scaling>
@@ -2370,7 +2369,7 @@
             <a:endParaRPr lang="zh-CN"/>
           </a:p>
         </c:txPr>
-        <c:crossAx val="-1712995056"/>
+        <c:crossAx val="-51455632"/>
         <c:crosses val="autoZero"/>
         <c:crossBetween val="between"/>
       </c:valAx>
@@ -3096,7 +3095,7 @@
           <a:p>
             <a:fld id="{1676F7F1-FDF5-409F-BD7B-C3654CCDCFC0}" type="datetimeFigureOut">
               <a:rPr lang="zh-CN" altLang="en-US" smtClean="0"/>
-              <a:t>2015/10/8</a:t>
+              <a:t>2015/10/20</a:t>
             </a:fld>
             <a:endParaRPr lang="zh-CN" altLang="en-US"/>
           </a:p>
@@ -3273,7 +3272,7 @@
           <a:p>
             <a:fld id="{1676F7F1-FDF5-409F-BD7B-C3654CCDCFC0}" type="datetimeFigureOut">
               <a:rPr lang="zh-CN" altLang="en-US" smtClean="0"/>
-              <a:t>2015/10/8</a:t>
+              <a:t>2015/10/20</a:t>
             </a:fld>
             <a:endParaRPr lang="zh-CN" altLang="en-US"/>
           </a:p>
@@ -3453,7 +3452,7 @@
           <a:p>
             <a:fld id="{1676F7F1-FDF5-409F-BD7B-C3654CCDCFC0}" type="datetimeFigureOut">
               <a:rPr lang="zh-CN" altLang="en-US" smtClean="0"/>
-              <a:t>2015/10/8</a:t>
+              <a:t>2015/10/20</a:t>
             </a:fld>
             <a:endParaRPr lang="zh-CN" altLang="en-US"/>
           </a:p>
@@ -3633,7 +3632,7 @@
           <a:p>
             <a:fld id="{1676F7F1-FDF5-409F-BD7B-C3654CCDCFC0}" type="datetimeFigureOut">
               <a:rPr lang="zh-CN" altLang="en-US" smtClean="0"/>
-              <a:t>2015/10/8</a:t>
+              <a:t>2015/10/20</a:t>
             </a:fld>
             <a:endParaRPr lang="zh-CN" altLang="en-US"/>
           </a:p>
@@ -3886,7 +3885,7 @@
           <a:p>
             <a:fld id="{1676F7F1-FDF5-409F-BD7B-C3654CCDCFC0}" type="datetimeFigureOut">
               <a:rPr lang="zh-CN" altLang="en-US" smtClean="0"/>
-              <a:t>2015/10/8</a:t>
+              <a:t>2015/10/20</a:t>
             </a:fld>
             <a:endParaRPr lang="zh-CN" altLang="en-US"/>
           </a:p>
@@ -4125,7 +4124,7 @@
           <a:p>
             <a:fld id="{1676F7F1-FDF5-409F-BD7B-C3654CCDCFC0}" type="datetimeFigureOut">
               <a:rPr lang="zh-CN" altLang="en-US" smtClean="0"/>
-              <a:t>2015/10/8</a:t>
+              <a:t>2015/10/20</a:t>
             </a:fld>
             <a:endParaRPr lang="zh-CN" altLang="en-US"/>
           </a:p>
@@ -4499,7 +4498,7 @@
           <a:p>
             <a:fld id="{1676F7F1-FDF5-409F-BD7B-C3654CCDCFC0}" type="datetimeFigureOut">
               <a:rPr lang="zh-CN" altLang="en-US" smtClean="0"/>
-              <a:t>2015/10/8</a:t>
+              <a:t>2015/10/20</a:t>
             </a:fld>
             <a:endParaRPr lang="zh-CN" altLang="en-US"/>
           </a:p>
@@ -4624,7 +4623,7 @@
           <a:p>
             <a:fld id="{1676F7F1-FDF5-409F-BD7B-C3654CCDCFC0}" type="datetimeFigureOut">
               <a:rPr lang="zh-CN" altLang="en-US" smtClean="0"/>
-              <a:t>2015/10/8</a:t>
+              <a:t>2015/10/20</a:t>
             </a:fld>
             <a:endParaRPr lang="zh-CN" altLang="en-US"/>
           </a:p>
@@ -4726,7 +4725,7 @@
           <a:p>
             <a:fld id="{1676F7F1-FDF5-409F-BD7B-C3654CCDCFC0}" type="datetimeFigureOut">
               <a:rPr lang="zh-CN" altLang="en-US" smtClean="0"/>
-              <a:t>2015/10/8</a:t>
+              <a:t>2015/10/20</a:t>
             </a:fld>
             <a:endParaRPr lang="zh-CN" altLang="en-US"/>
           </a:p>
@@ -5003,7 +5002,7 @@
           <a:p>
             <a:fld id="{1676F7F1-FDF5-409F-BD7B-C3654CCDCFC0}" type="datetimeFigureOut">
               <a:rPr lang="zh-CN" altLang="en-US" smtClean="0"/>
-              <a:t>2015/10/8</a:t>
+              <a:t>2015/10/20</a:t>
             </a:fld>
             <a:endParaRPr lang="zh-CN" altLang="en-US"/>
           </a:p>
@@ -5260,7 +5259,7 @@
           <a:p>
             <a:fld id="{1676F7F1-FDF5-409F-BD7B-C3654CCDCFC0}" type="datetimeFigureOut">
               <a:rPr lang="zh-CN" altLang="en-US" smtClean="0"/>
-              <a:t>2015/10/8</a:t>
+              <a:t>2015/10/20</a:t>
             </a:fld>
             <a:endParaRPr lang="zh-CN" altLang="en-US"/>
           </a:p>
@@ -5473,7 +5472,7 @@
           <a:p>
             <a:fld id="{1676F7F1-FDF5-409F-BD7B-C3654CCDCFC0}" type="datetimeFigureOut">
               <a:rPr lang="zh-CN" altLang="en-US" smtClean="0"/>
-              <a:t>2015/10/8</a:t>
+              <a:t>2015/10/20</a:t>
             </a:fld>
             <a:endParaRPr lang="zh-CN" altLang="en-US"/>
           </a:p>
@@ -6191,7 +6190,6 @@
               <a:rPr lang="zh-CN" altLang="en-US" dirty="0"/>
               <a:t>方向</a:t>
             </a:r>
-            <a:endParaRPr lang="zh-CN" altLang="en-US" dirty="0"/>
           </a:p>
         </p:txBody>
       </p:sp>
@@ -6627,7 +6625,7 @@
             <p:ph idx="1"/>
             <p:extLst>
               <p:ext uri="{D42A27DB-BD31-4B8C-83A1-F6EECF244321}">
-                <p14:modId xmlns:p14="http://schemas.microsoft.com/office/powerpoint/2010/main" val="4132906980"/>
+                <p14:modId xmlns:p14="http://schemas.microsoft.com/office/powerpoint/2010/main" val="2872590247"/>
               </p:ext>
             </p:extLst>
           </p:nvPr>
@@ -7771,8 +7769,8 @@
                     <a:lstStyle/>
                     <a:p>
                       <a:r>
-                        <a:rPr lang="en-US" altLang="zh-CN" sz="1600" dirty="0" smtClean="0"/>
-                        <a:t>2015.5.8</a:t>
+                        <a:rPr lang="en-US" altLang="zh-CN" sz="1600" smtClean="0"/>
+                        <a:t>2013.5.8</a:t>
                       </a:r>
                       <a:r>
                         <a:rPr lang="zh-CN" altLang="en-US" sz="1600" dirty="0" smtClean="0"/>
